--- a/hw02.pptx
+++ b/hw02.pptx
@@ -2,16 +2,31 @@
 <file path=ppt/presentation.xml><?xml version="1.0" encoding="utf-8"?>
 <p:presentation xmlns:a="http://schemas.openxmlformats.org/drawingml/2006/main" xmlns:r="http://schemas.openxmlformats.org/officeDocument/2006/relationships" xmlns:p="http://schemas.openxmlformats.org/presentationml/2006/main" saveSubsetFonts="1">
   <p:sldMasterIdLst>
-    <p:sldMasterId id="2147483648" r:id="rId1"/>
+    <p:sldMasterId id="2147483701" r:id="rId1"/>
   </p:sldMasterIdLst>
+  <p:notesMasterIdLst>
+    <p:notesMasterId r:id="rId15"/>
+  </p:notesMasterIdLst>
   <p:sldIdLst>
     <p:sldId id="256" r:id="rId2"/>
+    <p:sldId id="257" r:id="rId3"/>
+    <p:sldId id="258" r:id="rId4"/>
+    <p:sldId id="264" r:id="rId5"/>
+    <p:sldId id="265" r:id="rId6"/>
+    <p:sldId id="259" r:id="rId7"/>
+    <p:sldId id="260" r:id="rId8"/>
+    <p:sldId id="266" r:id="rId9"/>
+    <p:sldId id="261" r:id="rId10"/>
+    <p:sldId id="262" r:id="rId11"/>
+    <p:sldId id="267" r:id="rId12"/>
+    <p:sldId id="268" r:id="rId13"/>
+    <p:sldId id="263" r:id="rId14"/>
   </p:sldIdLst>
   <p:sldSz cx="12192000" cy="6858000"/>
   <p:notesSz cx="6858000" cy="9144000"/>
   <p:defaultTextStyle>
     <a:defPPr>
-      <a:defRPr lang="zh-TW"/>
+      <a:defRPr lang="en-US"/>
     </a:defPPr>
     <a:lvl1pPr marL="0" algn="l" defTabSz="914400" rtl="0" eaLnBrk="1" latinLnBrk="0" hangingPunct="1">
       <a:defRPr sz="1800" kern="1200">
@@ -104,7 +119,2026 @@
       </a:defRPr>
     </a:lvl9pPr>
   </p:defaultTextStyle>
+  <p:extLst>
+    <p:ext uri="{EFAFB233-063F-42B5-8137-9DF3F51BA10A}">
+      <p15:sldGuideLst xmlns:p15="http://schemas.microsoft.com/office/powerpoint/2012/main"/>
+    </p:ext>
+  </p:extLst>
 </p:presentation>
+</file>
+
+<file path=ppt/notesMasters/notesMaster1.xml><?xml version="1.0" encoding="utf-8"?>
+<p:notesMaster xmlns:a="http://schemas.openxmlformats.org/drawingml/2006/main" xmlns:r="http://schemas.openxmlformats.org/officeDocument/2006/relationships" xmlns:p="http://schemas.openxmlformats.org/presentationml/2006/main">
+  <p:cSld>
+    <p:bg>
+      <p:bgRef idx="1001">
+        <a:schemeClr val="bg1"/>
+      </p:bgRef>
+    </p:bg>
+    <p:spTree>
+      <p:nvGrpSpPr>
+        <p:cNvPr id="1" name=""/>
+        <p:cNvGrpSpPr/>
+        <p:nvPr/>
+      </p:nvGrpSpPr>
+      <p:grpSpPr>
+        <a:xfrm>
+          <a:off x="0" y="0"/>
+          <a:ext cx="0" cy="0"/>
+          <a:chOff x="0" y="0"/>
+          <a:chExt cx="0" cy="0"/>
+        </a:xfrm>
+      </p:grpSpPr>
+      <p:sp>
+        <p:nvSpPr>
+          <p:cNvPr id="2" name="頁首版面配置區 1"/>
+          <p:cNvSpPr>
+            <a:spLocks noGrp="1"/>
+          </p:cNvSpPr>
+          <p:nvPr>
+            <p:ph type="hdr" sz="quarter"/>
+          </p:nvPr>
+        </p:nvSpPr>
+        <p:spPr>
+          <a:xfrm>
+            <a:off x="0" y="0"/>
+            <a:ext cx="2971800" cy="458788"/>
+          </a:xfrm>
+          <a:prstGeom prst="rect">
+            <a:avLst/>
+          </a:prstGeom>
+        </p:spPr>
+        <p:txBody>
+          <a:bodyPr vert="horz" lIns="91440" tIns="45720" rIns="91440" bIns="45720" rtlCol="0"/>
+          <a:lstStyle>
+            <a:lvl1pPr algn="l">
+              <a:defRPr sz="1200"/>
+            </a:lvl1pPr>
+          </a:lstStyle>
+          <a:p>
+            <a:endParaRPr lang="zh-TW" altLang="en-US"/>
+          </a:p>
+        </p:txBody>
+      </p:sp>
+      <p:sp>
+        <p:nvSpPr>
+          <p:cNvPr id="3" name="日期版面配置區 2"/>
+          <p:cNvSpPr>
+            <a:spLocks noGrp="1"/>
+          </p:cNvSpPr>
+          <p:nvPr>
+            <p:ph type="dt" idx="1"/>
+          </p:nvPr>
+        </p:nvSpPr>
+        <p:spPr>
+          <a:xfrm>
+            <a:off x="3884613" y="0"/>
+            <a:ext cx="2971800" cy="458788"/>
+          </a:xfrm>
+          <a:prstGeom prst="rect">
+            <a:avLst/>
+          </a:prstGeom>
+        </p:spPr>
+        <p:txBody>
+          <a:bodyPr vert="horz" lIns="91440" tIns="45720" rIns="91440" bIns="45720" rtlCol="0"/>
+          <a:lstStyle>
+            <a:lvl1pPr algn="r">
+              <a:defRPr sz="1200"/>
+            </a:lvl1pPr>
+          </a:lstStyle>
+          <a:p>
+            <a:fld id="{F7DD9925-76D9-4C8A-BBD6-78C01F80653A}" type="datetimeFigureOut">
+              <a:rPr lang="zh-TW" altLang="en-US" smtClean="0"/>
+              <a:t>2024/10/19</a:t>
+            </a:fld>
+            <a:endParaRPr lang="zh-TW" altLang="en-US"/>
+          </a:p>
+        </p:txBody>
+      </p:sp>
+      <p:sp>
+        <p:nvSpPr>
+          <p:cNvPr id="4" name="投影片影像版面配置區 3"/>
+          <p:cNvSpPr>
+            <a:spLocks noGrp="1" noRot="1" noChangeAspect="1"/>
+          </p:cNvSpPr>
+          <p:nvPr>
+            <p:ph type="sldImg" idx="2"/>
+          </p:nvPr>
+        </p:nvSpPr>
+        <p:spPr>
+          <a:xfrm>
+            <a:off x="685800" y="1143000"/>
+            <a:ext cx="5486400" cy="3086100"/>
+          </a:xfrm>
+          <a:prstGeom prst="rect">
+            <a:avLst/>
+          </a:prstGeom>
+          <a:noFill/>
+          <a:ln w="12700">
+            <a:solidFill>
+              <a:prstClr val="black"/>
+            </a:solidFill>
+          </a:ln>
+        </p:spPr>
+        <p:txBody>
+          <a:bodyPr vert="horz" lIns="91440" tIns="45720" rIns="91440" bIns="45720" rtlCol="0" anchor="ctr"/>
+          <a:lstStyle/>
+          <a:p>
+            <a:endParaRPr lang="zh-TW" altLang="en-US"/>
+          </a:p>
+        </p:txBody>
+      </p:sp>
+      <p:sp>
+        <p:nvSpPr>
+          <p:cNvPr id="5" name="備忘稿版面配置區 4"/>
+          <p:cNvSpPr>
+            <a:spLocks noGrp="1"/>
+          </p:cNvSpPr>
+          <p:nvPr>
+            <p:ph type="body" sz="quarter" idx="3"/>
+          </p:nvPr>
+        </p:nvSpPr>
+        <p:spPr>
+          <a:xfrm>
+            <a:off x="685800" y="4400550"/>
+            <a:ext cx="5486400" cy="3600450"/>
+          </a:xfrm>
+          <a:prstGeom prst="rect">
+            <a:avLst/>
+          </a:prstGeom>
+        </p:spPr>
+        <p:txBody>
+          <a:bodyPr vert="horz" lIns="91440" tIns="45720" rIns="91440" bIns="45720" rtlCol="0"/>
+          <a:lstStyle/>
+          <a:p>
+            <a:pPr lvl="0"/>
+            <a:r>
+              <a:rPr lang="zh-TW" altLang="en-US"/>
+              <a:t>按一下以編輯母片文字樣式</a:t>
+            </a:r>
+          </a:p>
+          <a:p>
+            <a:pPr lvl="1"/>
+            <a:r>
+              <a:rPr lang="zh-TW" altLang="en-US"/>
+              <a:t>第二層</a:t>
+            </a:r>
+          </a:p>
+          <a:p>
+            <a:pPr lvl="2"/>
+            <a:r>
+              <a:rPr lang="zh-TW" altLang="en-US"/>
+              <a:t>第三層</a:t>
+            </a:r>
+          </a:p>
+          <a:p>
+            <a:pPr lvl="3"/>
+            <a:r>
+              <a:rPr lang="zh-TW" altLang="en-US"/>
+              <a:t>第四層</a:t>
+            </a:r>
+          </a:p>
+          <a:p>
+            <a:pPr lvl="4"/>
+            <a:r>
+              <a:rPr lang="zh-TW" altLang="en-US"/>
+              <a:t>第五層</a:t>
+            </a:r>
+          </a:p>
+        </p:txBody>
+      </p:sp>
+      <p:sp>
+        <p:nvSpPr>
+          <p:cNvPr id="6" name="頁尾版面配置區 5"/>
+          <p:cNvSpPr>
+            <a:spLocks noGrp="1"/>
+          </p:cNvSpPr>
+          <p:nvPr>
+            <p:ph type="ftr" sz="quarter" idx="4"/>
+          </p:nvPr>
+        </p:nvSpPr>
+        <p:spPr>
+          <a:xfrm>
+            <a:off x="0" y="8685213"/>
+            <a:ext cx="2971800" cy="458787"/>
+          </a:xfrm>
+          <a:prstGeom prst="rect">
+            <a:avLst/>
+          </a:prstGeom>
+        </p:spPr>
+        <p:txBody>
+          <a:bodyPr vert="horz" lIns="91440" tIns="45720" rIns="91440" bIns="45720" rtlCol="0" anchor="b"/>
+          <a:lstStyle>
+            <a:lvl1pPr algn="l">
+              <a:defRPr sz="1200"/>
+            </a:lvl1pPr>
+          </a:lstStyle>
+          <a:p>
+            <a:endParaRPr lang="zh-TW" altLang="en-US"/>
+          </a:p>
+        </p:txBody>
+      </p:sp>
+      <p:sp>
+        <p:nvSpPr>
+          <p:cNvPr id="7" name="投影片編號版面配置區 6"/>
+          <p:cNvSpPr>
+            <a:spLocks noGrp="1"/>
+          </p:cNvSpPr>
+          <p:nvPr>
+            <p:ph type="sldNum" sz="quarter" idx="5"/>
+          </p:nvPr>
+        </p:nvSpPr>
+        <p:spPr>
+          <a:xfrm>
+            <a:off x="3884613" y="8685213"/>
+            <a:ext cx="2971800" cy="458787"/>
+          </a:xfrm>
+          <a:prstGeom prst="rect">
+            <a:avLst/>
+          </a:prstGeom>
+        </p:spPr>
+        <p:txBody>
+          <a:bodyPr vert="horz" lIns="91440" tIns="45720" rIns="91440" bIns="45720" rtlCol="0" anchor="b"/>
+          <a:lstStyle>
+            <a:lvl1pPr algn="r">
+              <a:defRPr sz="1200"/>
+            </a:lvl1pPr>
+          </a:lstStyle>
+          <a:p>
+            <a:fld id="{C7509520-8516-495E-8FEA-2957F4AE4ACB}" type="slidenum">
+              <a:rPr lang="zh-TW" altLang="en-US" smtClean="0"/>
+              <a:t>‹#›</a:t>
+            </a:fld>
+            <a:endParaRPr lang="zh-TW" altLang="en-US"/>
+          </a:p>
+        </p:txBody>
+      </p:sp>
+    </p:spTree>
+    <p:extLst>
+      <p:ext uri="{BB962C8B-B14F-4D97-AF65-F5344CB8AC3E}">
+        <p14:creationId xmlns:p14="http://schemas.microsoft.com/office/powerpoint/2010/main" val="1800560815"/>
+      </p:ext>
+    </p:extLst>
+  </p:cSld>
+  <p:clrMap bg1="lt1" tx1="dk1" bg2="lt2" tx2="dk2" accent1="accent1" accent2="accent2" accent3="accent3" accent4="accent4" accent5="accent5" accent6="accent6" hlink="hlink" folHlink="folHlink"/>
+  <p:notesStyle>
+    <a:lvl1pPr marL="0" algn="l" defTabSz="914400" rtl="0" eaLnBrk="1" latinLnBrk="0" hangingPunct="1">
+      <a:defRPr sz="1200" kern="1200">
+        <a:solidFill>
+          <a:schemeClr val="tx1"/>
+        </a:solidFill>
+        <a:latin typeface="+mn-lt"/>
+        <a:ea typeface="+mn-ea"/>
+        <a:cs typeface="+mn-cs"/>
+      </a:defRPr>
+    </a:lvl1pPr>
+    <a:lvl2pPr marL="457200" algn="l" defTabSz="914400" rtl="0" eaLnBrk="1" latinLnBrk="0" hangingPunct="1">
+      <a:defRPr sz="1200" kern="1200">
+        <a:solidFill>
+          <a:schemeClr val="tx1"/>
+        </a:solidFill>
+        <a:latin typeface="+mn-lt"/>
+        <a:ea typeface="+mn-ea"/>
+        <a:cs typeface="+mn-cs"/>
+      </a:defRPr>
+    </a:lvl2pPr>
+    <a:lvl3pPr marL="914400" algn="l" defTabSz="914400" rtl="0" eaLnBrk="1" latinLnBrk="0" hangingPunct="1">
+      <a:defRPr sz="1200" kern="1200">
+        <a:solidFill>
+          <a:schemeClr val="tx1"/>
+        </a:solidFill>
+        <a:latin typeface="+mn-lt"/>
+        <a:ea typeface="+mn-ea"/>
+        <a:cs typeface="+mn-cs"/>
+      </a:defRPr>
+    </a:lvl3pPr>
+    <a:lvl4pPr marL="1371600" algn="l" defTabSz="914400" rtl="0" eaLnBrk="1" latinLnBrk="0" hangingPunct="1">
+      <a:defRPr sz="1200" kern="1200">
+        <a:solidFill>
+          <a:schemeClr val="tx1"/>
+        </a:solidFill>
+        <a:latin typeface="+mn-lt"/>
+        <a:ea typeface="+mn-ea"/>
+        <a:cs typeface="+mn-cs"/>
+      </a:defRPr>
+    </a:lvl4pPr>
+    <a:lvl5pPr marL="1828800" algn="l" defTabSz="914400" rtl="0" eaLnBrk="1" latinLnBrk="0" hangingPunct="1">
+      <a:defRPr sz="1200" kern="1200">
+        <a:solidFill>
+          <a:schemeClr val="tx1"/>
+        </a:solidFill>
+        <a:latin typeface="+mn-lt"/>
+        <a:ea typeface="+mn-ea"/>
+        <a:cs typeface="+mn-cs"/>
+      </a:defRPr>
+    </a:lvl5pPr>
+    <a:lvl6pPr marL="2286000" algn="l" defTabSz="914400" rtl="0" eaLnBrk="1" latinLnBrk="0" hangingPunct="1">
+      <a:defRPr sz="1200" kern="1200">
+        <a:solidFill>
+          <a:schemeClr val="tx1"/>
+        </a:solidFill>
+        <a:latin typeface="+mn-lt"/>
+        <a:ea typeface="+mn-ea"/>
+        <a:cs typeface="+mn-cs"/>
+      </a:defRPr>
+    </a:lvl6pPr>
+    <a:lvl7pPr marL="2743200" algn="l" defTabSz="914400" rtl="0" eaLnBrk="1" latinLnBrk="0" hangingPunct="1">
+      <a:defRPr sz="1200" kern="1200">
+        <a:solidFill>
+          <a:schemeClr val="tx1"/>
+        </a:solidFill>
+        <a:latin typeface="+mn-lt"/>
+        <a:ea typeface="+mn-ea"/>
+        <a:cs typeface="+mn-cs"/>
+      </a:defRPr>
+    </a:lvl7pPr>
+    <a:lvl8pPr marL="3200400" algn="l" defTabSz="914400" rtl="0" eaLnBrk="1" latinLnBrk="0" hangingPunct="1">
+      <a:defRPr sz="1200" kern="1200">
+        <a:solidFill>
+          <a:schemeClr val="tx1"/>
+        </a:solidFill>
+        <a:latin typeface="+mn-lt"/>
+        <a:ea typeface="+mn-ea"/>
+        <a:cs typeface="+mn-cs"/>
+      </a:defRPr>
+    </a:lvl8pPr>
+    <a:lvl9pPr marL="3657600" algn="l" defTabSz="914400" rtl="0" eaLnBrk="1" latinLnBrk="0" hangingPunct="1">
+      <a:defRPr sz="1200" kern="1200">
+        <a:solidFill>
+          <a:schemeClr val="tx1"/>
+        </a:solidFill>
+        <a:latin typeface="+mn-lt"/>
+        <a:ea typeface="+mn-ea"/>
+        <a:cs typeface="+mn-cs"/>
+      </a:defRPr>
+    </a:lvl9pPr>
+  </p:notesStyle>
+</p:notesMaster>
+</file>
+
+<file path=ppt/notesSlides/notesSlide1.xml><?xml version="1.0" encoding="utf-8"?>
+<p:notes xmlns:a="http://schemas.openxmlformats.org/drawingml/2006/main" xmlns:r="http://schemas.openxmlformats.org/officeDocument/2006/relationships" xmlns:p="http://schemas.openxmlformats.org/presentationml/2006/main">
+  <p:cSld>
+    <p:spTree>
+      <p:nvGrpSpPr>
+        <p:cNvPr id="1" name=""/>
+        <p:cNvGrpSpPr/>
+        <p:nvPr/>
+      </p:nvGrpSpPr>
+      <p:grpSpPr>
+        <a:xfrm>
+          <a:off x="0" y="0"/>
+          <a:ext cx="0" cy="0"/>
+          <a:chOff x="0" y="0"/>
+          <a:chExt cx="0" cy="0"/>
+        </a:xfrm>
+      </p:grpSpPr>
+      <p:sp>
+        <p:nvSpPr>
+          <p:cNvPr id="2" name="投影片影像版面配置區 1"/>
+          <p:cNvSpPr>
+            <a:spLocks noGrp="1" noRot="1" noChangeAspect="1"/>
+          </p:cNvSpPr>
+          <p:nvPr>
+            <p:ph type="sldImg"/>
+          </p:nvPr>
+        </p:nvSpPr>
+        <p:spPr/>
+      </p:sp>
+      <p:sp>
+        <p:nvSpPr>
+          <p:cNvPr id="3" name="備忘稿版面配置區 2"/>
+          <p:cNvSpPr>
+            <a:spLocks noGrp="1"/>
+          </p:cNvSpPr>
+          <p:nvPr>
+            <p:ph type="body" idx="1"/>
+          </p:nvPr>
+        </p:nvSpPr>
+        <p:spPr/>
+        <p:txBody>
+          <a:bodyPr/>
+          <a:lstStyle/>
+          <a:p>
+            <a:r>
+              <a:rPr lang="zh-TW" altLang="en-US" dirty="0"/>
+              <a:t>自我介紹</a:t>
+            </a:r>
+          </a:p>
+        </p:txBody>
+      </p:sp>
+      <p:sp>
+        <p:nvSpPr>
+          <p:cNvPr id="4" name="投影片編號版面配置區 3"/>
+          <p:cNvSpPr>
+            <a:spLocks noGrp="1"/>
+          </p:cNvSpPr>
+          <p:nvPr>
+            <p:ph type="sldNum" sz="quarter" idx="5"/>
+          </p:nvPr>
+        </p:nvSpPr>
+        <p:spPr/>
+        <p:txBody>
+          <a:bodyPr/>
+          <a:lstStyle/>
+          <a:p>
+            <a:fld id="{C7509520-8516-495E-8FEA-2957F4AE4ACB}" type="slidenum">
+              <a:rPr lang="zh-TW" altLang="en-US" smtClean="0"/>
+              <a:t>1</a:t>
+            </a:fld>
+            <a:endParaRPr lang="zh-TW" altLang="en-US"/>
+          </a:p>
+        </p:txBody>
+      </p:sp>
+    </p:spTree>
+    <p:extLst>
+      <p:ext uri="{BB962C8B-B14F-4D97-AF65-F5344CB8AC3E}">
+        <p14:creationId xmlns:p14="http://schemas.microsoft.com/office/powerpoint/2010/main" val="3422687138"/>
+      </p:ext>
+    </p:extLst>
+  </p:cSld>
+  <p:clrMapOvr>
+    <a:masterClrMapping/>
+  </p:clrMapOvr>
+</p:notes>
+</file>
+
+<file path=ppt/notesSlides/notesSlide10.xml><?xml version="1.0" encoding="utf-8"?>
+<p:notes xmlns:a="http://schemas.openxmlformats.org/drawingml/2006/main" xmlns:r="http://schemas.openxmlformats.org/officeDocument/2006/relationships" xmlns:p="http://schemas.openxmlformats.org/presentationml/2006/main">
+  <p:cSld>
+    <p:spTree>
+      <p:nvGrpSpPr>
+        <p:cNvPr id="1" name=""/>
+        <p:cNvGrpSpPr/>
+        <p:nvPr/>
+      </p:nvGrpSpPr>
+      <p:grpSpPr>
+        <a:xfrm>
+          <a:off x="0" y="0"/>
+          <a:ext cx="0" cy="0"/>
+          <a:chOff x="0" y="0"/>
+          <a:chExt cx="0" cy="0"/>
+        </a:xfrm>
+      </p:grpSpPr>
+      <p:sp>
+        <p:nvSpPr>
+          <p:cNvPr id="2" name="投影片影像版面配置區 1"/>
+          <p:cNvSpPr>
+            <a:spLocks noGrp="1" noRot="1" noChangeAspect="1"/>
+          </p:cNvSpPr>
+          <p:nvPr>
+            <p:ph type="sldImg"/>
+          </p:nvPr>
+        </p:nvSpPr>
+        <p:spPr/>
+      </p:sp>
+      <p:sp>
+        <p:nvSpPr>
+          <p:cNvPr id="3" name="備忘稿版面配置區 2"/>
+          <p:cNvSpPr>
+            <a:spLocks noGrp="1"/>
+          </p:cNvSpPr>
+          <p:nvPr>
+            <p:ph type="body" idx="1"/>
+          </p:nvPr>
+        </p:nvSpPr>
+        <p:spPr/>
+        <p:txBody>
+          <a:bodyPr/>
+          <a:lstStyle/>
+          <a:p>
+            <a:r>
+              <a:rPr lang="zh-TW" altLang="en-US" dirty="0"/>
+              <a:t>轉彎</a:t>
+            </a:r>
+            <a:endParaRPr lang="en-US" altLang="zh-TW" dirty="0"/>
+          </a:p>
+          <a:p>
+            <a:r>
+              <a:rPr lang="en-US" altLang="zh-TW" b="0" i="0" dirty="0">
+                <a:solidFill>
+                  <a:srgbClr val="111111"/>
+                </a:solidFill>
+                <a:effectLst/>
+                <a:latin typeface="-apple-system"/>
+              </a:rPr>
+              <a:t>"</a:t>
+            </a:r>
+            <a:r>
+              <a:rPr lang="en-US" altLang="zh-TW" b="0" i="0" dirty="0" err="1">
+                <a:solidFill>
+                  <a:srgbClr val="111111"/>
+                </a:solidFill>
+                <a:effectLst/>
+                <a:latin typeface="-apple-system"/>
+              </a:rPr>
+              <a:t>prompt":"White</a:t>
+            </a:r>
+            <a:r>
+              <a:rPr lang="en-US" altLang="zh-TW" b="0" i="0" dirty="0">
+                <a:solidFill>
+                  <a:srgbClr val="111111"/>
+                </a:solidFill>
+                <a:effectLst/>
+                <a:latin typeface="-apple-system"/>
+              </a:rPr>
+              <a:t> short hair man, black hoodie, black jeans, Japan anime drawing style, sitting peacefully on a park bench, reflective expression, calm sunset in the background, nature around him, soft lighting"</a:t>
+            </a:r>
+            <a:endParaRPr lang="zh-TW" altLang="en-US" dirty="0"/>
+          </a:p>
+        </p:txBody>
+      </p:sp>
+      <p:sp>
+        <p:nvSpPr>
+          <p:cNvPr id="4" name="投影片編號版面配置區 3"/>
+          <p:cNvSpPr>
+            <a:spLocks noGrp="1"/>
+          </p:cNvSpPr>
+          <p:nvPr>
+            <p:ph type="sldNum" sz="quarter" idx="5"/>
+          </p:nvPr>
+        </p:nvSpPr>
+        <p:spPr/>
+        <p:txBody>
+          <a:bodyPr/>
+          <a:lstStyle/>
+          <a:p>
+            <a:fld id="{C7509520-8516-495E-8FEA-2957F4AE4ACB}" type="slidenum">
+              <a:rPr lang="zh-TW" altLang="en-US" smtClean="0"/>
+              <a:t>10</a:t>
+            </a:fld>
+            <a:endParaRPr lang="zh-TW" altLang="en-US"/>
+          </a:p>
+        </p:txBody>
+      </p:sp>
+    </p:spTree>
+    <p:extLst>
+      <p:ext uri="{BB962C8B-B14F-4D97-AF65-F5344CB8AC3E}">
+        <p14:creationId xmlns:p14="http://schemas.microsoft.com/office/powerpoint/2010/main" val="2991295965"/>
+      </p:ext>
+    </p:extLst>
+  </p:cSld>
+  <p:clrMapOvr>
+    <a:masterClrMapping/>
+  </p:clrMapOvr>
+</p:notes>
+</file>
+
+<file path=ppt/notesSlides/notesSlide11.xml><?xml version="1.0" encoding="utf-8"?>
+<p:notes xmlns:a="http://schemas.openxmlformats.org/drawingml/2006/main" xmlns:r="http://schemas.openxmlformats.org/officeDocument/2006/relationships" xmlns:p="http://schemas.openxmlformats.org/presentationml/2006/main">
+  <p:cSld>
+    <p:spTree>
+      <p:nvGrpSpPr>
+        <p:cNvPr id="1" name=""/>
+        <p:cNvGrpSpPr/>
+        <p:nvPr/>
+      </p:nvGrpSpPr>
+      <p:grpSpPr>
+        <a:xfrm>
+          <a:off x="0" y="0"/>
+          <a:ext cx="0" cy="0"/>
+          <a:chOff x="0" y="0"/>
+          <a:chExt cx="0" cy="0"/>
+        </a:xfrm>
+      </p:grpSpPr>
+      <p:sp>
+        <p:nvSpPr>
+          <p:cNvPr id="2" name="投影片影像版面配置區 1"/>
+          <p:cNvSpPr>
+            <a:spLocks noGrp="1" noRot="1" noChangeAspect="1"/>
+          </p:cNvSpPr>
+          <p:nvPr>
+            <p:ph type="sldImg"/>
+          </p:nvPr>
+        </p:nvSpPr>
+        <p:spPr/>
+      </p:sp>
+      <p:sp>
+        <p:nvSpPr>
+          <p:cNvPr id="3" name="備忘稿版面配置區 2"/>
+          <p:cNvSpPr>
+            <a:spLocks noGrp="1"/>
+          </p:cNvSpPr>
+          <p:nvPr>
+            <p:ph type="body" idx="1"/>
+          </p:nvPr>
+        </p:nvSpPr>
+        <p:spPr/>
+        <p:txBody>
+          <a:bodyPr/>
+          <a:lstStyle/>
+          <a:p>
+            <a:r>
+              <a:rPr lang="zh-TW" altLang="en-US" dirty="0"/>
+              <a:t>轉彎</a:t>
+            </a:r>
+            <a:endParaRPr lang="en-US" altLang="zh-TW" dirty="0"/>
+          </a:p>
+          <a:p>
+            <a:r>
+              <a:rPr lang="en-US" altLang="zh-TW" b="0" i="0" dirty="0">
+                <a:solidFill>
+                  <a:srgbClr val="111111"/>
+                </a:solidFill>
+                <a:effectLst/>
+                <a:latin typeface="-apple-system"/>
+              </a:rPr>
+              <a:t>"</a:t>
+            </a:r>
+            <a:r>
+              <a:rPr lang="en-US" altLang="zh-TW" b="0" i="0" dirty="0" err="1">
+                <a:solidFill>
+                  <a:srgbClr val="111111"/>
+                </a:solidFill>
+                <a:effectLst/>
+                <a:latin typeface="-apple-system"/>
+              </a:rPr>
+              <a:t>prompt":"White</a:t>
+            </a:r>
+            <a:r>
+              <a:rPr lang="en-US" altLang="zh-TW" b="0" i="0" dirty="0">
+                <a:solidFill>
+                  <a:srgbClr val="111111"/>
+                </a:solidFill>
+                <a:effectLst/>
+                <a:latin typeface="-apple-system"/>
+              </a:rPr>
+              <a:t> short hair man, black hoodie, black jeans, Japan anime drawing style, man in a small meeting room with teammates, Japan anime drawing style, gesturing while speaking, teammates listening attentively, relaxed and supportive atmosphere, whiteboard in the background, casual but focused mood“</a:t>
+            </a:r>
+          </a:p>
+          <a:p>
+            <a:endParaRPr lang="zh-TW" altLang="en-US" dirty="0"/>
+          </a:p>
+        </p:txBody>
+      </p:sp>
+      <p:sp>
+        <p:nvSpPr>
+          <p:cNvPr id="4" name="投影片編號版面配置區 3"/>
+          <p:cNvSpPr>
+            <a:spLocks noGrp="1"/>
+          </p:cNvSpPr>
+          <p:nvPr>
+            <p:ph type="sldNum" sz="quarter" idx="5"/>
+          </p:nvPr>
+        </p:nvSpPr>
+        <p:spPr/>
+        <p:txBody>
+          <a:bodyPr/>
+          <a:lstStyle/>
+          <a:p>
+            <a:fld id="{C7509520-8516-495E-8FEA-2957F4AE4ACB}" type="slidenum">
+              <a:rPr lang="zh-TW" altLang="en-US" smtClean="0"/>
+              <a:t>11</a:t>
+            </a:fld>
+            <a:endParaRPr lang="zh-TW" altLang="en-US"/>
+          </a:p>
+        </p:txBody>
+      </p:sp>
+    </p:spTree>
+    <p:extLst>
+      <p:ext uri="{BB962C8B-B14F-4D97-AF65-F5344CB8AC3E}">
+        <p14:creationId xmlns:p14="http://schemas.microsoft.com/office/powerpoint/2010/main" val="3256960585"/>
+      </p:ext>
+    </p:extLst>
+  </p:cSld>
+  <p:clrMapOvr>
+    <a:masterClrMapping/>
+  </p:clrMapOvr>
+</p:notes>
+</file>
+
+<file path=ppt/notesSlides/notesSlide12.xml><?xml version="1.0" encoding="utf-8"?>
+<p:notes xmlns:a="http://schemas.openxmlformats.org/drawingml/2006/main" xmlns:r="http://schemas.openxmlformats.org/officeDocument/2006/relationships" xmlns:p="http://schemas.openxmlformats.org/presentationml/2006/main">
+  <p:cSld>
+    <p:spTree>
+      <p:nvGrpSpPr>
+        <p:cNvPr id="1" name=""/>
+        <p:cNvGrpSpPr/>
+        <p:nvPr/>
+      </p:nvGrpSpPr>
+      <p:grpSpPr>
+        <a:xfrm>
+          <a:off x="0" y="0"/>
+          <a:ext cx="0" cy="0"/>
+          <a:chOff x="0" y="0"/>
+          <a:chExt cx="0" cy="0"/>
+        </a:xfrm>
+      </p:grpSpPr>
+      <p:sp>
+        <p:nvSpPr>
+          <p:cNvPr id="2" name="投影片影像版面配置區 1"/>
+          <p:cNvSpPr>
+            <a:spLocks noGrp="1" noRot="1" noChangeAspect="1"/>
+          </p:cNvSpPr>
+          <p:nvPr>
+            <p:ph type="sldImg"/>
+          </p:nvPr>
+        </p:nvSpPr>
+        <p:spPr/>
+      </p:sp>
+      <p:sp>
+        <p:nvSpPr>
+          <p:cNvPr id="3" name="備忘稿版面配置區 2"/>
+          <p:cNvSpPr>
+            <a:spLocks noGrp="1"/>
+          </p:cNvSpPr>
+          <p:nvPr>
+            <p:ph type="body" idx="1"/>
+          </p:nvPr>
+        </p:nvSpPr>
+        <p:spPr/>
+        <p:txBody>
+          <a:bodyPr/>
+          <a:lstStyle/>
+          <a:p>
+            <a:r>
+              <a:rPr lang="zh-TW" altLang="en-US" dirty="0"/>
+              <a:t>結局</a:t>
+            </a:r>
+            <a:endParaRPr lang="en-US" altLang="zh-TW" dirty="0"/>
+          </a:p>
+          <a:p>
+            <a:r>
+              <a:rPr lang="en-US" altLang="zh-TW" b="0" i="0" dirty="0">
+                <a:solidFill>
+                  <a:srgbClr val="111111"/>
+                </a:solidFill>
+                <a:effectLst/>
+                <a:latin typeface="-apple-system"/>
+              </a:rPr>
+              <a:t>"</a:t>
+            </a:r>
+            <a:r>
+              <a:rPr lang="en-US" altLang="zh-TW" b="0" i="0" dirty="0" err="1">
+                <a:solidFill>
+                  <a:srgbClr val="111111"/>
+                </a:solidFill>
+                <a:effectLst/>
+                <a:latin typeface="-apple-system"/>
+              </a:rPr>
+              <a:t>prompt":"White</a:t>
+            </a:r>
+            <a:r>
+              <a:rPr lang="en-US" altLang="zh-TW" b="0" i="0" dirty="0">
+                <a:solidFill>
+                  <a:srgbClr val="111111"/>
+                </a:solidFill>
+                <a:effectLst/>
+                <a:latin typeface="-apple-system"/>
+              </a:rPr>
+              <a:t> short hair man, black hoodie, black jeans, Japan anime drawing style, back on the gaming stage, focused expression, teammates cheering behind him, bright lights shining down, atmosphere filled with excitement"</a:t>
+            </a:r>
+            <a:endParaRPr lang="en-US" altLang="zh-TW" dirty="0"/>
+          </a:p>
+        </p:txBody>
+      </p:sp>
+      <p:sp>
+        <p:nvSpPr>
+          <p:cNvPr id="4" name="投影片編號版面配置區 3"/>
+          <p:cNvSpPr>
+            <a:spLocks noGrp="1"/>
+          </p:cNvSpPr>
+          <p:nvPr>
+            <p:ph type="sldNum" sz="quarter" idx="5"/>
+          </p:nvPr>
+        </p:nvSpPr>
+        <p:spPr/>
+        <p:txBody>
+          <a:bodyPr/>
+          <a:lstStyle/>
+          <a:p>
+            <a:fld id="{C7509520-8516-495E-8FEA-2957F4AE4ACB}" type="slidenum">
+              <a:rPr lang="zh-TW" altLang="en-US" smtClean="0"/>
+              <a:t>12</a:t>
+            </a:fld>
+            <a:endParaRPr lang="zh-TW" altLang="en-US"/>
+          </a:p>
+        </p:txBody>
+      </p:sp>
+    </p:spTree>
+    <p:extLst>
+      <p:ext uri="{BB962C8B-B14F-4D97-AF65-F5344CB8AC3E}">
+        <p14:creationId xmlns:p14="http://schemas.microsoft.com/office/powerpoint/2010/main" val="3941606189"/>
+      </p:ext>
+    </p:extLst>
+  </p:cSld>
+  <p:clrMapOvr>
+    <a:masterClrMapping/>
+  </p:clrMapOvr>
+</p:notes>
+</file>
+
+<file path=ppt/notesSlides/notesSlide13.xml><?xml version="1.0" encoding="utf-8"?>
+<p:notes xmlns:a="http://schemas.openxmlformats.org/drawingml/2006/main" xmlns:r="http://schemas.openxmlformats.org/officeDocument/2006/relationships" xmlns:p="http://schemas.openxmlformats.org/presentationml/2006/main">
+  <p:cSld>
+    <p:spTree>
+      <p:nvGrpSpPr>
+        <p:cNvPr id="1" name=""/>
+        <p:cNvGrpSpPr/>
+        <p:nvPr/>
+      </p:nvGrpSpPr>
+      <p:grpSpPr>
+        <a:xfrm>
+          <a:off x="0" y="0"/>
+          <a:ext cx="0" cy="0"/>
+          <a:chOff x="0" y="0"/>
+          <a:chExt cx="0" cy="0"/>
+        </a:xfrm>
+      </p:grpSpPr>
+      <p:sp>
+        <p:nvSpPr>
+          <p:cNvPr id="2" name="投影片影像版面配置區 1"/>
+          <p:cNvSpPr>
+            <a:spLocks noGrp="1" noRot="1" noChangeAspect="1"/>
+          </p:cNvSpPr>
+          <p:nvPr>
+            <p:ph type="sldImg"/>
+          </p:nvPr>
+        </p:nvSpPr>
+        <p:spPr/>
+      </p:sp>
+      <p:sp>
+        <p:nvSpPr>
+          <p:cNvPr id="3" name="備忘稿版面配置區 2"/>
+          <p:cNvSpPr>
+            <a:spLocks noGrp="1"/>
+          </p:cNvSpPr>
+          <p:nvPr>
+            <p:ph type="body" idx="1"/>
+          </p:nvPr>
+        </p:nvSpPr>
+        <p:spPr/>
+        <p:txBody>
+          <a:bodyPr/>
+          <a:lstStyle/>
+          <a:p>
+            <a:r>
+              <a:rPr lang="zh-TW" altLang="en-US" dirty="0"/>
+              <a:t>結局</a:t>
+            </a:r>
+            <a:endParaRPr lang="en-US" altLang="zh-TW"/>
+          </a:p>
+          <a:p>
+            <a:r>
+              <a:rPr lang="en-US" altLang="zh-TW" b="0" i="0">
+                <a:solidFill>
+                  <a:srgbClr val="111111"/>
+                </a:solidFill>
+                <a:effectLst/>
+                <a:latin typeface="-apple-system"/>
+              </a:rPr>
+              <a:t>"</a:t>
+            </a:r>
+            <a:r>
+              <a:rPr lang="en-US" altLang="zh-TW" b="0" i="0" dirty="0" err="1">
+                <a:solidFill>
+                  <a:srgbClr val="111111"/>
+                </a:solidFill>
+                <a:effectLst/>
+                <a:latin typeface="-apple-system"/>
+              </a:rPr>
+              <a:t>prompt":"White</a:t>
+            </a:r>
+            <a:r>
+              <a:rPr lang="en-US" altLang="zh-TW" b="0" i="0" dirty="0">
+                <a:solidFill>
+                  <a:srgbClr val="111111"/>
+                </a:solidFill>
+                <a:effectLst/>
+                <a:latin typeface="-apple-system"/>
+              </a:rPr>
+              <a:t> short hair man, black hoodie, black jeans, Japan anime drawing style, scene of the team celebrating victory after winning a championship, Japan anime drawing style, holding up trophies, confetti falling, joyful expressions on all faces, bright colors and dynamic movement to show excitement"</a:t>
+            </a:r>
+            <a:endParaRPr lang="en-US" altLang="zh-TW" dirty="0"/>
+          </a:p>
+        </p:txBody>
+      </p:sp>
+      <p:sp>
+        <p:nvSpPr>
+          <p:cNvPr id="4" name="投影片編號版面配置區 3"/>
+          <p:cNvSpPr>
+            <a:spLocks noGrp="1"/>
+          </p:cNvSpPr>
+          <p:nvPr>
+            <p:ph type="sldNum" sz="quarter" idx="5"/>
+          </p:nvPr>
+        </p:nvSpPr>
+        <p:spPr/>
+        <p:txBody>
+          <a:bodyPr/>
+          <a:lstStyle/>
+          <a:p>
+            <a:fld id="{C7509520-8516-495E-8FEA-2957F4AE4ACB}" type="slidenum">
+              <a:rPr lang="zh-TW" altLang="en-US" smtClean="0"/>
+              <a:t>13</a:t>
+            </a:fld>
+            <a:endParaRPr lang="zh-TW" altLang="en-US"/>
+          </a:p>
+        </p:txBody>
+      </p:sp>
+    </p:spTree>
+    <p:extLst>
+      <p:ext uri="{BB962C8B-B14F-4D97-AF65-F5344CB8AC3E}">
+        <p14:creationId xmlns:p14="http://schemas.microsoft.com/office/powerpoint/2010/main" val="436179603"/>
+      </p:ext>
+    </p:extLst>
+  </p:cSld>
+  <p:clrMapOvr>
+    <a:masterClrMapping/>
+  </p:clrMapOvr>
+</p:notes>
+</file>
+
+<file path=ppt/notesSlides/notesSlide2.xml><?xml version="1.0" encoding="utf-8"?>
+<p:notes xmlns:a="http://schemas.openxmlformats.org/drawingml/2006/main" xmlns:r="http://schemas.openxmlformats.org/officeDocument/2006/relationships" xmlns:p="http://schemas.openxmlformats.org/presentationml/2006/main">
+  <p:cSld>
+    <p:spTree>
+      <p:nvGrpSpPr>
+        <p:cNvPr id="1" name=""/>
+        <p:cNvGrpSpPr/>
+        <p:nvPr/>
+      </p:nvGrpSpPr>
+      <p:grpSpPr>
+        <a:xfrm>
+          <a:off x="0" y="0"/>
+          <a:ext cx="0" cy="0"/>
+          <a:chOff x="0" y="0"/>
+          <a:chExt cx="0" cy="0"/>
+        </a:xfrm>
+      </p:grpSpPr>
+      <p:sp>
+        <p:nvSpPr>
+          <p:cNvPr id="2" name="投影片影像版面配置區 1"/>
+          <p:cNvSpPr>
+            <a:spLocks noGrp="1" noRot="1" noChangeAspect="1"/>
+          </p:cNvSpPr>
+          <p:nvPr>
+            <p:ph type="sldImg"/>
+          </p:nvPr>
+        </p:nvSpPr>
+        <p:spPr/>
+      </p:sp>
+      <p:sp>
+        <p:nvSpPr>
+          <p:cNvPr id="3" name="備忘稿版面配置區 2"/>
+          <p:cNvSpPr>
+            <a:spLocks noGrp="1"/>
+          </p:cNvSpPr>
+          <p:nvPr>
+            <p:ph type="body" idx="1"/>
+          </p:nvPr>
+        </p:nvSpPr>
+        <p:spPr/>
+        <p:txBody>
+          <a:bodyPr/>
+          <a:lstStyle/>
+          <a:p>
+            <a:r>
+              <a:rPr lang="zh-TW" altLang="en-US" dirty="0"/>
+              <a:t>目標</a:t>
+            </a:r>
+            <a:endParaRPr lang="en-US" altLang="zh-TW" dirty="0"/>
+          </a:p>
+          <a:p>
+            <a:pPr marL="0" marR="0" lvl="0" indent="0" algn="l" defTabSz="914400" rtl="0" eaLnBrk="1" fontAlgn="auto" latinLnBrk="0" hangingPunct="1">
+              <a:lnSpc>
+                <a:spcPct val="100000"/>
+              </a:lnSpc>
+              <a:spcBef>
+                <a:spcPts val="0"/>
+              </a:spcBef>
+              <a:spcAft>
+                <a:spcPts val="0"/>
+              </a:spcAft>
+              <a:buClrTx/>
+              <a:buSzTx/>
+              <a:buFontTx/>
+              <a:buNone/>
+              <a:tabLst/>
+              <a:defRPr/>
+            </a:pPr>
+            <a:r>
+              <a:rPr lang="en-US" altLang="zh-TW" b="0" i="0" dirty="0">
+                <a:solidFill>
+                  <a:srgbClr val="111111"/>
+                </a:solidFill>
+                <a:effectLst/>
+                <a:latin typeface="-apple-system"/>
+              </a:rPr>
+              <a:t>"</a:t>
+            </a:r>
+            <a:r>
+              <a:rPr lang="en-US" altLang="zh-TW" b="0" i="0" dirty="0" err="1">
+                <a:solidFill>
+                  <a:srgbClr val="111111"/>
+                </a:solidFill>
+                <a:effectLst/>
+                <a:latin typeface="-apple-system"/>
+              </a:rPr>
+              <a:t>prompt":"White</a:t>
+            </a:r>
+            <a:r>
+              <a:rPr lang="en-US" altLang="zh-TW" b="0" i="0" dirty="0">
+                <a:solidFill>
+                  <a:srgbClr val="111111"/>
+                </a:solidFill>
+                <a:effectLst/>
+                <a:latin typeface="-apple-system"/>
+              </a:rPr>
+              <a:t> short hair </a:t>
+            </a:r>
+            <a:r>
+              <a:rPr lang="en-US" altLang="zh-TW" b="0" i="0" dirty="0" err="1">
+                <a:solidFill>
+                  <a:srgbClr val="111111"/>
+                </a:solidFill>
+                <a:effectLst/>
+                <a:latin typeface="-apple-system"/>
+              </a:rPr>
+              <a:t>man,Wearing</a:t>
+            </a:r>
+            <a:r>
+              <a:rPr lang="en-US" altLang="zh-TW" b="0" i="0" dirty="0">
+                <a:solidFill>
+                  <a:srgbClr val="111111"/>
+                </a:solidFill>
+                <a:effectLst/>
+                <a:latin typeface="-apple-system"/>
+              </a:rPr>
+              <a:t> a black hoodie, black </a:t>
+            </a:r>
+            <a:r>
+              <a:rPr lang="en-US" altLang="zh-TW" b="0" i="0" dirty="0" err="1">
+                <a:solidFill>
+                  <a:srgbClr val="111111"/>
+                </a:solidFill>
+                <a:effectLst/>
+                <a:latin typeface="-apple-system"/>
+              </a:rPr>
+              <a:t>jeans,Standing</a:t>
+            </a:r>
+            <a:r>
+              <a:rPr lang="en-US" altLang="zh-TW" b="0" i="0" dirty="0">
+                <a:solidFill>
+                  <a:srgbClr val="111111"/>
+                </a:solidFill>
+                <a:effectLst/>
+                <a:latin typeface="-apple-system"/>
+              </a:rPr>
+              <a:t> confidently with a gaming controller in </a:t>
+            </a:r>
+            <a:r>
+              <a:rPr lang="en-US" altLang="zh-TW" b="0" i="0" dirty="0" err="1">
+                <a:solidFill>
+                  <a:srgbClr val="111111"/>
+                </a:solidFill>
+                <a:effectLst/>
+                <a:latin typeface="-apple-system"/>
+              </a:rPr>
+              <a:t>hand,Japan</a:t>
+            </a:r>
+            <a:r>
+              <a:rPr lang="en-US" altLang="zh-TW" b="0" i="0" dirty="0">
+                <a:solidFill>
+                  <a:srgbClr val="111111"/>
+                </a:solidFill>
+                <a:effectLst/>
+                <a:latin typeface="-apple-system"/>
+              </a:rPr>
+              <a:t> anime </a:t>
+            </a:r>
+            <a:r>
+              <a:rPr lang="en-US" altLang="zh-TW" b="0" i="0" dirty="0" err="1">
+                <a:solidFill>
+                  <a:srgbClr val="111111"/>
+                </a:solidFill>
+                <a:effectLst/>
+                <a:latin typeface="-apple-system"/>
+              </a:rPr>
+              <a:t>style,Esports</a:t>
+            </a:r>
+            <a:r>
+              <a:rPr lang="en-US" altLang="zh-TW" b="0" i="0" dirty="0">
+                <a:solidFill>
+                  <a:srgbClr val="111111"/>
+                </a:solidFill>
+                <a:effectLst/>
+                <a:latin typeface="-apple-system"/>
+              </a:rPr>
+              <a:t> stage in the background, soft </a:t>
+            </a:r>
+            <a:r>
+              <a:rPr lang="en-US" altLang="zh-TW" b="0" i="0" dirty="0" err="1">
+                <a:solidFill>
+                  <a:srgbClr val="111111"/>
+                </a:solidFill>
+                <a:effectLst/>
+                <a:latin typeface="-apple-system"/>
+              </a:rPr>
+              <a:t>lighting,Eyes</a:t>
+            </a:r>
+            <a:r>
+              <a:rPr lang="en-US" altLang="zh-TW" b="0" i="0" dirty="0">
+                <a:solidFill>
+                  <a:srgbClr val="111111"/>
+                </a:solidFill>
+                <a:effectLst/>
+                <a:latin typeface="-apple-system"/>
+              </a:rPr>
+              <a:t> focused and determined"</a:t>
+            </a:r>
+            <a:endParaRPr lang="en-US" altLang="zh-TW" dirty="0"/>
+          </a:p>
+          <a:p>
+            <a:endParaRPr lang="zh-TW" altLang="en-US" dirty="0"/>
+          </a:p>
+        </p:txBody>
+      </p:sp>
+      <p:sp>
+        <p:nvSpPr>
+          <p:cNvPr id="4" name="投影片編號版面配置區 3"/>
+          <p:cNvSpPr>
+            <a:spLocks noGrp="1"/>
+          </p:cNvSpPr>
+          <p:nvPr>
+            <p:ph type="sldNum" sz="quarter" idx="5"/>
+          </p:nvPr>
+        </p:nvSpPr>
+        <p:spPr/>
+        <p:txBody>
+          <a:bodyPr/>
+          <a:lstStyle/>
+          <a:p>
+            <a:fld id="{C7509520-8516-495E-8FEA-2957F4AE4ACB}" type="slidenum">
+              <a:rPr lang="zh-TW" altLang="en-US" smtClean="0"/>
+              <a:t>2</a:t>
+            </a:fld>
+            <a:endParaRPr lang="zh-TW" altLang="en-US"/>
+          </a:p>
+        </p:txBody>
+      </p:sp>
+    </p:spTree>
+    <p:extLst>
+      <p:ext uri="{BB962C8B-B14F-4D97-AF65-F5344CB8AC3E}">
+        <p14:creationId xmlns:p14="http://schemas.microsoft.com/office/powerpoint/2010/main" val="1643843290"/>
+      </p:ext>
+    </p:extLst>
+  </p:cSld>
+  <p:clrMapOvr>
+    <a:masterClrMapping/>
+  </p:clrMapOvr>
+</p:notes>
+</file>
+
+<file path=ppt/notesSlides/notesSlide3.xml><?xml version="1.0" encoding="utf-8"?>
+<p:notes xmlns:a="http://schemas.openxmlformats.org/drawingml/2006/main" xmlns:r="http://schemas.openxmlformats.org/officeDocument/2006/relationships" xmlns:p="http://schemas.openxmlformats.org/presentationml/2006/main">
+  <p:cSld>
+    <p:spTree>
+      <p:nvGrpSpPr>
+        <p:cNvPr id="1" name=""/>
+        <p:cNvGrpSpPr/>
+        <p:nvPr/>
+      </p:nvGrpSpPr>
+      <p:grpSpPr>
+        <a:xfrm>
+          <a:off x="0" y="0"/>
+          <a:ext cx="0" cy="0"/>
+          <a:chOff x="0" y="0"/>
+          <a:chExt cx="0" cy="0"/>
+        </a:xfrm>
+      </p:grpSpPr>
+      <p:sp>
+        <p:nvSpPr>
+          <p:cNvPr id="2" name="投影片影像版面配置區 1"/>
+          <p:cNvSpPr>
+            <a:spLocks noGrp="1" noRot="1" noChangeAspect="1"/>
+          </p:cNvSpPr>
+          <p:nvPr>
+            <p:ph type="sldImg"/>
+          </p:nvPr>
+        </p:nvSpPr>
+        <p:spPr/>
+      </p:sp>
+      <p:sp>
+        <p:nvSpPr>
+          <p:cNvPr id="3" name="備忘稿版面配置區 2"/>
+          <p:cNvSpPr>
+            <a:spLocks noGrp="1"/>
+          </p:cNvSpPr>
+          <p:nvPr>
+            <p:ph type="body" idx="1"/>
+          </p:nvPr>
+        </p:nvSpPr>
+        <p:spPr/>
+        <p:txBody>
+          <a:bodyPr/>
+          <a:lstStyle/>
+          <a:p>
+            <a:r>
+              <a:rPr lang="zh-TW" altLang="en-US" dirty="0"/>
+              <a:t>阻礙</a:t>
+            </a:r>
+            <a:endParaRPr lang="en-US" altLang="zh-TW" dirty="0"/>
+          </a:p>
+          <a:p>
+            <a:r>
+              <a:rPr lang="en-US" altLang="zh-TW" b="0" i="0" dirty="0">
+                <a:solidFill>
+                  <a:srgbClr val="111111"/>
+                </a:solidFill>
+                <a:effectLst/>
+                <a:latin typeface="-apple-system"/>
+              </a:rPr>
+              <a:t>"</a:t>
+            </a:r>
+            <a:r>
+              <a:rPr lang="en-US" altLang="zh-TW" b="0" i="0" dirty="0" err="1">
+                <a:solidFill>
+                  <a:srgbClr val="111111"/>
+                </a:solidFill>
+                <a:effectLst/>
+                <a:latin typeface="-apple-system"/>
+              </a:rPr>
+              <a:t>prompt":"White</a:t>
+            </a:r>
+            <a:r>
+              <a:rPr lang="en-US" altLang="zh-TW" b="0" i="0" dirty="0">
+                <a:solidFill>
+                  <a:srgbClr val="111111"/>
+                </a:solidFill>
+                <a:effectLst/>
+                <a:latin typeface="-apple-system"/>
+              </a:rPr>
+              <a:t> short hair man sitting at a dining table with family members, parents looking disapprovingly, wearing a black hoodie, family in casual clothing, Japan anime style, tense atmosphere, family conflict, dim lighting to emphasize the emotional struggle"</a:t>
+            </a:r>
+            <a:endParaRPr lang="en-US" altLang="zh-TW" dirty="0"/>
+          </a:p>
+        </p:txBody>
+      </p:sp>
+      <p:sp>
+        <p:nvSpPr>
+          <p:cNvPr id="4" name="投影片編號版面配置區 3"/>
+          <p:cNvSpPr>
+            <a:spLocks noGrp="1"/>
+          </p:cNvSpPr>
+          <p:nvPr>
+            <p:ph type="sldNum" sz="quarter" idx="5"/>
+          </p:nvPr>
+        </p:nvSpPr>
+        <p:spPr/>
+        <p:txBody>
+          <a:bodyPr/>
+          <a:lstStyle/>
+          <a:p>
+            <a:fld id="{C7509520-8516-495E-8FEA-2957F4AE4ACB}" type="slidenum">
+              <a:rPr lang="zh-TW" altLang="en-US" smtClean="0"/>
+              <a:t>3</a:t>
+            </a:fld>
+            <a:endParaRPr lang="zh-TW" altLang="en-US"/>
+          </a:p>
+        </p:txBody>
+      </p:sp>
+    </p:spTree>
+    <p:extLst>
+      <p:ext uri="{BB962C8B-B14F-4D97-AF65-F5344CB8AC3E}">
+        <p14:creationId xmlns:p14="http://schemas.microsoft.com/office/powerpoint/2010/main" val="2412568389"/>
+      </p:ext>
+    </p:extLst>
+  </p:cSld>
+  <p:clrMapOvr>
+    <a:masterClrMapping/>
+  </p:clrMapOvr>
+</p:notes>
+</file>
+
+<file path=ppt/notesSlides/notesSlide4.xml><?xml version="1.0" encoding="utf-8"?>
+<p:notes xmlns:a="http://schemas.openxmlformats.org/drawingml/2006/main" xmlns:r="http://schemas.openxmlformats.org/officeDocument/2006/relationships" xmlns:p="http://schemas.openxmlformats.org/presentationml/2006/main">
+  <p:cSld>
+    <p:spTree>
+      <p:nvGrpSpPr>
+        <p:cNvPr id="1" name=""/>
+        <p:cNvGrpSpPr/>
+        <p:nvPr/>
+      </p:nvGrpSpPr>
+      <p:grpSpPr>
+        <a:xfrm>
+          <a:off x="0" y="0"/>
+          <a:ext cx="0" cy="0"/>
+          <a:chOff x="0" y="0"/>
+          <a:chExt cx="0" cy="0"/>
+        </a:xfrm>
+      </p:grpSpPr>
+      <p:sp>
+        <p:nvSpPr>
+          <p:cNvPr id="2" name="投影片影像版面配置區 1"/>
+          <p:cNvSpPr>
+            <a:spLocks noGrp="1" noRot="1" noChangeAspect="1"/>
+          </p:cNvSpPr>
+          <p:nvPr>
+            <p:ph type="sldImg"/>
+          </p:nvPr>
+        </p:nvSpPr>
+        <p:spPr/>
+      </p:sp>
+      <p:sp>
+        <p:nvSpPr>
+          <p:cNvPr id="3" name="備忘稿版面配置區 2"/>
+          <p:cNvSpPr>
+            <a:spLocks noGrp="1"/>
+          </p:cNvSpPr>
+          <p:nvPr>
+            <p:ph type="body" idx="1"/>
+          </p:nvPr>
+        </p:nvSpPr>
+        <p:spPr/>
+        <p:txBody>
+          <a:bodyPr/>
+          <a:lstStyle/>
+          <a:p>
+            <a:r>
+              <a:rPr lang="zh-TW" altLang="en-US" dirty="0"/>
+              <a:t>阻礙</a:t>
+            </a:r>
+            <a:endParaRPr lang="en-US" altLang="zh-TW" dirty="0"/>
+          </a:p>
+          <a:p>
+            <a:r>
+              <a:rPr lang="en-US" altLang="zh-TW" b="0" i="0" dirty="0">
+                <a:solidFill>
+                  <a:srgbClr val="111111"/>
+                </a:solidFill>
+                <a:effectLst/>
+                <a:latin typeface="-apple-system"/>
+              </a:rPr>
+              <a:t>"</a:t>
+            </a:r>
+            <a:r>
+              <a:rPr lang="en-US" altLang="zh-TW" b="0" i="0" dirty="0" err="1">
+                <a:solidFill>
+                  <a:srgbClr val="111111"/>
+                </a:solidFill>
+                <a:effectLst/>
+                <a:latin typeface="-apple-system"/>
+              </a:rPr>
+              <a:t>prompt":"White</a:t>
+            </a:r>
+            <a:r>
+              <a:rPr lang="en-US" altLang="zh-TW" b="0" i="0" dirty="0">
+                <a:solidFill>
+                  <a:srgbClr val="111111"/>
+                </a:solidFill>
+                <a:effectLst/>
+                <a:latin typeface="-apple-system"/>
+              </a:rPr>
+              <a:t> short hair man wearing a black hoodie, sitting with teammates in a small room filled with gaming equipment, Japan anime style, looking frustrated while discussing financial problems, empty wallets, dimly lit room to show the struggle with resources"</a:t>
+            </a:r>
+            <a:endParaRPr lang="en-US" altLang="zh-TW" dirty="0"/>
+          </a:p>
+        </p:txBody>
+      </p:sp>
+      <p:sp>
+        <p:nvSpPr>
+          <p:cNvPr id="4" name="投影片編號版面配置區 3"/>
+          <p:cNvSpPr>
+            <a:spLocks noGrp="1"/>
+          </p:cNvSpPr>
+          <p:nvPr>
+            <p:ph type="sldNum" sz="quarter" idx="5"/>
+          </p:nvPr>
+        </p:nvSpPr>
+        <p:spPr/>
+        <p:txBody>
+          <a:bodyPr/>
+          <a:lstStyle/>
+          <a:p>
+            <a:fld id="{C7509520-8516-495E-8FEA-2957F4AE4ACB}" type="slidenum">
+              <a:rPr lang="zh-TW" altLang="en-US" smtClean="0"/>
+              <a:t>4</a:t>
+            </a:fld>
+            <a:endParaRPr lang="zh-TW" altLang="en-US"/>
+          </a:p>
+        </p:txBody>
+      </p:sp>
+    </p:spTree>
+    <p:extLst>
+      <p:ext uri="{BB962C8B-B14F-4D97-AF65-F5344CB8AC3E}">
+        <p14:creationId xmlns:p14="http://schemas.microsoft.com/office/powerpoint/2010/main" val="1897167544"/>
+      </p:ext>
+    </p:extLst>
+  </p:cSld>
+  <p:clrMapOvr>
+    <a:masterClrMapping/>
+  </p:clrMapOvr>
+</p:notes>
+</file>
+
+<file path=ppt/notesSlides/notesSlide5.xml><?xml version="1.0" encoding="utf-8"?>
+<p:notes xmlns:a="http://schemas.openxmlformats.org/drawingml/2006/main" xmlns:r="http://schemas.openxmlformats.org/officeDocument/2006/relationships" xmlns:p="http://schemas.openxmlformats.org/presentationml/2006/main">
+  <p:cSld>
+    <p:spTree>
+      <p:nvGrpSpPr>
+        <p:cNvPr id="1" name=""/>
+        <p:cNvGrpSpPr/>
+        <p:nvPr/>
+      </p:nvGrpSpPr>
+      <p:grpSpPr>
+        <a:xfrm>
+          <a:off x="0" y="0"/>
+          <a:ext cx="0" cy="0"/>
+          <a:chOff x="0" y="0"/>
+          <a:chExt cx="0" cy="0"/>
+        </a:xfrm>
+      </p:grpSpPr>
+      <p:sp>
+        <p:nvSpPr>
+          <p:cNvPr id="2" name="投影片影像版面配置區 1"/>
+          <p:cNvSpPr>
+            <a:spLocks noGrp="1" noRot="1" noChangeAspect="1"/>
+          </p:cNvSpPr>
+          <p:nvPr>
+            <p:ph type="sldImg"/>
+          </p:nvPr>
+        </p:nvSpPr>
+        <p:spPr/>
+      </p:sp>
+      <p:sp>
+        <p:nvSpPr>
+          <p:cNvPr id="3" name="備忘稿版面配置區 2"/>
+          <p:cNvSpPr>
+            <a:spLocks noGrp="1"/>
+          </p:cNvSpPr>
+          <p:nvPr>
+            <p:ph type="body" idx="1"/>
+          </p:nvPr>
+        </p:nvSpPr>
+        <p:spPr/>
+        <p:txBody>
+          <a:bodyPr/>
+          <a:lstStyle/>
+          <a:p>
+            <a:r>
+              <a:rPr lang="zh-TW" altLang="en-US" dirty="0"/>
+              <a:t>努力</a:t>
+            </a:r>
+            <a:endParaRPr lang="en-US" altLang="zh-TW" dirty="0"/>
+          </a:p>
+          <a:p>
+            <a:r>
+              <a:rPr lang="en-US" altLang="zh-TW" b="0" i="0" dirty="0">
+                <a:solidFill>
+                  <a:srgbClr val="111111"/>
+                </a:solidFill>
+                <a:effectLst/>
+                <a:latin typeface="-apple-system"/>
+              </a:rPr>
+              <a:t>"</a:t>
+            </a:r>
+            <a:r>
+              <a:rPr lang="en-US" altLang="zh-TW" b="0" i="0" dirty="0" err="1">
+                <a:solidFill>
+                  <a:srgbClr val="111111"/>
+                </a:solidFill>
+                <a:effectLst/>
+                <a:latin typeface="-apple-system"/>
+              </a:rPr>
+              <a:t>prompt":"White</a:t>
+            </a:r>
+            <a:r>
+              <a:rPr lang="en-US" altLang="zh-TW" b="0" i="0" dirty="0">
+                <a:solidFill>
+                  <a:srgbClr val="111111"/>
+                </a:solidFill>
+                <a:effectLst/>
+                <a:latin typeface="-apple-system"/>
+              </a:rPr>
+              <a:t> short hair man, black hoodie, black jeans, Japan anime style, participating in a small gaming tournament, intense focus on the match, small crowd watching, teammates cheering, determined expression"}</a:t>
+            </a:r>
+            <a:endParaRPr lang="en-US" altLang="zh-TW" dirty="0"/>
+          </a:p>
+        </p:txBody>
+      </p:sp>
+      <p:sp>
+        <p:nvSpPr>
+          <p:cNvPr id="4" name="投影片編號版面配置區 3"/>
+          <p:cNvSpPr>
+            <a:spLocks noGrp="1"/>
+          </p:cNvSpPr>
+          <p:nvPr>
+            <p:ph type="sldNum" sz="quarter" idx="5"/>
+          </p:nvPr>
+        </p:nvSpPr>
+        <p:spPr/>
+        <p:txBody>
+          <a:bodyPr/>
+          <a:lstStyle/>
+          <a:p>
+            <a:fld id="{C7509520-8516-495E-8FEA-2957F4AE4ACB}" type="slidenum">
+              <a:rPr lang="zh-TW" altLang="en-US" smtClean="0"/>
+              <a:t>5</a:t>
+            </a:fld>
+            <a:endParaRPr lang="zh-TW" altLang="en-US"/>
+          </a:p>
+        </p:txBody>
+      </p:sp>
+    </p:spTree>
+    <p:extLst>
+      <p:ext uri="{BB962C8B-B14F-4D97-AF65-F5344CB8AC3E}">
+        <p14:creationId xmlns:p14="http://schemas.microsoft.com/office/powerpoint/2010/main" val="1070383279"/>
+      </p:ext>
+    </p:extLst>
+  </p:cSld>
+  <p:clrMapOvr>
+    <a:masterClrMapping/>
+  </p:clrMapOvr>
+</p:notes>
+</file>
+
+<file path=ppt/notesSlides/notesSlide6.xml><?xml version="1.0" encoding="utf-8"?>
+<p:notes xmlns:a="http://schemas.openxmlformats.org/drawingml/2006/main" xmlns:r="http://schemas.openxmlformats.org/officeDocument/2006/relationships" xmlns:p="http://schemas.openxmlformats.org/presentationml/2006/main">
+  <p:cSld>
+    <p:spTree>
+      <p:nvGrpSpPr>
+        <p:cNvPr id="1" name=""/>
+        <p:cNvGrpSpPr/>
+        <p:nvPr/>
+      </p:nvGrpSpPr>
+      <p:grpSpPr>
+        <a:xfrm>
+          <a:off x="0" y="0"/>
+          <a:ext cx="0" cy="0"/>
+          <a:chOff x="0" y="0"/>
+          <a:chExt cx="0" cy="0"/>
+        </a:xfrm>
+      </p:grpSpPr>
+      <p:sp>
+        <p:nvSpPr>
+          <p:cNvPr id="2" name="投影片影像版面配置區 1"/>
+          <p:cNvSpPr>
+            <a:spLocks noGrp="1" noRot="1" noChangeAspect="1"/>
+          </p:cNvSpPr>
+          <p:nvPr>
+            <p:ph type="sldImg"/>
+          </p:nvPr>
+        </p:nvSpPr>
+        <p:spPr/>
+      </p:sp>
+      <p:sp>
+        <p:nvSpPr>
+          <p:cNvPr id="3" name="備忘稿版面配置區 2"/>
+          <p:cNvSpPr>
+            <a:spLocks noGrp="1"/>
+          </p:cNvSpPr>
+          <p:nvPr>
+            <p:ph type="body" idx="1"/>
+          </p:nvPr>
+        </p:nvSpPr>
+        <p:spPr/>
+        <p:txBody>
+          <a:bodyPr/>
+          <a:lstStyle/>
+          <a:p>
+            <a:r>
+              <a:rPr lang="zh-TW" altLang="en-US" dirty="0"/>
+              <a:t>努力</a:t>
+            </a:r>
+            <a:endParaRPr lang="en-US" altLang="zh-TW" dirty="0"/>
+          </a:p>
+          <a:p>
+            <a:r>
+              <a:rPr lang="en-US" altLang="zh-TW" b="0" i="0" dirty="0">
+                <a:solidFill>
+                  <a:srgbClr val="111111"/>
+                </a:solidFill>
+                <a:effectLst/>
+                <a:latin typeface="-apple-system"/>
+              </a:rPr>
+              <a:t>"</a:t>
+            </a:r>
+            <a:r>
+              <a:rPr lang="en-US" altLang="zh-TW" b="0" i="0" dirty="0" err="1">
+                <a:solidFill>
+                  <a:srgbClr val="111111"/>
+                </a:solidFill>
+                <a:effectLst/>
+                <a:latin typeface="-apple-system"/>
+              </a:rPr>
+              <a:t>prompt":"White</a:t>
+            </a:r>
+            <a:r>
+              <a:rPr lang="en-US" altLang="zh-TW" b="0" i="0" dirty="0">
+                <a:solidFill>
+                  <a:srgbClr val="111111"/>
+                </a:solidFill>
+                <a:effectLst/>
+                <a:latin typeface="-apple-system"/>
+              </a:rPr>
+              <a:t> short hair man, black hoodie, black jeans, Japan anime theme, standing outside an office building, holding a folder with sponsor proposals, determined expression, meeting with potential sponsors, handing over documents, business setting"</a:t>
+            </a:r>
+            <a:r>
+              <a:rPr lang="zh-TW" altLang="en-US" dirty="0"/>
+              <a:t>舞台。</a:t>
+            </a:r>
+            <a:endParaRPr lang="en-US" altLang="zh-TW" dirty="0"/>
+          </a:p>
+        </p:txBody>
+      </p:sp>
+      <p:sp>
+        <p:nvSpPr>
+          <p:cNvPr id="4" name="投影片編號版面配置區 3"/>
+          <p:cNvSpPr>
+            <a:spLocks noGrp="1"/>
+          </p:cNvSpPr>
+          <p:nvPr>
+            <p:ph type="sldNum" sz="quarter" idx="5"/>
+          </p:nvPr>
+        </p:nvSpPr>
+        <p:spPr/>
+        <p:txBody>
+          <a:bodyPr/>
+          <a:lstStyle/>
+          <a:p>
+            <a:fld id="{C7509520-8516-495E-8FEA-2957F4AE4ACB}" type="slidenum">
+              <a:rPr lang="zh-TW" altLang="en-US" smtClean="0"/>
+              <a:t>6</a:t>
+            </a:fld>
+            <a:endParaRPr lang="zh-TW" altLang="en-US"/>
+          </a:p>
+        </p:txBody>
+      </p:sp>
+    </p:spTree>
+    <p:extLst>
+      <p:ext uri="{BB962C8B-B14F-4D97-AF65-F5344CB8AC3E}">
+        <p14:creationId xmlns:p14="http://schemas.microsoft.com/office/powerpoint/2010/main" val="3267673106"/>
+      </p:ext>
+    </p:extLst>
+  </p:cSld>
+  <p:clrMapOvr>
+    <a:masterClrMapping/>
+  </p:clrMapOvr>
+</p:notes>
+</file>
+
+<file path=ppt/notesSlides/notesSlide7.xml><?xml version="1.0" encoding="utf-8"?>
+<p:notes xmlns:a="http://schemas.openxmlformats.org/drawingml/2006/main" xmlns:r="http://schemas.openxmlformats.org/officeDocument/2006/relationships" xmlns:p="http://schemas.openxmlformats.org/presentationml/2006/main">
+  <p:cSld>
+    <p:spTree>
+      <p:nvGrpSpPr>
+        <p:cNvPr id="1" name=""/>
+        <p:cNvGrpSpPr/>
+        <p:nvPr/>
+      </p:nvGrpSpPr>
+      <p:grpSpPr>
+        <a:xfrm>
+          <a:off x="0" y="0"/>
+          <a:ext cx="0" cy="0"/>
+          <a:chOff x="0" y="0"/>
+          <a:chExt cx="0" cy="0"/>
+        </a:xfrm>
+      </p:grpSpPr>
+      <p:sp>
+        <p:nvSpPr>
+          <p:cNvPr id="2" name="投影片影像版面配置區 1"/>
+          <p:cNvSpPr>
+            <a:spLocks noGrp="1" noRot="1" noChangeAspect="1"/>
+          </p:cNvSpPr>
+          <p:nvPr>
+            <p:ph type="sldImg"/>
+          </p:nvPr>
+        </p:nvSpPr>
+        <p:spPr/>
+      </p:sp>
+      <p:sp>
+        <p:nvSpPr>
+          <p:cNvPr id="3" name="備忘稿版面配置區 2"/>
+          <p:cNvSpPr>
+            <a:spLocks noGrp="1"/>
+          </p:cNvSpPr>
+          <p:nvPr>
+            <p:ph type="body" idx="1"/>
+          </p:nvPr>
+        </p:nvSpPr>
+        <p:spPr/>
+        <p:txBody>
+          <a:bodyPr/>
+          <a:lstStyle/>
+          <a:p>
+            <a:r>
+              <a:rPr lang="zh-TW" altLang="en-US" dirty="0"/>
+              <a:t>結果</a:t>
+            </a:r>
+            <a:endParaRPr lang="en-US" altLang="zh-TW" dirty="0"/>
+          </a:p>
+          <a:p>
+            <a:r>
+              <a:rPr lang="en-US" altLang="zh-TW" b="0" i="0" dirty="0">
+                <a:solidFill>
+                  <a:srgbClr val="111111"/>
+                </a:solidFill>
+                <a:effectLst/>
+                <a:latin typeface="-apple-system"/>
+              </a:rPr>
+              <a:t>"</a:t>
+            </a:r>
+            <a:r>
+              <a:rPr lang="en-US" altLang="zh-TW" b="0" i="0" dirty="0" err="1">
+                <a:solidFill>
+                  <a:srgbClr val="111111"/>
+                </a:solidFill>
+                <a:effectLst/>
+                <a:latin typeface="-apple-system"/>
+              </a:rPr>
+              <a:t>prompt":"White</a:t>
+            </a:r>
+            <a:r>
+              <a:rPr lang="en-US" altLang="zh-TW" b="0" i="0" dirty="0">
+                <a:solidFill>
+                  <a:srgbClr val="111111"/>
+                </a:solidFill>
+                <a:effectLst/>
+                <a:latin typeface="-apple-system"/>
+              </a:rPr>
+              <a:t> short hair man, black hoodie, black jeans, Japan anime style, standing on a podium, holding a trophy, cheering teammates beside him, large crowd clapping, spotlight shining down, joyful and triumphant expression"</a:t>
+            </a:r>
+            <a:endParaRPr lang="en-US" altLang="zh-TW" dirty="0"/>
+          </a:p>
+        </p:txBody>
+      </p:sp>
+      <p:sp>
+        <p:nvSpPr>
+          <p:cNvPr id="4" name="投影片編號版面配置區 3"/>
+          <p:cNvSpPr>
+            <a:spLocks noGrp="1"/>
+          </p:cNvSpPr>
+          <p:nvPr>
+            <p:ph type="sldNum" sz="quarter" idx="5"/>
+          </p:nvPr>
+        </p:nvSpPr>
+        <p:spPr/>
+        <p:txBody>
+          <a:bodyPr/>
+          <a:lstStyle/>
+          <a:p>
+            <a:fld id="{C7509520-8516-495E-8FEA-2957F4AE4ACB}" type="slidenum">
+              <a:rPr lang="zh-TW" altLang="en-US" smtClean="0"/>
+              <a:t>7</a:t>
+            </a:fld>
+            <a:endParaRPr lang="zh-TW" altLang="en-US"/>
+          </a:p>
+        </p:txBody>
+      </p:sp>
+    </p:spTree>
+    <p:extLst>
+      <p:ext uri="{BB962C8B-B14F-4D97-AF65-F5344CB8AC3E}">
+        <p14:creationId xmlns:p14="http://schemas.microsoft.com/office/powerpoint/2010/main" val="163537821"/>
+      </p:ext>
+    </p:extLst>
+  </p:cSld>
+  <p:clrMapOvr>
+    <a:masterClrMapping/>
+  </p:clrMapOvr>
+</p:notes>
+</file>
+
+<file path=ppt/notesSlides/notesSlide8.xml><?xml version="1.0" encoding="utf-8"?>
+<p:notes xmlns:a="http://schemas.openxmlformats.org/drawingml/2006/main" xmlns:r="http://schemas.openxmlformats.org/officeDocument/2006/relationships" xmlns:p="http://schemas.openxmlformats.org/presentationml/2006/main">
+  <p:cSld>
+    <p:spTree>
+      <p:nvGrpSpPr>
+        <p:cNvPr id="1" name=""/>
+        <p:cNvGrpSpPr/>
+        <p:nvPr/>
+      </p:nvGrpSpPr>
+      <p:grpSpPr>
+        <a:xfrm>
+          <a:off x="0" y="0"/>
+          <a:ext cx="0" cy="0"/>
+          <a:chOff x="0" y="0"/>
+          <a:chExt cx="0" cy="0"/>
+        </a:xfrm>
+      </p:grpSpPr>
+      <p:sp>
+        <p:nvSpPr>
+          <p:cNvPr id="2" name="投影片影像版面配置區 1"/>
+          <p:cNvSpPr>
+            <a:spLocks noGrp="1" noRot="1" noChangeAspect="1"/>
+          </p:cNvSpPr>
+          <p:nvPr>
+            <p:ph type="sldImg"/>
+          </p:nvPr>
+        </p:nvSpPr>
+        <p:spPr/>
+      </p:sp>
+      <p:sp>
+        <p:nvSpPr>
+          <p:cNvPr id="3" name="備忘稿版面配置區 2"/>
+          <p:cNvSpPr>
+            <a:spLocks noGrp="1"/>
+          </p:cNvSpPr>
+          <p:nvPr>
+            <p:ph type="body" idx="1"/>
+          </p:nvPr>
+        </p:nvSpPr>
+        <p:spPr/>
+        <p:txBody>
+          <a:bodyPr/>
+          <a:lstStyle/>
+          <a:p>
+            <a:r>
+              <a:rPr lang="zh-TW" altLang="en-US" dirty="0"/>
+              <a:t>結果</a:t>
+            </a:r>
+            <a:endParaRPr lang="en-US" altLang="zh-TW" dirty="0"/>
+          </a:p>
+          <a:p>
+            <a:r>
+              <a:rPr lang="en-US" altLang="zh-TW" b="0" i="0" dirty="0">
+                <a:solidFill>
+                  <a:srgbClr val="111111"/>
+                </a:solidFill>
+                <a:effectLst/>
+                <a:latin typeface="-apple-system"/>
+              </a:rPr>
+              <a:t>"</a:t>
+            </a:r>
+            <a:r>
+              <a:rPr lang="en-US" altLang="zh-TW" b="0" i="0" dirty="0" err="1">
+                <a:solidFill>
+                  <a:srgbClr val="111111"/>
+                </a:solidFill>
+                <a:effectLst/>
+                <a:latin typeface="-apple-system"/>
+              </a:rPr>
+              <a:t>prompt":"White</a:t>
+            </a:r>
+            <a:r>
+              <a:rPr lang="en-US" altLang="zh-TW" b="0" i="0" dirty="0">
+                <a:solidFill>
+                  <a:srgbClr val="111111"/>
+                </a:solidFill>
+                <a:effectLst/>
+                <a:latin typeface="-apple-system"/>
+              </a:rPr>
+              <a:t> short hair man, black hoodie, black jeans, Japan anime style, Scene of receiving a large check or prize money, sponsors and supporters gathered around, camera flashes going off, hands shaking, expressions of pride and excitement on all faces, bright and celebratory atmosphere”</a:t>
+            </a:r>
+            <a:endParaRPr lang="en-US" altLang="zh-TW" dirty="0"/>
+          </a:p>
+        </p:txBody>
+      </p:sp>
+      <p:sp>
+        <p:nvSpPr>
+          <p:cNvPr id="4" name="投影片編號版面配置區 3"/>
+          <p:cNvSpPr>
+            <a:spLocks noGrp="1"/>
+          </p:cNvSpPr>
+          <p:nvPr>
+            <p:ph type="sldNum" sz="quarter" idx="5"/>
+          </p:nvPr>
+        </p:nvSpPr>
+        <p:spPr/>
+        <p:txBody>
+          <a:bodyPr/>
+          <a:lstStyle/>
+          <a:p>
+            <a:fld id="{C7509520-8516-495E-8FEA-2957F4AE4ACB}" type="slidenum">
+              <a:rPr lang="zh-TW" altLang="en-US" smtClean="0"/>
+              <a:t>8</a:t>
+            </a:fld>
+            <a:endParaRPr lang="zh-TW" altLang="en-US"/>
+          </a:p>
+        </p:txBody>
+      </p:sp>
+    </p:spTree>
+    <p:extLst>
+      <p:ext uri="{BB962C8B-B14F-4D97-AF65-F5344CB8AC3E}">
+        <p14:creationId xmlns:p14="http://schemas.microsoft.com/office/powerpoint/2010/main" val="3540852776"/>
+      </p:ext>
+    </p:extLst>
+  </p:cSld>
+  <p:clrMapOvr>
+    <a:masterClrMapping/>
+  </p:clrMapOvr>
+</p:notes>
+</file>
+
+<file path=ppt/notesSlides/notesSlide9.xml><?xml version="1.0" encoding="utf-8"?>
+<p:notes xmlns:a="http://schemas.openxmlformats.org/drawingml/2006/main" xmlns:r="http://schemas.openxmlformats.org/officeDocument/2006/relationships" xmlns:p="http://schemas.openxmlformats.org/presentationml/2006/main">
+  <p:cSld>
+    <p:spTree>
+      <p:nvGrpSpPr>
+        <p:cNvPr id="1" name=""/>
+        <p:cNvGrpSpPr/>
+        <p:nvPr/>
+      </p:nvGrpSpPr>
+      <p:grpSpPr>
+        <a:xfrm>
+          <a:off x="0" y="0"/>
+          <a:ext cx="0" cy="0"/>
+          <a:chOff x="0" y="0"/>
+          <a:chExt cx="0" cy="0"/>
+        </a:xfrm>
+      </p:grpSpPr>
+      <p:sp>
+        <p:nvSpPr>
+          <p:cNvPr id="2" name="投影片影像版面配置區 1"/>
+          <p:cNvSpPr>
+            <a:spLocks noGrp="1" noRot="1" noChangeAspect="1"/>
+          </p:cNvSpPr>
+          <p:nvPr>
+            <p:ph type="sldImg"/>
+          </p:nvPr>
+        </p:nvSpPr>
+        <p:spPr/>
+      </p:sp>
+      <p:sp>
+        <p:nvSpPr>
+          <p:cNvPr id="3" name="備忘稿版面配置區 2"/>
+          <p:cNvSpPr>
+            <a:spLocks noGrp="1"/>
+          </p:cNvSpPr>
+          <p:nvPr>
+            <p:ph type="body" idx="1"/>
+          </p:nvPr>
+        </p:nvSpPr>
+        <p:spPr/>
+        <p:txBody>
+          <a:bodyPr/>
+          <a:lstStyle/>
+          <a:p>
+            <a:r>
+              <a:rPr lang="zh-TW" altLang="en-US" dirty="0"/>
+              <a:t>意外</a:t>
+            </a:r>
+            <a:endParaRPr lang="en-US" altLang="zh-TW" dirty="0"/>
+          </a:p>
+          <a:p>
+            <a:r>
+              <a:rPr lang="en-US" altLang="zh-TW" b="0" i="0" dirty="0">
+                <a:solidFill>
+                  <a:srgbClr val="111111"/>
+                </a:solidFill>
+                <a:effectLst/>
+                <a:latin typeface="-apple-system"/>
+              </a:rPr>
+              <a:t>"</a:t>
+            </a:r>
+            <a:r>
+              <a:rPr lang="en-US" altLang="zh-TW" b="0" i="0" dirty="0" err="1">
+                <a:solidFill>
+                  <a:srgbClr val="111111"/>
+                </a:solidFill>
+                <a:effectLst/>
+                <a:latin typeface="-apple-system"/>
+              </a:rPr>
+              <a:t>prompt":"White</a:t>
+            </a:r>
+            <a:r>
+              <a:rPr lang="en-US" altLang="zh-TW" b="0" i="0" dirty="0">
+                <a:solidFill>
+                  <a:srgbClr val="111111"/>
+                </a:solidFill>
+                <a:effectLst/>
+                <a:latin typeface="-apple-system"/>
+              </a:rPr>
+              <a:t> short hair man, black hoodie, black jeans, Japan anime drawing style, sitting at a gaming desk late at night, intense expression, hand on his wrist in pain, gaming equipment glowing, dim lighting to show exhaustion. In a doctor’s office, man holding his injured wrist, doctor explaining the injury, serious expression on both faces, medical charts or models in the background, sterile and clinical environment, somber mood"</a:t>
+            </a:r>
+            <a:endParaRPr lang="en-US" altLang="zh-TW" dirty="0"/>
+          </a:p>
+        </p:txBody>
+      </p:sp>
+      <p:sp>
+        <p:nvSpPr>
+          <p:cNvPr id="4" name="投影片編號版面配置區 3"/>
+          <p:cNvSpPr>
+            <a:spLocks noGrp="1"/>
+          </p:cNvSpPr>
+          <p:nvPr>
+            <p:ph type="sldNum" sz="quarter" idx="5"/>
+          </p:nvPr>
+        </p:nvSpPr>
+        <p:spPr/>
+        <p:txBody>
+          <a:bodyPr/>
+          <a:lstStyle/>
+          <a:p>
+            <a:fld id="{C7509520-8516-495E-8FEA-2957F4AE4ACB}" type="slidenum">
+              <a:rPr lang="zh-TW" altLang="en-US" smtClean="0"/>
+              <a:t>9</a:t>
+            </a:fld>
+            <a:endParaRPr lang="zh-TW" altLang="en-US"/>
+          </a:p>
+        </p:txBody>
+      </p:sp>
+    </p:spTree>
+    <p:extLst>
+      <p:ext uri="{BB962C8B-B14F-4D97-AF65-F5344CB8AC3E}">
+        <p14:creationId xmlns:p14="http://schemas.microsoft.com/office/powerpoint/2010/main" val="3727116302"/>
+      </p:ext>
+    </p:extLst>
+  </p:cSld>
+  <p:clrMapOvr>
+    <a:masterClrMapping/>
+  </p:clrMapOvr>
+</p:notes>
 </file>
 
 <file path=ppt/slideLayouts/slideLayout1.xml><?xml version="1.0" encoding="utf-8"?>
@@ -126,13 +2160,7 @@
       </p:grpSpPr>
       <p:sp>
         <p:nvSpPr>
-          <p:cNvPr id="2" name="標題 1">
-            <a:extLst>
-              <a:ext uri="{FF2B5EF4-FFF2-40B4-BE49-F238E27FC236}">
-                <a16:creationId xmlns:a16="http://schemas.microsoft.com/office/drawing/2014/main" id="{EB5CC918-B447-434E-B98E-5847BB49C259}"/>
-              </a:ext>
-            </a:extLst>
-          </p:cNvPr>
+          <p:cNvPr id="2" name="Title 1"/>
           <p:cNvSpPr>
             <a:spLocks noGrp="1"/>
           </p:cNvSpPr>
@@ -142,12 +2170,14 @@
         </p:nvSpPr>
         <p:spPr>
           <a:xfrm>
-            <a:off x="1524000" y="1122363"/>
+            <a:off x="1524000" y="1124530"/>
             <a:ext cx="9144000" cy="2387600"/>
           </a:xfrm>
         </p:spPr>
         <p:txBody>
-          <a:bodyPr anchor="b"/>
+          <a:bodyPr anchor="b">
+            <a:normAutofit/>
+          </a:bodyPr>
           <a:lstStyle>
             <a:lvl1pPr algn="ctr">
               <a:defRPr sz="6000"/>
@@ -158,18 +2188,13 @@
               <a:rPr lang="zh-TW" altLang="en-US"/>
               <a:t>按一下以編輯母片標題樣式</a:t>
             </a:r>
-          </a:p>
-        </p:txBody>
-      </p:sp>
-      <p:sp>
-        <p:nvSpPr>
-          <p:cNvPr id="3" name="副標題 2">
-            <a:extLst>
-              <a:ext uri="{FF2B5EF4-FFF2-40B4-BE49-F238E27FC236}">
-                <a16:creationId xmlns:a16="http://schemas.microsoft.com/office/drawing/2014/main" id="{817FCC70-CC4E-4CB6-B2CF-9FDA5AC4D346}"/>
-              </a:ext>
-            </a:extLst>
-          </p:cNvPr>
+            <a:endParaRPr lang="en-US" dirty="0"/>
+          </a:p>
+        </p:txBody>
+      </p:sp>
+      <p:sp>
+        <p:nvSpPr>
+          <p:cNvPr id="3" name="Subtitle 2"/>
           <p:cNvSpPr>
             <a:spLocks noGrp="1"/>
           </p:cNvSpPr>
@@ -184,43 +2209,52 @@
           </a:xfrm>
         </p:spPr>
         <p:txBody>
-          <a:bodyPr/>
+          <a:bodyPr>
+            <a:normAutofit/>
+          </a:bodyPr>
           <a:lstStyle>
             <a:lvl1pPr marL="0" indent="0" algn="ctr">
               <a:buNone/>
-              <a:defRPr sz="2400"/>
+              <a:defRPr sz="2400">
+                <a:solidFill>
+                  <a:schemeClr val="tx1">
+                    <a:lumMod val="75000"/>
+                    <a:lumOff val="25000"/>
+                  </a:schemeClr>
+                </a:solidFill>
+              </a:defRPr>
             </a:lvl1pPr>
             <a:lvl2pPr marL="457200" indent="0" algn="ctr">
               <a:buNone/>
-              <a:defRPr sz="2000"/>
+              <a:defRPr sz="2800"/>
             </a:lvl2pPr>
             <a:lvl3pPr marL="914400" indent="0" algn="ctr">
               <a:buNone/>
-              <a:defRPr sz="1800"/>
+              <a:defRPr sz="2400"/>
             </a:lvl3pPr>
             <a:lvl4pPr marL="1371600" indent="0" algn="ctr">
               <a:buNone/>
-              <a:defRPr sz="1600"/>
+              <a:defRPr sz="2000"/>
             </a:lvl4pPr>
             <a:lvl5pPr marL="1828800" indent="0" algn="ctr">
               <a:buNone/>
-              <a:defRPr sz="1600"/>
+              <a:defRPr sz="2000"/>
             </a:lvl5pPr>
             <a:lvl6pPr marL="2286000" indent="0" algn="ctr">
               <a:buNone/>
-              <a:defRPr sz="1600"/>
+              <a:defRPr sz="2000"/>
             </a:lvl6pPr>
             <a:lvl7pPr marL="2743200" indent="0" algn="ctr">
               <a:buNone/>
-              <a:defRPr sz="1600"/>
+              <a:defRPr sz="2000"/>
             </a:lvl7pPr>
             <a:lvl8pPr marL="3200400" indent="0" algn="ctr">
               <a:buNone/>
-              <a:defRPr sz="1600"/>
+              <a:defRPr sz="2000"/>
             </a:lvl8pPr>
             <a:lvl9pPr marL="3657600" indent="0" algn="ctr">
               <a:buNone/>
-              <a:defRPr sz="1600"/>
+              <a:defRPr sz="2000"/>
             </a:lvl9pPr>
           </a:lstStyle>
           <a:p>
@@ -228,18 +2262,13 @@
               <a:rPr lang="zh-TW" altLang="en-US"/>
               <a:t>按一下以編輯母片子標題樣式</a:t>
             </a:r>
-          </a:p>
-        </p:txBody>
-      </p:sp>
-      <p:sp>
-        <p:nvSpPr>
-          <p:cNvPr id="4" name="日期版面配置區 3">
-            <a:extLst>
-              <a:ext uri="{FF2B5EF4-FFF2-40B4-BE49-F238E27FC236}">
-                <a16:creationId xmlns:a16="http://schemas.microsoft.com/office/drawing/2014/main" id="{BD08F018-0004-4322-AD0F-E6E740964233}"/>
-              </a:ext>
-            </a:extLst>
-          </p:cNvPr>
+            <a:endParaRPr lang="en-US" dirty="0"/>
+          </a:p>
+        </p:txBody>
+      </p:sp>
+      <p:sp>
+        <p:nvSpPr>
+          <p:cNvPr id="4" name="Date Placeholder 3"/>
           <p:cNvSpPr>
             <a:spLocks noGrp="1"/>
           </p:cNvSpPr>
@@ -252,9 +2281,9 @@
           <a:bodyPr/>
           <a:lstStyle/>
           <a:p>
-            <a:fld id="{C3C90D7E-32D6-4894-AE08-7BBB3E610FC9}" type="datetimeFigureOut">
+            <a:fld id="{CD68668E-B26C-46DC-828E-F337DFA7A9C5}" type="datetimeFigureOut">
               <a:rPr lang="zh-TW" altLang="en-US" smtClean="0"/>
-              <a:t>2024/9/16</a:t>
+              <a:t>2024/10/19</a:t>
             </a:fld>
             <a:endParaRPr lang="zh-TW" altLang="en-US"/>
           </a:p>
@@ -262,13 +2291,7 @@
       </p:sp>
       <p:sp>
         <p:nvSpPr>
-          <p:cNvPr id="5" name="頁尾版面配置區 4">
-            <a:extLst>
-              <a:ext uri="{FF2B5EF4-FFF2-40B4-BE49-F238E27FC236}">
-                <a16:creationId xmlns:a16="http://schemas.microsoft.com/office/drawing/2014/main" id="{30427B34-CB13-41C7-B2F2-CED9BDC5B595}"/>
-              </a:ext>
-            </a:extLst>
-          </p:cNvPr>
+          <p:cNvPr id="5" name="Footer Placeholder 4"/>
           <p:cNvSpPr>
             <a:spLocks noGrp="1"/>
           </p:cNvSpPr>
@@ -287,13 +2310,7 @@
       </p:sp>
       <p:sp>
         <p:nvSpPr>
-          <p:cNvPr id="6" name="投影片編號版面配置區 5">
-            <a:extLst>
-              <a:ext uri="{FF2B5EF4-FFF2-40B4-BE49-F238E27FC236}">
-                <a16:creationId xmlns:a16="http://schemas.microsoft.com/office/drawing/2014/main" id="{76FA962E-5B03-439A-928C-87366876542D}"/>
-              </a:ext>
-            </a:extLst>
-          </p:cNvPr>
+          <p:cNvPr id="6" name="Slide Number Placeholder 5"/>
           <p:cNvSpPr>
             <a:spLocks noGrp="1"/>
           </p:cNvSpPr>
@@ -306,7 +2323,7 @@
           <a:bodyPr/>
           <a:lstStyle/>
           <a:p>
-            <a:fld id="{E31EC408-072F-4346-BD0A-D6AA5788A305}" type="slidenum">
+            <a:fld id="{D41FEE5A-6EA7-4F72-8958-31B30357DD49}" type="slidenum">
               <a:rPr lang="zh-TW" altLang="en-US" smtClean="0"/>
               <a:t>‹#›</a:t>
             </a:fld>
@@ -317,7 +2334,7 @@
     </p:spTree>
     <p:extLst>
       <p:ext uri="{BB962C8B-B14F-4D97-AF65-F5344CB8AC3E}">
-        <p14:creationId xmlns:p14="http://schemas.microsoft.com/office/powerpoint/2010/main" val="2963035110"/>
+        <p14:creationId xmlns:p14="http://schemas.microsoft.com/office/powerpoint/2010/main" val="3508021331"/>
       </p:ext>
     </p:extLst>
   </p:cSld>
@@ -346,13 +2363,7 @@
       </p:grpSpPr>
       <p:sp>
         <p:nvSpPr>
-          <p:cNvPr id="2" name="標題 1">
-            <a:extLst>
-              <a:ext uri="{FF2B5EF4-FFF2-40B4-BE49-F238E27FC236}">
-                <a16:creationId xmlns:a16="http://schemas.microsoft.com/office/drawing/2014/main" id="{A02F0018-7F8E-4206-A929-07CDC6B5F34A}"/>
-              </a:ext>
-            </a:extLst>
-          </p:cNvPr>
+          <p:cNvPr id="2" name="Title 1"/>
           <p:cNvSpPr>
             <a:spLocks noGrp="1"/>
           </p:cNvSpPr>
@@ -369,18 +2380,13 @@
               <a:rPr lang="zh-TW" altLang="en-US"/>
               <a:t>按一下以編輯母片標題樣式</a:t>
             </a:r>
-          </a:p>
-        </p:txBody>
-      </p:sp>
-      <p:sp>
-        <p:nvSpPr>
-          <p:cNvPr id="3" name="直排文字版面配置區 2">
-            <a:extLst>
-              <a:ext uri="{FF2B5EF4-FFF2-40B4-BE49-F238E27FC236}">
-                <a16:creationId xmlns:a16="http://schemas.microsoft.com/office/drawing/2014/main" id="{9B801E88-34C3-4545-A358-81F5614FED64}"/>
-              </a:ext>
-            </a:extLst>
-          </p:cNvPr>
+            <a:endParaRPr lang="en-US"/>
+          </a:p>
+        </p:txBody>
+      </p:sp>
+      <p:sp>
+        <p:nvSpPr>
+          <p:cNvPr id="3" name="Vertical Text Placeholder 2"/>
           <p:cNvSpPr>
             <a:spLocks noGrp="1"/>
           </p:cNvSpPr>
@@ -426,18 +2432,13 @@
               <a:rPr lang="zh-TW" altLang="en-US"/>
               <a:t>第五層</a:t>
             </a:r>
-          </a:p>
-        </p:txBody>
-      </p:sp>
-      <p:sp>
-        <p:nvSpPr>
-          <p:cNvPr id="4" name="日期版面配置區 3">
-            <a:extLst>
-              <a:ext uri="{FF2B5EF4-FFF2-40B4-BE49-F238E27FC236}">
-                <a16:creationId xmlns:a16="http://schemas.microsoft.com/office/drawing/2014/main" id="{60AFD716-8B99-4230-B55F-C8B88ECBB171}"/>
-              </a:ext>
-            </a:extLst>
-          </p:cNvPr>
+            <a:endParaRPr lang="en-US" dirty="0"/>
+          </a:p>
+        </p:txBody>
+      </p:sp>
+      <p:sp>
+        <p:nvSpPr>
+          <p:cNvPr id="4" name="Date Placeholder 3"/>
           <p:cNvSpPr>
             <a:spLocks noGrp="1"/>
           </p:cNvSpPr>
@@ -450,9 +2451,9 @@
           <a:bodyPr/>
           <a:lstStyle/>
           <a:p>
-            <a:fld id="{C3C90D7E-32D6-4894-AE08-7BBB3E610FC9}" type="datetimeFigureOut">
+            <a:fld id="{CD68668E-B26C-46DC-828E-F337DFA7A9C5}" type="datetimeFigureOut">
               <a:rPr lang="zh-TW" altLang="en-US" smtClean="0"/>
-              <a:t>2024/9/16</a:t>
+              <a:t>2024/10/19</a:t>
             </a:fld>
             <a:endParaRPr lang="zh-TW" altLang="en-US"/>
           </a:p>
@@ -460,13 +2461,7 @@
       </p:sp>
       <p:sp>
         <p:nvSpPr>
-          <p:cNvPr id="5" name="頁尾版面配置區 4">
-            <a:extLst>
-              <a:ext uri="{FF2B5EF4-FFF2-40B4-BE49-F238E27FC236}">
-                <a16:creationId xmlns:a16="http://schemas.microsoft.com/office/drawing/2014/main" id="{EA374743-76D9-4BF8-A60C-2F50B2636A8A}"/>
-              </a:ext>
-            </a:extLst>
-          </p:cNvPr>
+          <p:cNvPr id="5" name="Footer Placeholder 4"/>
           <p:cNvSpPr>
             <a:spLocks noGrp="1"/>
           </p:cNvSpPr>
@@ -485,13 +2480,7 @@
       </p:sp>
       <p:sp>
         <p:nvSpPr>
-          <p:cNvPr id="6" name="投影片編號版面配置區 5">
-            <a:extLst>
-              <a:ext uri="{FF2B5EF4-FFF2-40B4-BE49-F238E27FC236}">
-                <a16:creationId xmlns:a16="http://schemas.microsoft.com/office/drawing/2014/main" id="{00454594-6C11-4013-A666-A151E960EC9B}"/>
-              </a:ext>
-            </a:extLst>
-          </p:cNvPr>
+          <p:cNvPr id="6" name="Slide Number Placeholder 5"/>
           <p:cNvSpPr>
             <a:spLocks noGrp="1"/>
           </p:cNvSpPr>
@@ -504,7 +2493,7 @@
           <a:bodyPr/>
           <a:lstStyle/>
           <a:p>
-            <a:fld id="{E31EC408-072F-4346-BD0A-D6AA5788A305}" type="slidenum">
+            <a:fld id="{D41FEE5A-6EA7-4F72-8958-31B30357DD49}" type="slidenum">
               <a:rPr lang="zh-TW" altLang="en-US" smtClean="0"/>
               <a:t>‹#›</a:t>
             </a:fld>
@@ -515,7 +2504,7 @@
     </p:spTree>
     <p:extLst>
       <p:ext uri="{BB962C8B-B14F-4D97-AF65-F5344CB8AC3E}">
-        <p14:creationId xmlns:p14="http://schemas.microsoft.com/office/powerpoint/2010/main" val="188953001"/>
+        <p14:creationId xmlns:p14="http://schemas.microsoft.com/office/powerpoint/2010/main" val="34461845"/>
       </p:ext>
     </p:extLst>
   </p:cSld>
@@ -544,13 +2533,7 @@
       </p:grpSpPr>
       <p:sp>
         <p:nvSpPr>
-          <p:cNvPr id="2" name="直排標題 1">
-            <a:extLst>
-              <a:ext uri="{FF2B5EF4-FFF2-40B4-BE49-F238E27FC236}">
-                <a16:creationId xmlns:a16="http://schemas.microsoft.com/office/drawing/2014/main" id="{70F760AC-E708-4605-85E2-7D0F424B3E29}"/>
-              </a:ext>
-            </a:extLst>
-          </p:cNvPr>
+          <p:cNvPr id="2" name="Vertical Title 1"/>
           <p:cNvSpPr>
             <a:spLocks noGrp="1"/>
           </p:cNvSpPr>
@@ -560,7 +2543,7 @@
         </p:nvSpPr>
         <p:spPr>
           <a:xfrm>
-            <a:off x="8724900" y="365125"/>
+            <a:off x="8724900" y="360362"/>
             <a:ext cx="2628900" cy="5811838"/>
           </a:xfrm>
         </p:spPr>
@@ -572,18 +2555,13 @@
               <a:rPr lang="zh-TW" altLang="en-US"/>
               <a:t>按一下以編輯母片標題樣式</a:t>
             </a:r>
-          </a:p>
-        </p:txBody>
-      </p:sp>
-      <p:sp>
-        <p:nvSpPr>
-          <p:cNvPr id="3" name="直排文字版面配置區 2">
-            <a:extLst>
-              <a:ext uri="{FF2B5EF4-FFF2-40B4-BE49-F238E27FC236}">
-                <a16:creationId xmlns:a16="http://schemas.microsoft.com/office/drawing/2014/main" id="{84BECF48-F3B6-4D47-82A8-C6AE92EDC2F0}"/>
-              </a:ext>
-            </a:extLst>
-          </p:cNvPr>
+            <a:endParaRPr lang="en-US"/>
+          </a:p>
+        </p:txBody>
+      </p:sp>
+      <p:sp>
+        <p:nvSpPr>
+          <p:cNvPr id="3" name="Vertical Text Placeholder 2"/>
           <p:cNvSpPr>
             <a:spLocks noGrp="1"/>
           </p:cNvSpPr>
@@ -593,8 +2571,8 @@
         </p:nvSpPr>
         <p:spPr>
           <a:xfrm>
-            <a:off x="838200" y="365125"/>
-            <a:ext cx="7734300" cy="5811838"/>
+            <a:off x="838200" y="360362"/>
+            <a:ext cx="7734300" cy="5811837"/>
           </a:xfrm>
         </p:spPr>
         <p:txBody>
@@ -634,18 +2612,13 @@
               <a:rPr lang="zh-TW" altLang="en-US"/>
               <a:t>第五層</a:t>
             </a:r>
-          </a:p>
-        </p:txBody>
-      </p:sp>
-      <p:sp>
-        <p:nvSpPr>
-          <p:cNvPr id="4" name="日期版面配置區 3">
-            <a:extLst>
-              <a:ext uri="{FF2B5EF4-FFF2-40B4-BE49-F238E27FC236}">
-                <a16:creationId xmlns:a16="http://schemas.microsoft.com/office/drawing/2014/main" id="{215DE52A-093E-4116-A2FE-F61BA999B89F}"/>
-              </a:ext>
-            </a:extLst>
-          </p:cNvPr>
+            <a:endParaRPr lang="en-US"/>
+          </a:p>
+        </p:txBody>
+      </p:sp>
+      <p:sp>
+        <p:nvSpPr>
+          <p:cNvPr id="4" name="Date Placeholder 3"/>
           <p:cNvSpPr>
             <a:spLocks noGrp="1"/>
           </p:cNvSpPr>
@@ -658,9 +2631,9 @@
           <a:bodyPr/>
           <a:lstStyle/>
           <a:p>
-            <a:fld id="{C3C90D7E-32D6-4894-AE08-7BBB3E610FC9}" type="datetimeFigureOut">
+            <a:fld id="{CD68668E-B26C-46DC-828E-F337DFA7A9C5}" type="datetimeFigureOut">
               <a:rPr lang="zh-TW" altLang="en-US" smtClean="0"/>
-              <a:t>2024/9/16</a:t>
+              <a:t>2024/10/19</a:t>
             </a:fld>
             <a:endParaRPr lang="zh-TW" altLang="en-US"/>
           </a:p>
@@ -668,13 +2641,7 @@
       </p:sp>
       <p:sp>
         <p:nvSpPr>
-          <p:cNvPr id="5" name="頁尾版面配置區 4">
-            <a:extLst>
-              <a:ext uri="{FF2B5EF4-FFF2-40B4-BE49-F238E27FC236}">
-                <a16:creationId xmlns:a16="http://schemas.microsoft.com/office/drawing/2014/main" id="{34553FE1-A5D9-4070-AA9C-378F491D4677}"/>
-              </a:ext>
-            </a:extLst>
-          </p:cNvPr>
+          <p:cNvPr id="5" name="Footer Placeholder 4"/>
           <p:cNvSpPr>
             <a:spLocks noGrp="1"/>
           </p:cNvSpPr>
@@ -693,13 +2660,7 @@
       </p:sp>
       <p:sp>
         <p:nvSpPr>
-          <p:cNvPr id="6" name="投影片編號版面配置區 5">
-            <a:extLst>
-              <a:ext uri="{FF2B5EF4-FFF2-40B4-BE49-F238E27FC236}">
-                <a16:creationId xmlns:a16="http://schemas.microsoft.com/office/drawing/2014/main" id="{928EFDDC-5B11-4543-8144-518625EDA57F}"/>
-              </a:ext>
-            </a:extLst>
-          </p:cNvPr>
+          <p:cNvPr id="6" name="Slide Number Placeholder 5"/>
           <p:cNvSpPr>
             <a:spLocks noGrp="1"/>
           </p:cNvSpPr>
@@ -712,7 +2673,7 @@
           <a:bodyPr/>
           <a:lstStyle/>
           <a:p>
-            <a:fld id="{E31EC408-072F-4346-BD0A-D6AA5788A305}" type="slidenum">
+            <a:fld id="{D41FEE5A-6EA7-4F72-8958-31B30357DD49}" type="slidenum">
               <a:rPr lang="zh-TW" altLang="en-US" smtClean="0"/>
               <a:t>‹#›</a:t>
             </a:fld>
@@ -723,7 +2684,7 @@
     </p:spTree>
     <p:extLst>
       <p:ext uri="{BB962C8B-B14F-4D97-AF65-F5344CB8AC3E}">
-        <p14:creationId xmlns:p14="http://schemas.microsoft.com/office/powerpoint/2010/main" val="2483123943"/>
+        <p14:creationId xmlns:p14="http://schemas.microsoft.com/office/powerpoint/2010/main" val="3264375578"/>
       </p:ext>
     </p:extLst>
   </p:cSld>
@@ -752,13 +2713,7 @@
       </p:grpSpPr>
       <p:sp>
         <p:nvSpPr>
-          <p:cNvPr id="2" name="標題 1">
-            <a:extLst>
-              <a:ext uri="{FF2B5EF4-FFF2-40B4-BE49-F238E27FC236}">
-                <a16:creationId xmlns:a16="http://schemas.microsoft.com/office/drawing/2014/main" id="{A1BFCF4C-FB58-444C-B754-A594851E4C7B}"/>
-              </a:ext>
-            </a:extLst>
-          </p:cNvPr>
+          <p:cNvPr id="2" name="Title 1"/>
           <p:cNvSpPr>
             <a:spLocks noGrp="1"/>
           </p:cNvSpPr>
@@ -775,18 +2730,13 @@
               <a:rPr lang="zh-TW" altLang="en-US"/>
               <a:t>按一下以編輯母片標題樣式</a:t>
             </a:r>
-          </a:p>
-        </p:txBody>
-      </p:sp>
-      <p:sp>
-        <p:nvSpPr>
-          <p:cNvPr id="3" name="內容版面配置區 2">
-            <a:extLst>
-              <a:ext uri="{FF2B5EF4-FFF2-40B4-BE49-F238E27FC236}">
-                <a16:creationId xmlns:a16="http://schemas.microsoft.com/office/drawing/2014/main" id="{987C475D-648F-4511-A6FE-04B04F755F93}"/>
-              </a:ext>
-            </a:extLst>
-          </p:cNvPr>
+            <a:endParaRPr lang="en-US" dirty="0"/>
+          </a:p>
+        </p:txBody>
+      </p:sp>
+      <p:sp>
+        <p:nvSpPr>
+          <p:cNvPr id="3" name="Content Placeholder 2"/>
           <p:cNvSpPr>
             <a:spLocks noGrp="1"/>
           </p:cNvSpPr>
@@ -832,18 +2782,13 @@
               <a:rPr lang="zh-TW" altLang="en-US"/>
               <a:t>第五層</a:t>
             </a:r>
-          </a:p>
-        </p:txBody>
-      </p:sp>
-      <p:sp>
-        <p:nvSpPr>
-          <p:cNvPr id="4" name="日期版面配置區 3">
-            <a:extLst>
-              <a:ext uri="{FF2B5EF4-FFF2-40B4-BE49-F238E27FC236}">
-                <a16:creationId xmlns:a16="http://schemas.microsoft.com/office/drawing/2014/main" id="{F511FCF8-D8F7-4914-920F-D63F2D97F713}"/>
-              </a:ext>
-            </a:extLst>
-          </p:cNvPr>
+            <a:endParaRPr lang="en-US" dirty="0"/>
+          </a:p>
+        </p:txBody>
+      </p:sp>
+      <p:sp>
+        <p:nvSpPr>
+          <p:cNvPr id="4" name="Date Placeholder 3"/>
           <p:cNvSpPr>
             <a:spLocks noGrp="1"/>
           </p:cNvSpPr>
@@ -856,9 +2801,9 @@
           <a:bodyPr/>
           <a:lstStyle/>
           <a:p>
-            <a:fld id="{C3C90D7E-32D6-4894-AE08-7BBB3E610FC9}" type="datetimeFigureOut">
+            <a:fld id="{CD68668E-B26C-46DC-828E-F337DFA7A9C5}" type="datetimeFigureOut">
               <a:rPr lang="zh-TW" altLang="en-US" smtClean="0"/>
-              <a:t>2024/9/16</a:t>
+              <a:t>2024/10/19</a:t>
             </a:fld>
             <a:endParaRPr lang="zh-TW" altLang="en-US"/>
           </a:p>
@@ -866,13 +2811,7 @@
       </p:sp>
       <p:sp>
         <p:nvSpPr>
-          <p:cNvPr id="5" name="頁尾版面配置區 4">
-            <a:extLst>
-              <a:ext uri="{FF2B5EF4-FFF2-40B4-BE49-F238E27FC236}">
-                <a16:creationId xmlns:a16="http://schemas.microsoft.com/office/drawing/2014/main" id="{7E1D3E8F-338D-4B4D-B411-5282866FF95D}"/>
-              </a:ext>
-            </a:extLst>
-          </p:cNvPr>
+          <p:cNvPr id="5" name="Footer Placeholder 4"/>
           <p:cNvSpPr>
             <a:spLocks noGrp="1"/>
           </p:cNvSpPr>
@@ -891,13 +2830,7 @@
       </p:sp>
       <p:sp>
         <p:nvSpPr>
-          <p:cNvPr id="6" name="投影片編號版面配置區 5">
-            <a:extLst>
-              <a:ext uri="{FF2B5EF4-FFF2-40B4-BE49-F238E27FC236}">
-                <a16:creationId xmlns:a16="http://schemas.microsoft.com/office/drawing/2014/main" id="{F7DF3AD5-06B6-42D8-AEDF-66CCE6582524}"/>
-              </a:ext>
-            </a:extLst>
-          </p:cNvPr>
+          <p:cNvPr id="6" name="Slide Number Placeholder 5"/>
           <p:cNvSpPr>
             <a:spLocks noGrp="1"/>
           </p:cNvSpPr>
@@ -910,7 +2843,7 @@
           <a:bodyPr/>
           <a:lstStyle/>
           <a:p>
-            <a:fld id="{E31EC408-072F-4346-BD0A-D6AA5788A305}" type="slidenum">
+            <a:fld id="{D41FEE5A-6EA7-4F72-8958-31B30357DD49}" type="slidenum">
               <a:rPr lang="zh-TW" altLang="en-US" smtClean="0"/>
               <a:t>‹#›</a:t>
             </a:fld>
@@ -921,7 +2854,7 @@
     </p:spTree>
     <p:extLst>
       <p:ext uri="{BB962C8B-B14F-4D97-AF65-F5344CB8AC3E}">
-        <p14:creationId xmlns:p14="http://schemas.microsoft.com/office/powerpoint/2010/main" val="4198509733"/>
+        <p14:creationId xmlns:p14="http://schemas.microsoft.com/office/powerpoint/2010/main" val="2644449732"/>
       </p:ext>
     </p:extLst>
   </p:cSld>
@@ -950,13 +2883,7 @@
       </p:grpSpPr>
       <p:sp>
         <p:nvSpPr>
-          <p:cNvPr id="2" name="標題 1">
-            <a:extLst>
-              <a:ext uri="{FF2B5EF4-FFF2-40B4-BE49-F238E27FC236}">
-                <a16:creationId xmlns:a16="http://schemas.microsoft.com/office/drawing/2014/main" id="{5986B870-2B24-4658-9AEB-3C92E8E40B41}"/>
-              </a:ext>
-            </a:extLst>
-          </p:cNvPr>
+          <p:cNvPr id="2" name="Title 1"/>
           <p:cNvSpPr>
             <a:spLocks noGrp="1"/>
           </p:cNvSpPr>
@@ -966,15 +2893,17 @@
         </p:nvSpPr>
         <p:spPr>
           <a:xfrm>
-            <a:off x="831850" y="1709738"/>
-            <a:ext cx="10515600" cy="2852737"/>
-          </a:xfrm>
-        </p:spPr>
-        <p:txBody>
-          <a:bodyPr anchor="b"/>
+            <a:off x="831850" y="1712423"/>
+            <a:ext cx="10515600" cy="2851208"/>
+          </a:xfrm>
+        </p:spPr>
+        <p:txBody>
+          <a:bodyPr anchor="b">
+            <a:normAutofit/>
+          </a:bodyPr>
           <a:lstStyle>
             <a:lvl1pPr>
-              <a:defRPr sz="6000"/>
+              <a:defRPr sz="6000" b="0"/>
             </a:lvl1pPr>
           </a:lstStyle>
           <a:p>
@@ -982,18 +2911,13 @@
               <a:rPr lang="zh-TW" altLang="en-US"/>
               <a:t>按一下以編輯母片標題樣式</a:t>
             </a:r>
-          </a:p>
-        </p:txBody>
-      </p:sp>
-      <p:sp>
-        <p:nvSpPr>
-          <p:cNvPr id="3" name="文字版面配置區 2">
-            <a:extLst>
-              <a:ext uri="{FF2B5EF4-FFF2-40B4-BE49-F238E27FC236}">
-                <a16:creationId xmlns:a16="http://schemas.microsoft.com/office/drawing/2014/main" id="{90235018-E757-4630-8511-F466B919268F}"/>
-              </a:ext>
-            </a:extLst>
-          </p:cNvPr>
+            <a:endParaRPr lang="en-US" dirty="0"/>
+          </a:p>
+        </p:txBody>
+      </p:sp>
+      <p:sp>
+        <p:nvSpPr>
+          <p:cNvPr id="3" name="Text Placeholder 2"/>
           <p:cNvSpPr>
             <a:spLocks noGrp="1"/>
           </p:cNvSpPr>
@@ -1003,26 +2927,29 @@
         </p:nvSpPr>
         <p:spPr>
           <a:xfrm>
-            <a:off x="831850" y="4589463"/>
+            <a:off x="831850" y="4552633"/>
             <a:ext cx="10515600" cy="1500187"/>
           </a:xfrm>
         </p:spPr>
         <p:txBody>
-          <a:bodyPr/>
+          <a:bodyPr anchor="t">
+            <a:normAutofit/>
+          </a:bodyPr>
           <a:lstStyle>
             <a:lvl1pPr marL="0" indent="0">
               <a:buNone/>
               <a:defRPr sz="2400">
                 <a:solidFill>
                   <a:schemeClr val="tx1">
-                    <a:tint val="75000"/>
+                    <a:lumMod val="75000"/>
+                    <a:lumOff val="25000"/>
                   </a:schemeClr>
                 </a:solidFill>
               </a:defRPr>
             </a:lvl1pPr>
             <a:lvl2pPr marL="457200" indent="0">
               <a:buNone/>
-              <a:defRPr sz="2000">
+              <a:defRPr sz="1800">
                 <a:solidFill>
                   <a:schemeClr val="tx1">
                     <a:tint val="75000"/>
@@ -1032,7 +2959,7 @@
             </a:lvl2pPr>
             <a:lvl3pPr marL="914400" indent="0">
               <a:buNone/>
-              <a:defRPr sz="1800">
+              <a:defRPr sz="1600">
                 <a:solidFill>
                   <a:schemeClr val="tx1">
                     <a:tint val="75000"/>
@@ -1042,7 +2969,7 @@
             </a:lvl3pPr>
             <a:lvl4pPr marL="1371600" indent="0">
               <a:buNone/>
-              <a:defRPr sz="1600">
+              <a:defRPr sz="1400">
                 <a:solidFill>
                   <a:schemeClr val="tx1">
                     <a:tint val="75000"/>
@@ -1052,7 +2979,7 @@
             </a:lvl4pPr>
             <a:lvl5pPr marL="1828800" indent="0">
               <a:buNone/>
-              <a:defRPr sz="1600">
+              <a:defRPr sz="1400">
                 <a:solidFill>
                   <a:schemeClr val="tx1">
                     <a:tint val="75000"/>
@@ -1062,7 +2989,7 @@
             </a:lvl5pPr>
             <a:lvl6pPr marL="2286000" indent="0">
               <a:buNone/>
-              <a:defRPr sz="1600">
+              <a:defRPr sz="1400">
                 <a:solidFill>
                   <a:schemeClr val="tx1">
                     <a:tint val="75000"/>
@@ -1072,7 +2999,7 @@
             </a:lvl6pPr>
             <a:lvl7pPr marL="2743200" indent="0">
               <a:buNone/>
-              <a:defRPr sz="1600">
+              <a:defRPr sz="1400">
                 <a:solidFill>
                   <a:schemeClr val="tx1">
                     <a:tint val="75000"/>
@@ -1082,7 +3009,7 @@
             </a:lvl7pPr>
             <a:lvl8pPr marL="3200400" indent="0">
               <a:buNone/>
-              <a:defRPr sz="1600">
+              <a:defRPr sz="1400">
                 <a:solidFill>
                   <a:schemeClr val="tx1">
                     <a:tint val="75000"/>
@@ -1092,7 +3019,7 @@
             </a:lvl8pPr>
             <a:lvl9pPr marL="3657600" indent="0">
               <a:buNone/>
-              <a:defRPr sz="1600">
+              <a:defRPr sz="1400">
                 <a:solidFill>
                   <a:schemeClr val="tx1">
                     <a:tint val="75000"/>
@@ -1112,13 +3039,7 @@
       </p:sp>
       <p:sp>
         <p:nvSpPr>
-          <p:cNvPr id="4" name="日期版面配置區 3">
-            <a:extLst>
-              <a:ext uri="{FF2B5EF4-FFF2-40B4-BE49-F238E27FC236}">
-                <a16:creationId xmlns:a16="http://schemas.microsoft.com/office/drawing/2014/main" id="{37546C76-CF19-433D-9070-0A54A149F1B2}"/>
-              </a:ext>
-            </a:extLst>
-          </p:cNvPr>
+          <p:cNvPr id="4" name="Date Placeholder 3"/>
           <p:cNvSpPr>
             <a:spLocks noGrp="1"/>
           </p:cNvSpPr>
@@ -1131,9 +3052,9 @@
           <a:bodyPr/>
           <a:lstStyle/>
           <a:p>
-            <a:fld id="{C3C90D7E-32D6-4894-AE08-7BBB3E610FC9}" type="datetimeFigureOut">
+            <a:fld id="{CD68668E-B26C-46DC-828E-F337DFA7A9C5}" type="datetimeFigureOut">
               <a:rPr lang="zh-TW" altLang="en-US" smtClean="0"/>
-              <a:t>2024/9/16</a:t>
+              <a:t>2024/10/19</a:t>
             </a:fld>
             <a:endParaRPr lang="zh-TW" altLang="en-US"/>
           </a:p>
@@ -1141,13 +3062,7 @@
       </p:sp>
       <p:sp>
         <p:nvSpPr>
-          <p:cNvPr id="5" name="頁尾版面配置區 4">
-            <a:extLst>
-              <a:ext uri="{FF2B5EF4-FFF2-40B4-BE49-F238E27FC236}">
-                <a16:creationId xmlns:a16="http://schemas.microsoft.com/office/drawing/2014/main" id="{9C9DC25F-827C-4564-AD0E-7FD815D53AF7}"/>
-              </a:ext>
-            </a:extLst>
-          </p:cNvPr>
+          <p:cNvPr id="5" name="Footer Placeholder 4"/>
           <p:cNvSpPr>
             <a:spLocks noGrp="1"/>
           </p:cNvSpPr>
@@ -1166,13 +3081,7 @@
       </p:sp>
       <p:sp>
         <p:nvSpPr>
-          <p:cNvPr id="6" name="投影片編號版面配置區 5">
-            <a:extLst>
-              <a:ext uri="{FF2B5EF4-FFF2-40B4-BE49-F238E27FC236}">
-                <a16:creationId xmlns:a16="http://schemas.microsoft.com/office/drawing/2014/main" id="{8C0653A6-68AA-4213-8D62-EAF9243D6998}"/>
-              </a:ext>
-            </a:extLst>
-          </p:cNvPr>
+          <p:cNvPr id="6" name="Slide Number Placeholder 5"/>
           <p:cNvSpPr>
             <a:spLocks noGrp="1"/>
           </p:cNvSpPr>
@@ -1185,7 +3094,7 @@
           <a:bodyPr/>
           <a:lstStyle/>
           <a:p>
-            <a:fld id="{E31EC408-072F-4346-BD0A-D6AA5788A305}" type="slidenum">
+            <a:fld id="{D41FEE5A-6EA7-4F72-8958-31B30357DD49}" type="slidenum">
               <a:rPr lang="zh-TW" altLang="en-US" smtClean="0"/>
               <a:t>‹#›</a:t>
             </a:fld>
@@ -1196,7 +3105,7 @@
     </p:spTree>
     <p:extLst>
       <p:ext uri="{BB962C8B-B14F-4D97-AF65-F5344CB8AC3E}">
-        <p14:creationId xmlns:p14="http://schemas.microsoft.com/office/powerpoint/2010/main" val="3126775509"/>
+        <p14:creationId xmlns:p14="http://schemas.microsoft.com/office/powerpoint/2010/main" val="3970307460"/>
       </p:ext>
     </p:extLst>
   </p:cSld>
@@ -1225,13 +3134,7 @@
       </p:grpSpPr>
       <p:sp>
         <p:nvSpPr>
-          <p:cNvPr id="2" name="標題 1">
-            <a:extLst>
-              <a:ext uri="{FF2B5EF4-FFF2-40B4-BE49-F238E27FC236}">
-                <a16:creationId xmlns:a16="http://schemas.microsoft.com/office/drawing/2014/main" id="{F8A74D77-9E6E-4FD1-97AD-0ADC1228B6AF}"/>
-              </a:ext>
-            </a:extLst>
-          </p:cNvPr>
+          <p:cNvPr id="2" name="Title 1"/>
           <p:cNvSpPr>
             <a:spLocks noGrp="1"/>
           </p:cNvSpPr>
@@ -1248,18 +3151,13 @@
               <a:rPr lang="zh-TW" altLang="en-US"/>
               <a:t>按一下以編輯母片標題樣式</a:t>
             </a:r>
-          </a:p>
-        </p:txBody>
-      </p:sp>
-      <p:sp>
-        <p:nvSpPr>
-          <p:cNvPr id="3" name="內容版面配置區 2">
-            <a:extLst>
-              <a:ext uri="{FF2B5EF4-FFF2-40B4-BE49-F238E27FC236}">
-                <a16:creationId xmlns:a16="http://schemas.microsoft.com/office/drawing/2014/main" id="{9FDE4E9B-689C-4373-B281-9636BE211982}"/>
-              </a:ext>
-            </a:extLst>
-          </p:cNvPr>
+            <a:endParaRPr lang="en-US" dirty="0"/>
+          </a:p>
+        </p:txBody>
+      </p:sp>
+      <p:sp>
+        <p:nvSpPr>
+          <p:cNvPr id="3" name="Content Placeholder 2"/>
           <p:cNvSpPr>
             <a:spLocks noGrp="1"/>
           </p:cNvSpPr>
@@ -1269,8 +3167,8 @@
         </p:nvSpPr>
         <p:spPr>
           <a:xfrm>
-            <a:off x="838200" y="1825625"/>
-            <a:ext cx="5181600" cy="4351338"/>
+            <a:off x="845127" y="1828800"/>
+            <a:ext cx="5181600" cy="4351337"/>
           </a:xfrm>
         </p:spPr>
         <p:txBody>
@@ -1310,18 +3208,13 @@
               <a:rPr lang="zh-TW" altLang="en-US"/>
               <a:t>第五層</a:t>
             </a:r>
-          </a:p>
-        </p:txBody>
-      </p:sp>
-      <p:sp>
-        <p:nvSpPr>
-          <p:cNvPr id="4" name="內容版面配置區 3">
-            <a:extLst>
-              <a:ext uri="{FF2B5EF4-FFF2-40B4-BE49-F238E27FC236}">
-                <a16:creationId xmlns:a16="http://schemas.microsoft.com/office/drawing/2014/main" id="{CD25EC10-0BDA-4ECA-AB8E-059AC3378E22}"/>
-              </a:ext>
-            </a:extLst>
-          </p:cNvPr>
+            <a:endParaRPr lang="en-US" dirty="0"/>
+          </a:p>
+        </p:txBody>
+      </p:sp>
+      <p:sp>
+        <p:nvSpPr>
+          <p:cNvPr id="4" name="Content Placeholder 3"/>
           <p:cNvSpPr>
             <a:spLocks noGrp="1"/>
           </p:cNvSpPr>
@@ -1331,8 +3224,8 @@
         </p:nvSpPr>
         <p:spPr>
           <a:xfrm>
-            <a:off x="6172200" y="1825625"/>
-            <a:ext cx="5181600" cy="4351338"/>
+            <a:off x="6172200" y="1828800"/>
+            <a:ext cx="5181600" cy="4351337"/>
           </a:xfrm>
         </p:spPr>
         <p:txBody>
@@ -1372,18 +3265,13 @@
               <a:rPr lang="zh-TW" altLang="en-US"/>
               <a:t>第五層</a:t>
             </a:r>
-          </a:p>
-        </p:txBody>
-      </p:sp>
-      <p:sp>
-        <p:nvSpPr>
-          <p:cNvPr id="5" name="日期版面配置區 4">
-            <a:extLst>
-              <a:ext uri="{FF2B5EF4-FFF2-40B4-BE49-F238E27FC236}">
-                <a16:creationId xmlns:a16="http://schemas.microsoft.com/office/drawing/2014/main" id="{63DAF127-0983-4C38-869C-C0A513FA9147}"/>
-              </a:ext>
-            </a:extLst>
-          </p:cNvPr>
+            <a:endParaRPr lang="en-US" dirty="0"/>
+          </a:p>
+        </p:txBody>
+      </p:sp>
+      <p:sp>
+        <p:nvSpPr>
+          <p:cNvPr id="5" name="Date Placeholder 4"/>
           <p:cNvSpPr>
             <a:spLocks noGrp="1"/>
           </p:cNvSpPr>
@@ -1396,9 +3284,9 @@
           <a:bodyPr/>
           <a:lstStyle/>
           <a:p>
-            <a:fld id="{C3C90D7E-32D6-4894-AE08-7BBB3E610FC9}" type="datetimeFigureOut">
+            <a:fld id="{CD68668E-B26C-46DC-828E-F337DFA7A9C5}" type="datetimeFigureOut">
               <a:rPr lang="zh-TW" altLang="en-US" smtClean="0"/>
-              <a:t>2024/9/16</a:t>
+              <a:t>2024/10/19</a:t>
             </a:fld>
             <a:endParaRPr lang="zh-TW" altLang="en-US"/>
           </a:p>
@@ -1406,13 +3294,7 @@
       </p:sp>
       <p:sp>
         <p:nvSpPr>
-          <p:cNvPr id="6" name="頁尾版面配置區 5">
-            <a:extLst>
-              <a:ext uri="{FF2B5EF4-FFF2-40B4-BE49-F238E27FC236}">
-                <a16:creationId xmlns:a16="http://schemas.microsoft.com/office/drawing/2014/main" id="{E014CBA6-CCE3-4CF4-8E13-D895EDBD8F25}"/>
-              </a:ext>
-            </a:extLst>
-          </p:cNvPr>
+          <p:cNvPr id="6" name="Footer Placeholder 5"/>
           <p:cNvSpPr>
             <a:spLocks noGrp="1"/>
           </p:cNvSpPr>
@@ -1431,13 +3313,7 @@
       </p:sp>
       <p:sp>
         <p:nvSpPr>
-          <p:cNvPr id="7" name="投影片編號版面配置區 6">
-            <a:extLst>
-              <a:ext uri="{FF2B5EF4-FFF2-40B4-BE49-F238E27FC236}">
-                <a16:creationId xmlns:a16="http://schemas.microsoft.com/office/drawing/2014/main" id="{5CEAA8E5-79B3-445E-B8C3-29BD56CE6D7A}"/>
-              </a:ext>
-            </a:extLst>
-          </p:cNvPr>
+          <p:cNvPr id="7" name="Slide Number Placeholder 6"/>
           <p:cNvSpPr>
             <a:spLocks noGrp="1"/>
           </p:cNvSpPr>
@@ -1450,7 +3326,7 @@
           <a:bodyPr/>
           <a:lstStyle/>
           <a:p>
-            <a:fld id="{E31EC408-072F-4346-BD0A-D6AA5788A305}" type="slidenum">
+            <a:fld id="{D41FEE5A-6EA7-4F72-8958-31B30357DD49}" type="slidenum">
               <a:rPr lang="zh-TW" altLang="en-US" smtClean="0"/>
               <a:t>‹#›</a:t>
             </a:fld>
@@ -1461,7 +3337,7 @@
     </p:spTree>
     <p:extLst>
       <p:ext uri="{BB962C8B-B14F-4D97-AF65-F5344CB8AC3E}">
-        <p14:creationId xmlns:p14="http://schemas.microsoft.com/office/powerpoint/2010/main" val="3858213488"/>
+        <p14:creationId xmlns:p14="http://schemas.microsoft.com/office/powerpoint/2010/main" val="3872517474"/>
       </p:ext>
     </p:extLst>
   </p:cSld>
@@ -1472,7 +3348,7 @@
 </file>
 
 <file path=ppt/slideLayouts/slideLayout5.xml><?xml version="1.0" encoding="utf-8"?>
-<p:sldLayout xmlns:a="http://schemas.openxmlformats.org/drawingml/2006/main" xmlns:r="http://schemas.openxmlformats.org/officeDocument/2006/relationships" xmlns:p="http://schemas.openxmlformats.org/presentationml/2006/main" type="twoTxTwoObj" preserve="1">
+<p:sldLayout xmlns:a="http://schemas.openxmlformats.org/drawingml/2006/main" xmlns:r="http://schemas.openxmlformats.org/officeDocument/2006/relationships" xmlns:p="http://schemas.openxmlformats.org/presentationml/2006/main" preserve="1">
   <p:cSld name="比較">
     <p:spTree>
       <p:nvGrpSpPr>
@@ -1490,63 +3366,29 @@
       </p:grpSpPr>
       <p:sp>
         <p:nvSpPr>
-          <p:cNvPr id="2" name="標題 1">
-            <a:extLst>
-              <a:ext uri="{FF2B5EF4-FFF2-40B4-BE49-F238E27FC236}">
-                <a16:creationId xmlns:a16="http://schemas.microsoft.com/office/drawing/2014/main" id="{A00F76B6-8DEC-4A74-A06A-BA0146321CD8}"/>
-              </a:ext>
-            </a:extLst>
-          </p:cNvPr>
-          <p:cNvSpPr>
-            <a:spLocks noGrp="1"/>
-          </p:cNvSpPr>
-          <p:nvPr>
-            <p:ph type="title"/>
+          <p:cNvPr id="3" name="Text Placeholder 2"/>
+          <p:cNvSpPr>
+            <a:spLocks noGrp="1"/>
+          </p:cNvSpPr>
+          <p:nvPr>
+            <p:ph type="body" idx="1"/>
           </p:nvPr>
         </p:nvSpPr>
         <p:spPr>
           <a:xfrm>
-            <a:off x="839788" y="365125"/>
-            <a:ext cx="10515600" cy="1325563"/>
-          </a:xfrm>
-        </p:spPr>
-        <p:txBody>
-          <a:bodyPr/>
-          <a:lstStyle/>
-          <a:p>
-            <a:r>
-              <a:rPr lang="zh-TW" altLang="en-US"/>
-              <a:t>按一下以編輯母片標題樣式</a:t>
-            </a:r>
-          </a:p>
-        </p:txBody>
-      </p:sp>
-      <p:sp>
-        <p:nvSpPr>
-          <p:cNvPr id="3" name="文字版面配置區 2">
-            <a:extLst>
-              <a:ext uri="{FF2B5EF4-FFF2-40B4-BE49-F238E27FC236}">
-                <a16:creationId xmlns:a16="http://schemas.microsoft.com/office/drawing/2014/main" id="{EF00F5C5-99A7-4F16-855A-F170362659F7}"/>
-              </a:ext>
-            </a:extLst>
-          </p:cNvPr>
-          <p:cNvSpPr>
-            <a:spLocks noGrp="1"/>
-          </p:cNvSpPr>
-          <p:nvPr>
-            <p:ph type="body" idx="1"/>
-          </p:nvPr>
-        </p:nvSpPr>
-        <p:spPr>
-          <a:xfrm>
-            <a:off x="839788" y="1681163"/>
-            <a:ext cx="5157787" cy="823912"/>
-          </a:xfrm>
-        </p:spPr>
-        <p:txBody>
-          <a:bodyPr anchor="b"/>
+            <a:off x="845127" y="1681850"/>
+            <a:ext cx="5156200" cy="825699"/>
+          </a:xfrm>
+        </p:spPr>
+        <p:txBody>
+          <a:bodyPr anchor="b">
+            <a:normAutofit/>
+          </a:bodyPr>
           <a:lstStyle>
             <a:lvl1pPr marL="0" indent="0">
+              <a:spcBef>
+                <a:spcPts val="0"/>
+              </a:spcBef>
               <a:buNone/>
               <a:defRPr sz="2400" b="1"/>
             </a:lvl1pPr>
@@ -1594,13 +3436,7 @@
       </p:sp>
       <p:sp>
         <p:nvSpPr>
-          <p:cNvPr id="4" name="內容版面配置區 3">
-            <a:extLst>
-              <a:ext uri="{FF2B5EF4-FFF2-40B4-BE49-F238E27FC236}">
-                <a16:creationId xmlns:a16="http://schemas.microsoft.com/office/drawing/2014/main" id="{6722BEB2-C9B4-4C14-8234-D17E84349984}"/>
-              </a:ext>
-            </a:extLst>
-          </p:cNvPr>
+          <p:cNvPr id="4" name="Content Placeholder 3"/>
           <p:cNvSpPr>
             <a:spLocks noGrp="1"/>
           </p:cNvSpPr>
@@ -1610,8 +3446,8 @@
         </p:nvSpPr>
         <p:spPr>
           <a:xfrm>
-            <a:off x="839788" y="2505075"/>
-            <a:ext cx="5157787" cy="3684588"/>
+            <a:off x="845127" y="2507550"/>
+            <a:ext cx="5156200" cy="3680525"/>
           </a:xfrm>
         </p:spPr>
         <p:txBody>
@@ -1651,18 +3487,13 @@
               <a:rPr lang="zh-TW" altLang="en-US"/>
               <a:t>第五層</a:t>
             </a:r>
-          </a:p>
-        </p:txBody>
-      </p:sp>
-      <p:sp>
-        <p:nvSpPr>
-          <p:cNvPr id="5" name="文字版面配置區 4">
-            <a:extLst>
-              <a:ext uri="{FF2B5EF4-FFF2-40B4-BE49-F238E27FC236}">
-                <a16:creationId xmlns:a16="http://schemas.microsoft.com/office/drawing/2014/main" id="{E4A41162-A0AC-4211-940F-4B92208F9B0E}"/>
-              </a:ext>
-            </a:extLst>
-          </p:cNvPr>
+            <a:endParaRPr lang="en-US" dirty="0"/>
+          </a:p>
+        </p:txBody>
+      </p:sp>
+      <p:sp>
+        <p:nvSpPr>
+          <p:cNvPr id="5" name="Text Placeholder 4"/>
           <p:cNvSpPr>
             <a:spLocks noGrp="1"/>
           </p:cNvSpPr>
@@ -1672,14 +3503,17 @@
         </p:nvSpPr>
         <p:spPr>
           <a:xfrm>
-            <a:off x="6172200" y="1681163"/>
-            <a:ext cx="5183188" cy="823912"/>
+            <a:off x="6172200" y="1681851"/>
+            <a:ext cx="5181601" cy="825698"/>
           </a:xfrm>
         </p:spPr>
         <p:txBody>
           <a:bodyPr anchor="b"/>
           <a:lstStyle>
             <a:lvl1pPr marL="0" indent="0">
+              <a:spcBef>
+                <a:spcPts val="0"/>
+              </a:spcBef>
               <a:buNone/>
               <a:defRPr sz="2400" b="1"/>
             </a:lvl1pPr>
@@ -1727,13 +3561,7 @@
       </p:sp>
       <p:sp>
         <p:nvSpPr>
-          <p:cNvPr id="6" name="內容版面配置區 5">
-            <a:extLst>
-              <a:ext uri="{FF2B5EF4-FFF2-40B4-BE49-F238E27FC236}">
-                <a16:creationId xmlns:a16="http://schemas.microsoft.com/office/drawing/2014/main" id="{E8EA159A-F9D7-4F58-A7C3-6E5B65E42266}"/>
-              </a:ext>
-            </a:extLst>
-          </p:cNvPr>
+          <p:cNvPr id="6" name="Content Placeholder 5"/>
           <p:cNvSpPr>
             <a:spLocks noGrp="1"/>
           </p:cNvSpPr>
@@ -1743,8 +3571,8 @@
         </p:nvSpPr>
         <p:spPr>
           <a:xfrm>
-            <a:off x="6172200" y="2505075"/>
-            <a:ext cx="5183188" cy="3684588"/>
+            <a:off x="6172200" y="2507550"/>
+            <a:ext cx="5181601" cy="3680525"/>
           </a:xfrm>
         </p:spPr>
         <p:txBody>
@@ -1784,18 +3612,13 @@
               <a:rPr lang="zh-TW" altLang="en-US"/>
               <a:t>第五層</a:t>
             </a:r>
-          </a:p>
-        </p:txBody>
-      </p:sp>
-      <p:sp>
-        <p:nvSpPr>
-          <p:cNvPr id="7" name="日期版面配置區 6">
-            <a:extLst>
-              <a:ext uri="{FF2B5EF4-FFF2-40B4-BE49-F238E27FC236}">
-                <a16:creationId xmlns:a16="http://schemas.microsoft.com/office/drawing/2014/main" id="{AE973E80-9141-48B7-A9D7-605A4541768F}"/>
-              </a:ext>
-            </a:extLst>
-          </p:cNvPr>
+            <a:endParaRPr lang="en-US"/>
+          </a:p>
+        </p:txBody>
+      </p:sp>
+      <p:sp>
+        <p:nvSpPr>
+          <p:cNvPr id="7" name="Date Placeholder 6"/>
           <p:cNvSpPr>
             <a:spLocks noGrp="1"/>
           </p:cNvSpPr>
@@ -1808,9 +3631,9 @@
           <a:bodyPr/>
           <a:lstStyle/>
           <a:p>
-            <a:fld id="{C3C90D7E-32D6-4894-AE08-7BBB3E610FC9}" type="datetimeFigureOut">
+            <a:fld id="{CD68668E-B26C-46DC-828E-F337DFA7A9C5}" type="datetimeFigureOut">
               <a:rPr lang="zh-TW" altLang="en-US" smtClean="0"/>
-              <a:t>2024/9/16</a:t>
+              <a:t>2024/10/19</a:t>
             </a:fld>
             <a:endParaRPr lang="zh-TW" altLang="en-US"/>
           </a:p>
@@ -1818,13 +3641,7 @@
       </p:sp>
       <p:sp>
         <p:nvSpPr>
-          <p:cNvPr id="8" name="頁尾版面配置區 7">
-            <a:extLst>
-              <a:ext uri="{FF2B5EF4-FFF2-40B4-BE49-F238E27FC236}">
-                <a16:creationId xmlns:a16="http://schemas.microsoft.com/office/drawing/2014/main" id="{6520B07A-79F8-43E7-8013-632DD2AED223}"/>
-              </a:ext>
-            </a:extLst>
-          </p:cNvPr>
+          <p:cNvPr id="8" name="Footer Placeholder 7"/>
           <p:cNvSpPr>
             <a:spLocks noGrp="1"/>
           </p:cNvSpPr>
@@ -1843,13 +3660,7 @@
       </p:sp>
       <p:sp>
         <p:nvSpPr>
-          <p:cNvPr id="9" name="投影片編號版面配置區 8">
-            <a:extLst>
-              <a:ext uri="{FF2B5EF4-FFF2-40B4-BE49-F238E27FC236}">
-                <a16:creationId xmlns:a16="http://schemas.microsoft.com/office/drawing/2014/main" id="{3B997D8F-4F1C-4DE6-A82C-3E0C38ACAE96}"/>
-              </a:ext>
-            </a:extLst>
-          </p:cNvPr>
+          <p:cNvPr id="9" name="Slide Number Placeholder 8"/>
           <p:cNvSpPr>
             <a:spLocks noGrp="1"/>
           </p:cNvSpPr>
@@ -1862,7 +3673,7 @@
           <a:bodyPr/>
           <a:lstStyle/>
           <a:p>
-            <a:fld id="{E31EC408-072F-4346-BD0A-D6AA5788A305}" type="slidenum">
+            <a:fld id="{D41FEE5A-6EA7-4F72-8958-31B30357DD49}" type="slidenum">
               <a:rPr lang="zh-TW" altLang="en-US" smtClean="0"/>
               <a:t>‹#›</a:t>
             </a:fld>
@@ -1870,10 +3681,33 @@
           </a:p>
         </p:txBody>
       </p:sp>
+      <p:sp>
+        <p:nvSpPr>
+          <p:cNvPr id="10" name="Title 9"/>
+          <p:cNvSpPr>
+            <a:spLocks noGrp="1"/>
+          </p:cNvSpPr>
+          <p:nvPr>
+            <p:ph type="title"/>
+          </p:nvPr>
+        </p:nvSpPr>
+        <p:spPr/>
+        <p:txBody>
+          <a:bodyPr/>
+          <a:lstStyle/>
+          <a:p>
+            <a:r>
+              <a:rPr lang="zh-TW" altLang="en-US"/>
+              <a:t>按一下以編輯母片標題樣式</a:t>
+            </a:r>
+            <a:endParaRPr lang="en-US" dirty="0"/>
+          </a:p>
+        </p:txBody>
+      </p:sp>
     </p:spTree>
     <p:extLst>
       <p:ext uri="{BB962C8B-B14F-4D97-AF65-F5344CB8AC3E}">
-        <p14:creationId xmlns:p14="http://schemas.microsoft.com/office/powerpoint/2010/main" val="3379995638"/>
+        <p14:creationId xmlns:p14="http://schemas.microsoft.com/office/powerpoint/2010/main" val="2942265567"/>
       </p:ext>
     </p:extLst>
   </p:cSld>
@@ -1884,7 +3718,7 @@
 </file>
 
 <file path=ppt/slideLayouts/slideLayout6.xml><?xml version="1.0" encoding="utf-8"?>
-<p:sldLayout xmlns:a="http://schemas.openxmlformats.org/drawingml/2006/main" xmlns:r="http://schemas.openxmlformats.org/officeDocument/2006/relationships" xmlns:p="http://schemas.openxmlformats.org/presentationml/2006/main" type="titleOnly" preserve="1">
+<p:sldLayout xmlns:a="http://schemas.openxmlformats.org/drawingml/2006/main" xmlns:r="http://schemas.openxmlformats.org/officeDocument/2006/relationships" xmlns:p="http://schemas.openxmlformats.org/presentationml/2006/main" preserve="1">
   <p:cSld name="只有標題">
     <p:spTree>
       <p:nvGrpSpPr>
@@ -1902,18 +3736,12 @@
       </p:grpSpPr>
       <p:sp>
         <p:nvSpPr>
-          <p:cNvPr id="2" name="標題 1">
-            <a:extLst>
-              <a:ext uri="{FF2B5EF4-FFF2-40B4-BE49-F238E27FC236}">
-                <a16:creationId xmlns:a16="http://schemas.microsoft.com/office/drawing/2014/main" id="{6CE04611-FD10-429D-89AA-73C259B64293}"/>
-              </a:ext>
-            </a:extLst>
-          </p:cNvPr>
-          <p:cNvSpPr>
-            <a:spLocks noGrp="1"/>
-          </p:cNvSpPr>
-          <p:nvPr>
-            <p:ph type="title"/>
+          <p:cNvPr id="3" name="Date Placeholder 2"/>
+          <p:cNvSpPr>
+            <a:spLocks noGrp="1"/>
+          </p:cNvSpPr>
+          <p:nvPr>
+            <p:ph type="dt" sz="half" idx="10"/>
           </p:nvPr>
         </p:nvSpPr>
         <p:spPr/>
@@ -1921,27 +3749,22 @@
           <a:bodyPr/>
           <a:lstStyle/>
           <a:p>
-            <a:r>
-              <a:rPr lang="zh-TW" altLang="en-US"/>
-              <a:t>按一下以編輯母片標題樣式</a:t>
-            </a:r>
-          </a:p>
-        </p:txBody>
-      </p:sp>
-      <p:sp>
-        <p:nvSpPr>
-          <p:cNvPr id="3" name="日期版面配置區 2">
-            <a:extLst>
-              <a:ext uri="{FF2B5EF4-FFF2-40B4-BE49-F238E27FC236}">
-                <a16:creationId xmlns:a16="http://schemas.microsoft.com/office/drawing/2014/main" id="{2D9009F3-A280-4DA8-ACC4-187DE2172BCA}"/>
-              </a:ext>
-            </a:extLst>
-          </p:cNvPr>
-          <p:cNvSpPr>
-            <a:spLocks noGrp="1"/>
-          </p:cNvSpPr>
-          <p:nvPr>
-            <p:ph type="dt" sz="half" idx="10"/>
+            <a:fld id="{CD68668E-B26C-46DC-828E-F337DFA7A9C5}" type="datetimeFigureOut">
+              <a:rPr lang="zh-TW" altLang="en-US" smtClean="0"/>
+              <a:t>2024/10/19</a:t>
+            </a:fld>
+            <a:endParaRPr lang="zh-TW" altLang="en-US"/>
+          </a:p>
+        </p:txBody>
+      </p:sp>
+      <p:sp>
+        <p:nvSpPr>
+          <p:cNvPr id="4" name="Footer Placeholder 3"/>
+          <p:cNvSpPr>
+            <a:spLocks noGrp="1"/>
+          </p:cNvSpPr>
+          <p:nvPr>
+            <p:ph type="ftr" sz="quarter" idx="11"/>
           </p:nvPr>
         </p:nvSpPr>
         <p:spPr/>
@@ -1949,28 +3772,18 @@
           <a:bodyPr/>
           <a:lstStyle/>
           <a:p>
-            <a:fld id="{C3C90D7E-32D6-4894-AE08-7BBB3E610FC9}" type="datetimeFigureOut">
-              <a:rPr lang="zh-TW" altLang="en-US" smtClean="0"/>
-              <a:t>2024/9/16</a:t>
-            </a:fld>
             <a:endParaRPr lang="zh-TW" altLang="en-US"/>
           </a:p>
         </p:txBody>
       </p:sp>
       <p:sp>
         <p:nvSpPr>
-          <p:cNvPr id="4" name="頁尾版面配置區 3">
-            <a:extLst>
-              <a:ext uri="{FF2B5EF4-FFF2-40B4-BE49-F238E27FC236}">
-                <a16:creationId xmlns:a16="http://schemas.microsoft.com/office/drawing/2014/main" id="{F8FD791E-F627-4DDB-AD69-F7639FDD1767}"/>
-              </a:ext>
-            </a:extLst>
-          </p:cNvPr>
-          <p:cNvSpPr>
-            <a:spLocks noGrp="1"/>
-          </p:cNvSpPr>
-          <p:nvPr>
-            <p:ph type="ftr" sz="quarter" idx="11"/>
+          <p:cNvPr id="5" name="Slide Number Placeholder 4"/>
+          <p:cNvSpPr>
+            <a:spLocks noGrp="1"/>
+          </p:cNvSpPr>
+          <p:nvPr>
+            <p:ph type="sldNum" sz="quarter" idx="12"/>
           </p:nvPr>
         </p:nvSpPr>
         <p:spPr/>
@@ -1978,32 +3791,7 @@
           <a:bodyPr/>
           <a:lstStyle/>
           <a:p>
-            <a:endParaRPr lang="zh-TW" altLang="en-US"/>
-          </a:p>
-        </p:txBody>
-      </p:sp>
-      <p:sp>
-        <p:nvSpPr>
-          <p:cNvPr id="5" name="投影片編號版面配置區 4">
-            <a:extLst>
-              <a:ext uri="{FF2B5EF4-FFF2-40B4-BE49-F238E27FC236}">
-                <a16:creationId xmlns:a16="http://schemas.microsoft.com/office/drawing/2014/main" id="{CE9C3C73-9A1B-4A20-B40C-BF8E0726E9AE}"/>
-              </a:ext>
-            </a:extLst>
-          </p:cNvPr>
-          <p:cNvSpPr>
-            <a:spLocks noGrp="1"/>
-          </p:cNvSpPr>
-          <p:nvPr>
-            <p:ph type="sldNum" sz="quarter" idx="12"/>
-          </p:nvPr>
-        </p:nvSpPr>
-        <p:spPr/>
-        <p:txBody>
-          <a:bodyPr/>
-          <a:lstStyle/>
-          <a:p>
-            <a:fld id="{E31EC408-072F-4346-BD0A-D6AA5788A305}" type="slidenum">
+            <a:fld id="{D41FEE5A-6EA7-4F72-8958-31B30357DD49}" type="slidenum">
               <a:rPr lang="zh-TW" altLang="en-US" smtClean="0"/>
               <a:t>‹#›</a:t>
             </a:fld>
@@ -2011,10 +3799,33 @@
           </a:p>
         </p:txBody>
       </p:sp>
+      <p:sp>
+        <p:nvSpPr>
+          <p:cNvPr id="6" name="Title 5"/>
+          <p:cNvSpPr>
+            <a:spLocks noGrp="1"/>
+          </p:cNvSpPr>
+          <p:nvPr>
+            <p:ph type="title"/>
+          </p:nvPr>
+        </p:nvSpPr>
+        <p:spPr/>
+        <p:txBody>
+          <a:bodyPr/>
+          <a:lstStyle/>
+          <a:p>
+            <a:r>
+              <a:rPr lang="zh-TW" altLang="en-US"/>
+              <a:t>按一下以編輯母片標題樣式</a:t>
+            </a:r>
+            <a:endParaRPr lang="en-US"/>
+          </a:p>
+        </p:txBody>
+      </p:sp>
     </p:spTree>
     <p:extLst>
       <p:ext uri="{BB962C8B-B14F-4D97-AF65-F5344CB8AC3E}">
-        <p14:creationId xmlns:p14="http://schemas.microsoft.com/office/powerpoint/2010/main" val="3116621787"/>
+        <p14:creationId xmlns:p14="http://schemas.microsoft.com/office/powerpoint/2010/main" val="4181387618"/>
       </p:ext>
     </p:extLst>
   </p:cSld>
@@ -2043,13 +3854,7 @@
       </p:grpSpPr>
       <p:sp>
         <p:nvSpPr>
-          <p:cNvPr id="2" name="日期版面配置區 1">
-            <a:extLst>
-              <a:ext uri="{FF2B5EF4-FFF2-40B4-BE49-F238E27FC236}">
-                <a16:creationId xmlns:a16="http://schemas.microsoft.com/office/drawing/2014/main" id="{1E1D8EED-F2A7-4221-9887-0DBB62EB3F80}"/>
-              </a:ext>
-            </a:extLst>
-          </p:cNvPr>
+          <p:cNvPr id="2" name="Date Placeholder 1"/>
           <p:cNvSpPr>
             <a:spLocks noGrp="1"/>
           </p:cNvSpPr>
@@ -2062,9 +3867,9 @@
           <a:bodyPr/>
           <a:lstStyle/>
           <a:p>
-            <a:fld id="{C3C90D7E-32D6-4894-AE08-7BBB3E610FC9}" type="datetimeFigureOut">
+            <a:fld id="{CD68668E-B26C-46DC-828E-F337DFA7A9C5}" type="datetimeFigureOut">
               <a:rPr lang="zh-TW" altLang="en-US" smtClean="0"/>
-              <a:t>2024/9/16</a:t>
+              <a:t>2024/10/19</a:t>
             </a:fld>
             <a:endParaRPr lang="zh-TW" altLang="en-US"/>
           </a:p>
@@ -2072,13 +3877,7 @@
       </p:sp>
       <p:sp>
         <p:nvSpPr>
-          <p:cNvPr id="3" name="頁尾版面配置區 2">
-            <a:extLst>
-              <a:ext uri="{FF2B5EF4-FFF2-40B4-BE49-F238E27FC236}">
-                <a16:creationId xmlns:a16="http://schemas.microsoft.com/office/drawing/2014/main" id="{10593B39-DC86-45A7-85EF-B4DB9C28DC80}"/>
-              </a:ext>
-            </a:extLst>
-          </p:cNvPr>
+          <p:cNvPr id="3" name="Footer Placeholder 2"/>
           <p:cNvSpPr>
             <a:spLocks noGrp="1"/>
           </p:cNvSpPr>
@@ -2097,13 +3896,7 @@
       </p:sp>
       <p:sp>
         <p:nvSpPr>
-          <p:cNvPr id="4" name="投影片編號版面配置區 3">
-            <a:extLst>
-              <a:ext uri="{FF2B5EF4-FFF2-40B4-BE49-F238E27FC236}">
-                <a16:creationId xmlns:a16="http://schemas.microsoft.com/office/drawing/2014/main" id="{3D9056B2-6966-4CAF-94D1-2295A737E168}"/>
-              </a:ext>
-            </a:extLst>
-          </p:cNvPr>
+          <p:cNvPr id="4" name="Slide Number Placeholder 3"/>
           <p:cNvSpPr>
             <a:spLocks noGrp="1"/>
           </p:cNvSpPr>
@@ -2116,7 +3909,7 @@
           <a:bodyPr/>
           <a:lstStyle/>
           <a:p>
-            <a:fld id="{E31EC408-072F-4346-BD0A-D6AA5788A305}" type="slidenum">
+            <a:fld id="{D41FEE5A-6EA7-4F72-8958-31B30357DD49}" type="slidenum">
               <a:rPr lang="zh-TW" altLang="en-US" smtClean="0"/>
               <a:t>‹#›</a:t>
             </a:fld>
@@ -2127,7 +3920,7 @@
     </p:spTree>
     <p:extLst>
       <p:ext uri="{BB962C8B-B14F-4D97-AF65-F5344CB8AC3E}">
-        <p14:creationId xmlns:p14="http://schemas.microsoft.com/office/powerpoint/2010/main" val="3887241942"/>
+        <p14:creationId xmlns:p14="http://schemas.microsoft.com/office/powerpoint/2010/main" val="699113714"/>
       </p:ext>
     </p:extLst>
   </p:cSld>
@@ -2156,13 +3949,7 @@
       </p:grpSpPr>
       <p:sp>
         <p:nvSpPr>
-          <p:cNvPr id="2" name="標題 1">
-            <a:extLst>
-              <a:ext uri="{FF2B5EF4-FFF2-40B4-BE49-F238E27FC236}">
-                <a16:creationId xmlns:a16="http://schemas.microsoft.com/office/drawing/2014/main" id="{5C3076DF-D16B-4600-9550-96C6A8DD7F1A}"/>
-              </a:ext>
-            </a:extLst>
-          </p:cNvPr>
+          <p:cNvPr id="2" name="Title 1"/>
           <p:cNvSpPr>
             <a:spLocks noGrp="1"/>
           </p:cNvSpPr>
@@ -2172,15 +3959,17 @@
         </p:nvSpPr>
         <p:spPr>
           <a:xfrm>
-            <a:off x="839788" y="457200"/>
-            <a:ext cx="3932237" cy="1600200"/>
-          </a:xfrm>
-        </p:spPr>
-        <p:txBody>
-          <a:bodyPr anchor="b"/>
+            <a:off x="841248" y="457200"/>
+            <a:ext cx="3931920" cy="1600197"/>
+          </a:xfrm>
+        </p:spPr>
+        <p:txBody>
+          <a:bodyPr anchor="b">
+            <a:normAutofit/>
+          </a:bodyPr>
           <a:lstStyle>
             <a:lvl1pPr>
-              <a:defRPr sz="3200"/>
+              <a:defRPr sz="3200" b="0"/>
             </a:lvl1pPr>
           </a:lstStyle>
           <a:p>
@@ -2188,18 +3977,13 @@
               <a:rPr lang="zh-TW" altLang="en-US"/>
               <a:t>按一下以編輯母片標題樣式</a:t>
             </a:r>
-          </a:p>
-        </p:txBody>
-      </p:sp>
-      <p:sp>
-        <p:nvSpPr>
-          <p:cNvPr id="3" name="內容版面配置區 2">
-            <a:extLst>
-              <a:ext uri="{FF2B5EF4-FFF2-40B4-BE49-F238E27FC236}">
-                <a16:creationId xmlns:a16="http://schemas.microsoft.com/office/drawing/2014/main" id="{9CD3D667-FDE5-4F5D-9495-588EC18912CE}"/>
-              </a:ext>
-            </a:extLst>
-          </p:cNvPr>
+            <a:endParaRPr lang="en-US" dirty="0"/>
+          </a:p>
+        </p:txBody>
+      </p:sp>
+      <p:sp>
+        <p:nvSpPr>
+          <p:cNvPr id="3" name="Content Placeholder 2"/>
           <p:cNvSpPr>
             <a:spLocks noGrp="1"/>
           </p:cNvSpPr>
@@ -2209,8 +3993,8 @@
         </p:nvSpPr>
         <p:spPr>
           <a:xfrm>
-            <a:off x="5183188" y="987425"/>
-            <a:ext cx="6172200" cy="4873625"/>
+            <a:off x="5181600" y="990600"/>
+            <a:ext cx="6172200" cy="4876800"/>
           </a:xfrm>
         </p:spPr>
         <p:txBody>
@@ -2278,18 +4062,13 @@
               <a:rPr lang="zh-TW" altLang="en-US"/>
               <a:t>第五層</a:t>
             </a:r>
-          </a:p>
-        </p:txBody>
-      </p:sp>
-      <p:sp>
-        <p:nvSpPr>
-          <p:cNvPr id="4" name="文字版面配置區 3">
-            <a:extLst>
-              <a:ext uri="{FF2B5EF4-FFF2-40B4-BE49-F238E27FC236}">
-                <a16:creationId xmlns:a16="http://schemas.microsoft.com/office/drawing/2014/main" id="{22F511E7-BEEF-4F51-BA0E-52C1908D5608}"/>
-              </a:ext>
-            </a:extLst>
-          </p:cNvPr>
+            <a:endParaRPr lang="en-US" dirty="0"/>
+          </a:p>
+        </p:txBody>
+      </p:sp>
+      <p:sp>
+        <p:nvSpPr>
+          <p:cNvPr id="4" name="Text Placeholder 3"/>
           <p:cNvSpPr>
             <a:spLocks noGrp="1"/>
           </p:cNvSpPr>
@@ -2299,48 +4078,53 @@
         </p:nvSpPr>
         <p:spPr>
           <a:xfrm>
-            <a:off x="839788" y="2057400"/>
-            <a:ext cx="3932237" cy="3811588"/>
-          </a:xfrm>
-        </p:spPr>
-        <p:txBody>
-          <a:bodyPr/>
+            <a:off x="841248" y="2057399"/>
+            <a:ext cx="3931920" cy="3810001"/>
+          </a:xfrm>
+        </p:spPr>
+        <p:txBody>
+          <a:bodyPr>
+            <a:normAutofit/>
+          </a:bodyPr>
           <a:lstStyle>
             <a:lvl1pPr marL="0" indent="0">
+              <a:lnSpc>
+                <a:spcPct val="90000"/>
+              </a:lnSpc>
               <a:buNone/>
               <a:defRPr sz="1600"/>
             </a:lvl1pPr>
             <a:lvl2pPr marL="457200" indent="0">
               <a:buNone/>
-              <a:defRPr sz="1400"/>
+              <a:defRPr sz="1200"/>
             </a:lvl2pPr>
             <a:lvl3pPr marL="914400" indent="0">
               <a:buNone/>
-              <a:defRPr sz="1200"/>
+              <a:defRPr sz="1000"/>
             </a:lvl3pPr>
             <a:lvl4pPr marL="1371600" indent="0">
               <a:buNone/>
-              <a:defRPr sz="1000"/>
+              <a:defRPr sz="900"/>
             </a:lvl4pPr>
             <a:lvl5pPr marL="1828800" indent="0">
               <a:buNone/>
-              <a:defRPr sz="1000"/>
+              <a:defRPr sz="900"/>
             </a:lvl5pPr>
             <a:lvl6pPr marL="2286000" indent="0">
               <a:buNone/>
-              <a:defRPr sz="1000"/>
+              <a:defRPr sz="900"/>
             </a:lvl6pPr>
             <a:lvl7pPr marL="2743200" indent="0">
               <a:buNone/>
-              <a:defRPr sz="1000"/>
+              <a:defRPr sz="900"/>
             </a:lvl7pPr>
             <a:lvl8pPr marL="3200400" indent="0">
               <a:buNone/>
-              <a:defRPr sz="1000"/>
+              <a:defRPr sz="900"/>
             </a:lvl8pPr>
             <a:lvl9pPr marL="3657600" indent="0">
               <a:buNone/>
-              <a:defRPr sz="1000"/>
+              <a:defRPr sz="900"/>
             </a:lvl9pPr>
           </a:lstStyle>
           <a:p>
@@ -2354,13 +4138,7 @@
       </p:sp>
       <p:sp>
         <p:nvSpPr>
-          <p:cNvPr id="5" name="日期版面配置區 4">
-            <a:extLst>
-              <a:ext uri="{FF2B5EF4-FFF2-40B4-BE49-F238E27FC236}">
-                <a16:creationId xmlns:a16="http://schemas.microsoft.com/office/drawing/2014/main" id="{88060697-A92E-4178-A790-FCBB90D70573}"/>
-              </a:ext>
-            </a:extLst>
-          </p:cNvPr>
+          <p:cNvPr id="5" name="Date Placeholder 4"/>
           <p:cNvSpPr>
             <a:spLocks noGrp="1"/>
           </p:cNvSpPr>
@@ -2373,9 +4151,9 @@
           <a:bodyPr/>
           <a:lstStyle/>
           <a:p>
-            <a:fld id="{C3C90D7E-32D6-4894-AE08-7BBB3E610FC9}" type="datetimeFigureOut">
+            <a:fld id="{CD68668E-B26C-46DC-828E-F337DFA7A9C5}" type="datetimeFigureOut">
               <a:rPr lang="zh-TW" altLang="en-US" smtClean="0"/>
-              <a:t>2024/9/16</a:t>
+              <a:t>2024/10/19</a:t>
             </a:fld>
             <a:endParaRPr lang="zh-TW" altLang="en-US"/>
           </a:p>
@@ -2383,13 +4161,7 @@
       </p:sp>
       <p:sp>
         <p:nvSpPr>
-          <p:cNvPr id="6" name="頁尾版面配置區 5">
-            <a:extLst>
-              <a:ext uri="{FF2B5EF4-FFF2-40B4-BE49-F238E27FC236}">
-                <a16:creationId xmlns:a16="http://schemas.microsoft.com/office/drawing/2014/main" id="{2A8E3F57-A99A-4C4C-BF14-EE42AB99CE78}"/>
-              </a:ext>
-            </a:extLst>
-          </p:cNvPr>
+          <p:cNvPr id="6" name="Footer Placeholder 5"/>
           <p:cNvSpPr>
             <a:spLocks noGrp="1"/>
           </p:cNvSpPr>
@@ -2408,13 +4180,7 @@
       </p:sp>
       <p:sp>
         <p:nvSpPr>
-          <p:cNvPr id="7" name="投影片編號版面配置區 6">
-            <a:extLst>
-              <a:ext uri="{FF2B5EF4-FFF2-40B4-BE49-F238E27FC236}">
-                <a16:creationId xmlns:a16="http://schemas.microsoft.com/office/drawing/2014/main" id="{39234440-6924-48D7-AC1A-200D5946BCA9}"/>
-              </a:ext>
-            </a:extLst>
-          </p:cNvPr>
+          <p:cNvPr id="7" name="Slide Number Placeholder 6"/>
           <p:cNvSpPr>
             <a:spLocks noGrp="1"/>
           </p:cNvSpPr>
@@ -2427,7 +4193,7 @@
           <a:bodyPr/>
           <a:lstStyle/>
           <a:p>
-            <a:fld id="{E31EC408-072F-4346-BD0A-D6AA5788A305}" type="slidenum">
+            <a:fld id="{D41FEE5A-6EA7-4F72-8958-31B30357DD49}" type="slidenum">
               <a:rPr lang="zh-TW" altLang="en-US" smtClean="0"/>
               <a:t>‹#›</a:t>
             </a:fld>
@@ -2438,7 +4204,7 @@
     </p:spTree>
     <p:extLst>
       <p:ext uri="{BB962C8B-B14F-4D97-AF65-F5344CB8AC3E}">
-        <p14:creationId xmlns:p14="http://schemas.microsoft.com/office/powerpoint/2010/main" val="2036183199"/>
+        <p14:creationId xmlns:p14="http://schemas.microsoft.com/office/powerpoint/2010/main" val="3762615295"/>
       </p:ext>
     </p:extLst>
   </p:cSld>
@@ -2467,13 +4233,7 @@
       </p:grpSpPr>
       <p:sp>
         <p:nvSpPr>
-          <p:cNvPr id="2" name="標題 1">
-            <a:extLst>
-              <a:ext uri="{FF2B5EF4-FFF2-40B4-BE49-F238E27FC236}">
-                <a16:creationId xmlns:a16="http://schemas.microsoft.com/office/drawing/2014/main" id="{B2E81694-0B93-4D65-9DA3-21597478A96C}"/>
-              </a:ext>
-            </a:extLst>
-          </p:cNvPr>
+          <p:cNvPr id="2" name="Title 1"/>
           <p:cNvSpPr>
             <a:spLocks noGrp="1"/>
           </p:cNvSpPr>
@@ -2483,15 +4243,17 @@
         </p:nvSpPr>
         <p:spPr>
           <a:xfrm>
-            <a:off x="839788" y="457200"/>
-            <a:ext cx="3932237" cy="1600200"/>
-          </a:xfrm>
-        </p:spPr>
-        <p:txBody>
-          <a:bodyPr anchor="b"/>
+            <a:off x="841248" y="457200"/>
+            <a:ext cx="3931920" cy="1600200"/>
+          </a:xfrm>
+        </p:spPr>
+        <p:txBody>
+          <a:bodyPr anchor="b">
+            <a:normAutofit/>
+          </a:bodyPr>
           <a:lstStyle>
             <a:lvl1pPr>
-              <a:defRPr sz="3200"/>
+              <a:defRPr sz="3200" b="0"/>
             </a:lvl1pPr>
           </a:lstStyle>
           <a:p>
@@ -2499,18 +4261,13 @@
               <a:rPr lang="zh-TW" altLang="en-US"/>
               <a:t>按一下以編輯母片標題樣式</a:t>
             </a:r>
-          </a:p>
-        </p:txBody>
-      </p:sp>
-      <p:sp>
-        <p:nvSpPr>
-          <p:cNvPr id="3" name="圖片版面配置區 2">
-            <a:extLst>
-              <a:ext uri="{FF2B5EF4-FFF2-40B4-BE49-F238E27FC236}">
-                <a16:creationId xmlns:a16="http://schemas.microsoft.com/office/drawing/2014/main" id="{23E4D718-8CB0-4334-BB8A-FB8B57D7CDC6}"/>
-              </a:ext>
-            </a:extLst>
-          </p:cNvPr>
+            <a:endParaRPr lang="en-US" dirty="0"/>
+          </a:p>
+        </p:txBody>
+      </p:sp>
+      <p:sp>
+        <p:nvSpPr>
+          <p:cNvPr id="3" name="Picture Placeholder 2"/>
           <p:cNvSpPr>
             <a:spLocks noGrp="1"/>
           </p:cNvSpPr>
@@ -2520,8 +4277,8 @@
         </p:nvSpPr>
         <p:spPr>
           <a:xfrm>
-            <a:off x="5183188" y="987425"/>
-            <a:ext cx="6172200" cy="4873625"/>
+            <a:off x="5181600" y="990600"/>
+            <a:ext cx="6172200" cy="4876800"/>
           </a:xfrm>
         </p:spPr>
         <p:txBody>
@@ -2565,19 +4322,17 @@
             </a:lvl9pPr>
           </a:lstStyle>
           <a:p>
-            <a:endParaRPr lang="zh-TW" altLang="en-US"/>
-          </a:p>
-        </p:txBody>
-      </p:sp>
-      <p:sp>
-        <p:nvSpPr>
-          <p:cNvPr id="4" name="文字版面配置區 3">
-            <a:extLst>
-              <a:ext uri="{FF2B5EF4-FFF2-40B4-BE49-F238E27FC236}">
-                <a16:creationId xmlns:a16="http://schemas.microsoft.com/office/drawing/2014/main" id="{0DC47463-53E7-4FE3-B60B-1657D11127BD}"/>
-              </a:ext>
-            </a:extLst>
-          </p:cNvPr>
+            <a:r>
+              <a:rPr lang="zh-TW" altLang="en-US"/>
+              <a:t>按一下圖示以新增圖片</a:t>
+            </a:r>
+            <a:endParaRPr lang="en-US" dirty="0"/>
+          </a:p>
+        </p:txBody>
+      </p:sp>
+      <p:sp>
+        <p:nvSpPr>
+          <p:cNvPr id="4" name="Text Placeholder 3"/>
           <p:cNvSpPr>
             <a:spLocks noGrp="1"/>
           </p:cNvSpPr>
@@ -2587,48 +4342,53 @@
         </p:nvSpPr>
         <p:spPr>
           <a:xfrm>
-            <a:off x="839788" y="2057400"/>
-            <a:ext cx="3932237" cy="3811588"/>
-          </a:xfrm>
-        </p:spPr>
-        <p:txBody>
-          <a:bodyPr/>
+            <a:off x="841248" y="2057400"/>
+            <a:ext cx="3931920" cy="3810000"/>
+          </a:xfrm>
+        </p:spPr>
+        <p:txBody>
+          <a:bodyPr>
+            <a:normAutofit/>
+          </a:bodyPr>
           <a:lstStyle>
             <a:lvl1pPr marL="0" indent="0">
+              <a:lnSpc>
+                <a:spcPct val="90000"/>
+              </a:lnSpc>
               <a:buNone/>
               <a:defRPr sz="1600"/>
             </a:lvl1pPr>
             <a:lvl2pPr marL="457200" indent="0">
               <a:buNone/>
-              <a:defRPr sz="1400"/>
+              <a:defRPr sz="1200"/>
             </a:lvl2pPr>
             <a:lvl3pPr marL="914400" indent="0">
               <a:buNone/>
-              <a:defRPr sz="1200"/>
+              <a:defRPr sz="1000"/>
             </a:lvl3pPr>
             <a:lvl4pPr marL="1371600" indent="0">
               <a:buNone/>
-              <a:defRPr sz="1000"/>
+              <a:defRPr sz="900"/>
             </a:lvl4pPr>
             <a:lvl5pPr marL="1828800" indent="0">
               <a:buNone/>
-              <a:defRPr sz="1000"/>
+              <a:defRPr sz="900"/>
             </a:lvl5pPr>
             <a:lvl6pPr marL="2286000" indent="0">
               <a:buNone/>
-              <a:defRPr sz="1000"/>
+              <a:defRPr sz="900"/>
             </a:lvl6pPr>
             <a:lvl7pPr marL="2743200" indent="0">
               <a:buNone/>
-              <a:defRPr sz="1000"/>
+              <a:defRPr sz="900"/>
             </a:lvl7pPr>
             <a:lvl8pPr marL="3200400" indent="0">
               <a:buNone/>
-              <a:defRPr sz="1000"/>
+              <a:defRPr sz="900"/>
             </a:lvl8pPr>
             <a:lvl9pPr marL="3657600" indent="0">
               <a:buNone/>
-              <a:defRPr sz="1000"/>
+              <a:defRPr sz="900"/>
             </a:lvl9pPr>
           </a:lstStyle>
           <a:p>
@@ -2642,13 +4402,7 @@
       </p:sp>
       <p:sp>
         <p:nvSpPr>
-          <p:cNvPr id="5" name="日期版面配置區 4">
-            <a:extLst>
-              <a:ext uri="{FF2B5EF4-FFF2-40B4-BE49-F238E27FC236}">
-                <a16:creationId xmlns:a16="http://schemas.microsoft.com/office/drawing/2014/main" id="{28875DC5-6AFF-40C0-8C77-F81A0A3E1B0F}"/>
-              </a:ext>
-            </a:extLst>
-          </p:cNvPr>
+          <p:cNvPr id="5" name="Date Placeholder 4"/>
           <p:cNvSpPr>
             <a:spLocks noGrp="1"/>
           </p:cNvSpPr>
@@ -2661,9 +4415,9 @@
           <a:bodyPr/>
           <a:lstStyle/>
           <a:p>
-            <a:fld id="{C3C90D7E-32D6-4894-AE08-7BBB3E610FC9}" type="datetimeFigureOut">
+            <a:fld id="{CD68668E-B26C-46DC-828E-F337DFA7A9C5}" type="datetimeFigureOut">
               <a:rPr lang="zh-TW" altLang="en-US" smtClean="0"/>
-              <a:t>2024/9/16</a:t>
+              <a:t>2024/10/19</a:t>
             </a:fld>
             <a:endParaRPr lang="zh-TW" altLang="en-US"/>
           </a:p>
@@ -2671,13 +4425,7 @@
       </p:sp>
       <p:sp>
         <p:nvSpPr>
-          <p:cNvPr id="6" name="頁尾版面配置區 5">
-            <a:extLst>
-              <a:ext uri="{FF2B5EF4-FFF2-40B4-BE49-F238E27FC236}">
-                <a16:creationId xmlns:a16="http://schemas.microsoft.com/office/drawing/2014/main" id="{24F8A973-6D07-4F0C-97A0-280FEFC238E0}"/>
-              </a:ext>
-            </a:extLst>
-          </p:cNvPr>
+          <p:cNvPr id="6" name="Footer Placeholder 5"/>
           <p:cNvSpPr>
             <a:spLocks noGrp="1"/>
           </p:cNvSpPr>
@@ -2696,13 +4444,7 @@
       </p:sp>
       <p:sp>
         <p:nvSpPr>
-          <p:cNvPr id="7" name="投影片編號版面配置區 6">
-            <a:extLst>
-              <a:ext uri="{FF2B5EF4-FFF2-40B4-BE49-F238E27FC236}">
-                <a16:creationId xmlns:a16="http://schemas.microsoft.com/office/drawing/2014/main" id="{DB60BB1E-F41B-40F0-929B-5208374980BF}"/>
-              </a:ext>
-            </a:extLst>
-          </p:cNvPr>
+          <p:cNvPr id="7" name="Slide Number Placeholder 6"/>
           <p:cNvSpPr>
             <a:spLocks noGrp="1"/>
           </p:cNvSpPr>
@@ -2715,7 +4457,7 @@
           <a:bodyPr/>
           <a:lstStyle/>
           <a:p>
-            <a:fld id="{E31EC408-072F-4346-BD0A-D6AA5788A305}" type="slidenum">
+            <a:fld id="{D41FEE5A-6EA7-4F72-8958-31B30357DD49}" type="slidenum">
               <a:rPr lang="zh-TW" altLang="en-US" smtClean="0"/>
               <a:t>‹#›</a:t>
             </a:fld>
@@ -2726,7 +4468,7 @@
     </p:spTree>
     <p:extLst>
       <p:ext uri="{BB962C8B-B14F-4D97-AF65-F5344CB8AC3E}">
-        <p14:creationId xmlns:p14="http://schemas.microsoft.com/office/powerpoint/2010/main" val="3148270851"/>
+        <p14:creationId xmlns:p14="http://schemas.microsoft.com/office/powerpoint/2010/main" val="196883677"/>
       </p:ext>
     </p:extLst>
   </p:cSld>
@@ -2737,12 +4479,18 @@
 </file>
 
 <file path=ppt/slideMasters/slideMaster1.xml><?xml version="1.0" encoding="utf-8"?>
-<p:sldMaster xmlns:a="http://schemas.openxmlformats.org/drawingml/2006/main" xmlns:r="http://schemas.openxmlformats.org/officeDocument/2006/relationships" xmlns:p="http://schemas.openxmlformats.org/presentationml/2006/main">
+<p:sldMaster xmlns:a="http://schemas.openxmlformats.org/drawingml/2006/main" xmlns:r="http://schemas.openxmlformats.org/officeDocument/2006/relationships" xmlns:p="http://schemas.openxmlformats.org/presentationml/2006/main" preserve="1">
   <p:cSld>
     <p:bg>
-      <p:bgRef idx="1001">
-        <a:schemeClr val="bg1"/>
-      </p:bgRef>
+      <p:bgPr>
+        <a:solidFill>
+          <a:schemeClr val="accent6">
+            <a:lumMod val="40000"/>
+            <a:lumOff val="60000"/>
+          </a:schemeClr>
+        </a:solidFill>
+        <a:effectLst/>
+      </p:bgPr>
     </p:bg>
     <p:spTree>
       <p:nvGrpSpPr>
@@ -2760,13 +4508,7 @@
       </p:grpSpPr>
       <p:sp>
         <p:nvSpPr>
-          <p:cNvPr id="2" name="標題版面配置區 1">
-            <a:extLst>
-              <a:ext uri="{FF2B5EF4-FFF2-40B4-BE49-F238E27FC236}">
-                <a16:creationId xmlns:a16="http://schemas.microsoft.com/office/drawing/2014/main" id="{B8575AAC-624C-4B52-ABD4-699B1E35D2CF}"/>
-              </a:ext>
-            </a:extLst>
-          </p:cNvPr>
+          <p:cNvPr id="2" name="Title Placeholder 1"/>
           <p:cNvSpPr>
             <a:spLocks noGrp="1"/>
           </p:cNvSpPr>
@@ -2776,8 +4518,8 @@
         </p:nvSpPr>
         <p:spPr>
           <a:xfrm>
-            <a:off x="838200" y="365125"/>
-            <a:ext cx="10515600" cy="1325563"/>
+            <a:off x="845127" y="365760"/>
+            <a:ext cx="10515600" cy="1325562"/>
           </a:xfrm>
           <a:prstGeom prst="rect">
             <a:avLst/>
@@ -2793,18 +4535,13 @@
               <a:rPr lang="zh-TW" altLang="en-US"/>
               <a:t>按一下以編輯母片標題樣式</a:t>
             </a:r>
-          </a:p>
-        </p:txBody>
-      </p:sp>
-      <p:sp>
-        <p:nvSpPr>
-          <p:cNvPr id="3" name="文字版面配置區 2">
-            <a:extLst>
-              <a:ext uri="{FF2B5EF4-FFF2-40B4-BE49-F238E27FC236}">
-                <a16:creationId xmlns:a16="http://schemas.microsoft.com/office/drawing/2014/main" id="{76722991-C57D-471F-8271-C419A1CFB074}"/>
-              </a:ext>
-            </a:extLst>
-          </p:cNvPr>
+            <a:endParaRPr lang="en-US" dirty="0"/>
+          </a:p>
+        </p:txBody>
+      </p:sp>
+      <p:sp>
+        <p:nvSpPr>
+          <p:cNvPr id="3" name="Text Placeholder 2"/>
           <p:cNvSpPr>
             <a:spLocks noGrp="1"/>
           </p:cNvSpPr>
@@ -2814,8 +4551,8 @@
         </p:nvSpPr>
         <p:spPr>
           <a:xfrm>
-            <a:off x="838200" y="1825625"/>
-            <a:ext cx="10515600" cy="4351338"/>
+            <a:off x="845127" y="1828800"/>
+            <a:ext cx="10515600" cy="4351337"/>
           </a:xfrm>
           <a:prstGeom prst="rect">
             <a:avLst/>
@@ -2860,18 +4597,13 @@
               <a:rPr lang="zh-TW" altLang="en-US"/>
               <a:t>第五層</a:t>
             </a:r>
-          </a:p>
-        </p:txBody>
-      </p:sp>
-      <p:sp>
-        <p:nvSpPr>
-          <p:cNvPr id="4" name="日期版面配置區 3">
-            <a:extLst>
-              <a:ext uri="{FF2B5EF4-FFF2-40B4-BE49-F238E27FC236}">
-                <a16:creationId xmlns:a16="http://schemas.microsoft.com/office/drawing/2014/main" id="{85C839DD-8CBF-4E23-A0C7-7C039E950BB8}"/>
-              </a:ext>
-            </a:extLst>
-          </p:cNvPr>
+            <a:endParaRPr lang="en-US" dirty="0"/>
+          </a:p>
+        </p:txBody>
+      </p:sp>
+      <p:sp>
+        <p:nvSpPr>
+          <p:cNvPr id="4" name="Date Placeholder 3"/>
           <p:cNvSpPr>
             <a:spLocks noGrp="1"/>
           </p:cNvSpPr>
@@ -2892,7 +4624,87 @@
           <a:bodyPr vert="horz" lIns="91440" tIns="45720" rIns="91440" bIns="45720" rtlCol="0" anchor="ctr"/>
           <a:lstStyle>
             <a:lvl1pPr algn="l">
-              <a:defRPr sz="1200">
+              <a:defRPr sz="1100">
+                <a:solidFill>
+                  <a:schemeClr val="tx1">
+                    <a:lumMod val="65000"/>
+                    <a:lumOff val="35000"/>
+                  </a:schemeClr>
+                </a:solidFill>
+              </a:defRPr>
+            </a:lvl1pPr>
+          </a:lstStyle>
+          <a:p>
+            <a:fld id="{CD68668E-B26C-46DC-828E-F337DFA7A9C5}" type="datetimeFigureOut">
+              <a:rPr lang="zh-TW" altLang="en-US" smtClean="0"/>
+              <a:t>2024/10/19</a:t>
+            </a:fld>
+            <a:endParaRPr lang="zh-TW" altLang="en-US"/>
+          </a:p>
+        </p:txBody>
+      </p:sp>
+      <p:sp>
+        <p:nvSpPr>
+          <p:cNvPr id="5" name="Footer Placeholder 4"/>
+          <p:cNvSpPr>
+            <a:spLocks noGrp="1"/>
+          </p:cNvSpPr>
+          <p:nvPr>
+            <p:ph type="ftr" sz="quarter" idx="3"/>
+          </p:nvPr>
+        </p:nvSpPr>
+        <p:spPr>
+          <a:xfrm>
+            <a:off x="4038600" y="6356350"/>
+            <a:ext cx="4114800" cy="365125"/>
+          </a:xfrm>
+          <a:prstGeom prst="rect">
+            <a:avLst/>
+          </a:prstGeom>
+        </p:spPr>
+        <p:txBody>
+          <a:bodyPr vert="horz" lIns="91440" tIns="45720" rIns="91440" bIns="45720" rtlCol="0" anchor="ctr"/>
+          <a:lstStyle>
+            <a:lvl1pPr algn="ctr">
+              <a:defRPr sz="1100">
+                <a:solidFill>
+                  <a:schemeClr val="tx1">
+                    <a:lumMod val="65000"/>
+                    <a:lumOff val="35000"/>
+                  </a:schemeClr>
+                </a:solidFill>
+              </a:defRPr>
+            </a:lvl1pPr>
+          </a:lstStyle>
+          <a:p>
+            <a:endParaRPr lang="zh-TW" altLang="en-US"/>
+          </a:p>
+        </p:txBody>
+      </p:sp>
+      <p:sp>
+        <p:nvSpPr>
+          <p:cNvPr id="6" name="Slide Number Placeholder 5"/>
+          <p:cNvSpPr>
+            <a:spLocks noGrp="1"/>
+          </p:cNvSpPr>
+          <p:nvPr>
+            <p:ph type="sldNum" sz="quarter" idx="4"/>
+          </p:nvPr>
+        </p:nvSpPr>
+        <p:spPr>
+          <a:xfrm>
+            <a:off x="8617527" y="6356350"/>
+            <a:ext cx="2743200" cy="365125"/>
+          </a:xfrm>
+          <a:prstGeom prst="rect">
+            <a:avLst/>
+          </a:prstGeom>
+        </p:spPr>
+        <p:txBody>
+          <a:bodyPr vert="horz" lIns="91440" tIns="45720" rIns="91440" bIns="45720" rtlCol="0" anchor="ctr"/>
+          <a:lstStyle>
+            <a:lvl1pPr algn="r">
+              <a:defRPr sz="1100">
                 <a:solidFill>
                   <a:schemeClr val="tx1">
                     <a:tint val="75000"/>
@@ -2902,97 +4714,7 @@
             </a:lvl1pPr>
           </a:lstStyle>
           <a:p>
-            <a:fld id="{C3C90D7E-32D6-4894-AE08-7BBB3E610FC9}" type="datetimeFigureOut">
-              <a:rPr lang="zh-TW" altLang="en-US" smtClean="0"/>
-              <a:t>2024/9/16</a:t>
-            </a:fld>
-            <a:endParaRPr lang="zh-TW" altLang="en-US"/>
-          </a:p>
-        </p:txBody>
-      </p:sp>
-      <p:sp>
-        <p:nvSpPr>
-          <p:cNvPr id="5" name="頁尾版面配置區 4">
-            <a:extLst>
-              <a:ext uri="{FF2B5EF4-FFF2-40B4-BE49-F238E27FC236}">
-                <a16:creationId xmlns:a16="http://schemas.microsoft.com/office/drawing/2014/main" id="{12802D8A-77D4-418C-8190-43B6ADED2131}"/>
-              </a:ext>
-            </a:extLst>
-          </p:cNvPr>
-          <p:cNvSpPr>
-            <a:spLocks noGrp="1"/>
-          </p:cNvSpPr>
-          <p:nvPr>
-            <p:ph type="ftr" sz="quarter" idx="3"/>
-          </p:nvPr>
-        </p:nvSpPr>
-        <p:spPr>
-          <a:xfrm>
-            <a:off x="4038600" y="6356350"/>
-            <a:ext cx="4114800" cy="365125"/>
-          </a:xfrm>
-          <a:prstGeom prst="rect">
-            <a:avLst/>
-          </a:prstGeom>
-        </p:spPr>
-        <p:txBody>
-          <a:bodyPr vert="horz" lIns="91440" tIns="45720" rIns="91440" bIns="45720" rtlCol="0" anchor="ctr"/>
-          <a:lstStyle>
-            <a:lvl1pPr algn="ctr">
-              <a:defRPr sz="1200">
-                <a:solidFill>
-                  <a:schemeClr val="tx1">
-                    <a:tint val="75000"/>
-                  </a:schemeClr>
-                </a:solidFill>
-              </a:defRPr>
-            </a:lvl1pPr>
-          </a:lstStyle>
-          <a:p>
-            <a:endParaRPr lang="zh-TW" altLang="en-US"/>
-          </a:p>
-        </p:txBody>
-      </p:sp>
-      <p:sp>
-        <p:nvSpPr>
-          <p:cNvPr id="6" name="投影片編號版面配置區 5">
-            <a:extLst>
-              <a:ext uri="{FF2B5EF4-FFF2-40B4-BE49-F238E27FC236}">
-                <a16:creationId xmlns:a16="http://schemas.microsoft.com/office/drawing/2014/main" id="{7072B55E-2BE2-4AF4-AFF8-2A716F492F1C}"/>
-              </a:ext>
-            </a:extLst>
-          </p:cNvPr>
-          <p:cNvSpPr>
-            <a:spLocks noGrp="1"/>
-          </p:cNvSpPr>
-          <p:nvPr>
-            <p:ph type="sldNum" sz="quarter" idx="4"/>
-          </p:nvPr>
-        </p:nvSpPr>
-        <p:spPr>
-          <a:xfrm>
-            <a:off x="8610600" y="6356350"/>
-            <a:ext cx="2743200" cy="365125"/>
-          </a:xfrm>
-          <a:prstGeom prst="rect">
-            <a:avLst/>
-          </a:prstGeom>
-        </p:spPr>
-        <p:txBody>
-          <a:bodyPr vert="horz" lIns="91440" tIns="45720" rIns="91440" bIns="45720" rtlCol="0" anchor="ctr"/>
-          <a:lstStyle>
-            <a:lvl1pPr algn="r">
-              <a:defRPr sz="1200">
-                <a:solidFill>
-                  <a:schemeClr val="tx1">
-                    <a:tint val="75000"/>
-                  </a:schemeClr>
-                </a:solidFill>
-              </a:defRPr>
-            </a:lvl1pPr>
-          </a:lstStyle>
-          <a:p>
-            <a:fld id="{E31EC408-072F-4346-BD0A-D6AA5788A305}" type="slidenum">
+            <a:fld id="{D41FEE5A-6EA7-4F72-8958-31B30357DD49}" type="slidenum">
               <a:rPr lang="zh-TW" altLang="en-US" smtClean="0"/>
               <a:t>‹#›</a:t>
             </a:fld>
@@ -3003,23 +4725,23 @@
     </p:spTree>
     <p:extLst>
       <p:ext uri="{BB962C8B-B14F-4D97-AF65-F5344CB8AC3E}">
-        <p14:creationId xmlns:p14="http://schemas.microsoft.com/office/powerpoint/2010/main" val="2016052060"/>
+        <p14:creationId xmlns:p14="http://schemas.microsoft.com/office/powerpoint/2010/main" val="2166479095"/>
       </p:ext>
     </p:extLst>
   </p:cSld>
   <p:clrMap bg1="lt1" tx1="dk1" bg2="lt2" tx2="dk2" accent1="accent1" accent2="accent2" accent3="accent3" accent4="accent4" accent5="accent5" accent6="accent6" hlink="hlink" folHlink="folHlink"/>
   <p:sldLayoutIdLst>
-    <p:sldLayoutId id="2147483649" r:id="rId1"/>
-    <p:sldLayoutId id="2147483650" r:id="rId2"/>
-    <p:sldLayoutId id="2147483651" r:id="rId3"/>
-    <p:sldLayoutId id="2147483652" r:id="rId4"/>
-    <p:sldLayoutId id="2147483653" r:id="rId5"/>
-    <p:sldLayoutId id="2147483654" r:id="rId6"/>
-    <p:sldLayoutId id="2147483655" r:id="rId7"/>
-    <p:sldLayoutId id="2147483656" r:id="rId8"/>
-    <p:sldLayoutId id="2147483657" r:id="rId9"/>
-    <p:sldLayoutId id="2147483658" r:id="rId10"/>
-    <p:sldLayoutId id="2147483659" r:id="rId11"/>
+    <p:sldLayoutId id="2147483702" r:id="rId1"/>
+    <p:sldLayoutId id="2147483703" r:id="rId2"/>
+    <p:sldLayoutId id="2147483704" r:id="rId3"/>
+    <p:sldLayoutId id="2147483705" r:id="rId4"/>
+    <p:sldLayoutId id="2147483706" r:id="rId5"/>
+    <p:sldLayoutId id="2147483707" r:id="rId6"/>
+    <p:sldLayoutId id="2147483708" r:id="rId7"/>
+    <p:sldLayoutId id="2147483709" r:id="rId8"/>
+    <p:sldLayoutId id="2147483710" r:id="rId9"/>
+    <p:sldLayoutId id="2147483711" r:id="rId10"/>
+    <p:sldLayoutId id="2147483712" r:id="rId11"/>
   </p:sldLayoutIdLst>
   <p:txStyles>
     <p:titleStyle>
@@ -3049,8 +4771,8 @@
         <a:spcBef>
           <a:spcPts val="1000"/>
         </a:spcBef>
-        <a:buFont typeface="Arial" panose="020B0604020202020204" pitchFamily="34" charset="0"/>
-        <a:buChar char="•"/>
+        <a:buFont typeface="Wingdings 2" pitchFamily="18" charset="2"/>
+        <a:buChar char=""/>
         <a:defRPr sz="2800" kern="1200">
           <a:solidFill>
             <a:schemeClr val="tx1"/>
@@ -3067,8 +4789,8 @@
         <a:spcBef>
           <a:spcPts val="500"/>
         </a:spcBef>
-        <a:buFont typeface="Arial" panose="020B0604020202020204" pitchFamily="34" charset="0"/>
-        <a:buChar char="•"/>
+        <a:buFont typeface="Wingdings 2" pitchFamily="18" charset="2"/>
+        <a:buChar char=""/>
         <a:defRPr sz="2400" kern="1200">
           <a:solidFill>
             <a:schemeClr val="tx1"/>
@@ -3085,8 +4807,8 @@
         <a:spcBef>
           <a:spcPts val="500"/>
         </a:spcBef>
-        <a:buFont typeface="Arial" panose="020B0604020202020204" pitchFamily="34" charset="0"/>
-        <a:buChar char="•"/>
+        <a:buFont typeface="Wingdings 2" pitchFamily="18" charset="2"/>
+        <a:buChar char=""/>
         <a:defRPr sz="2000" kern="1200">
           <a:solidFill>
             <a:schemeClr val="tx1"/>
@@ -3103,8 +4825,8 @@
         <a:spcBef>
           <a:spcPts val="500"/>
         </a:spcBef>
-        <a:buFont typeface="Arial" panose="020B0604020202020204" pitchFamily="34" charset="0"/>
-        <a:buChar char="•"/>
+        <a:buFont typeface="Wingdings 2" pitchFamily="18" charset="2"/>
+        <a:buChar char=""/>
         <a:defRPr sz="1800" kern="1200">
           <a:solidFill>
             <a:schemeClr val="tx1"/>
@@ -3121,8 +4843,8 @@
         <a:spcBef>
           <a:spcPts val="500"/>
         </a:spcBef>
-        <a:buFont typeface="Arial" panose="020B0604020202020204" pitchFamily="34" charset="0"/>
-        <a:buChar char="•"/>
+        <a:buFont typeface="Wingdings 2" pitchFamily="18" charset="2"/>
+        <a:buChar char=""/>
         <a:defRPr sz="1800" kern="1200">
           <a:solidFill>
             <a:schemeClr val="tx1"/>
@@ -3133,14 +4855,11 @@
         </a:defRPr>
       </a:lvl5pPr>
       <a:lvl6pPr marL="2514600" indent="-228600" algn="l" defTabSz="914400" rtl="0" eaLnBrk="1" latinLnBrk="0" hangingPunct="1">
-        <a:lnSpc>
-          <a:spcPct val="90000"/>
-        </a:lnSpc>
         <a:spcBef>
-          <a:spcPts val="500"/>
+          <a:spcPct val="20000"/>
         </a:spcBef>
-        <a:buFont typeface="Arial" panose="020B0604020202020204" pitchFamily="34" charset="0"/>
-        <a:buChar char="•"/>
+        <a:buFont typeface="Wingdings 2" pitchFamily="18" charset="2"/>
+        <a:buChar char=""/>
         <a:defRPr sz="1800" kern="1200">
           <a:solidFill>
             <a:schemeClr val="tx1"/>
@@ -3151,14 +4870,11 @@
         </a:defRPr>
       </a:lvl6pPr>
       <a:lvl7pPr marL="2971800" indent="-228600" algn="l" defTabSz="914400" rtl="0" eaLnBrk="1" latinLnBrk="0" hangingPunct="1">
-        <a:lnSpc>
-          <a:spcPct val="90000"/>
-        </a:lnSpc>
         <a:spcBef>
-          <a:spcPts val="500"/>
+          <a:spcPct val="20000"/>
         </a:spcBef>
-        <a:buFont typeface="Arial" panose="020B0604020202020204" pitchFamily="34" charset="0"/>
-        <a:buChar char="•"/>
+        <a:buFont typeface="Wingdings 2" pitchFamily="18" charset="2"/>
+        <a:buChar char=""/>
         <a:defRPr sz="1800" kern="1200">
           <a:solidFill>
             <a:schemeClr val="tx1"/>
@@ -3169,14 +4885,11 @@
         </a:defRPr>
       </a:lvl7pPr>
       <a:lvl8pPr marL="3429000" indent="-228600" algn="l" defTabSz="914400" rtl="0" eaLnBrk="1" latinLnBrk="0" hangingPunct="1">
-        <a:lnSpc>
-          <a:spcPct val="90000"/>
-        </a:lnSpc>
         <a:spcBef>
-          <a:spcPts val="500"/>
+          <a:spcPct val="20000"/>
         </a:spcBef>
-        <a:buFont typeface="Arial" panose="020B0604020202020204" pitchFamily="34" charset="0"/>
-        <a:buChar char="•"/>
+        <a:buFont typeface="Wingdings 2" pitchFamily="18" charset="2"/>
+        <a:buChar char=""/>
         <a:defRPr sz="1800" kern="1200">
           <a:solidFill>
             <a:schemeClr val="tx1"/>
@@ -3187,14 +4900,11 @@
         </a:defRPr>
       </a:lvl8pPr>
       <a:lvl9pPr marL="3886200" indent="-228600" algn="l" defTabSz="914400" rtl="0" eaLnBrk="1" latinLnBrk="0" hangingPunct="1">
-        <a:lnSpc>
-          <a:spcPct val="90000"/>
-        </a:lnSpc>
         <a:spcBef>
-          <a:spcPts val="500"/>
+          <a:spcPct val="20000"/>
         </a:spcBef>
-        <a:buFont typeface="Arial" panose="020B0604020202020204" pitchFamily="34" charset="0"/>
-        <a:buChar char="•"/>
+        <a:buFont typeface="Wingdings 2" pitchFamily="18" charset="2"/>
+        <a:buChar char=""/>
         <a:defRPr sz="1800" kern="1200">
           <a:solidFill>
             <a:schemeClr val="tx1"/>
@@ -3207,7 +4917,7 @@
     </p:bodyStyle>
     <p:otherStyle>
       <a:defPPr>
-        <a:defRPr lang="zh-TW"/>
+        <a:defRPr lang="en-US"/>
       </a:defPPr>
       <a:lvl1pPr marL="0" algn="l" defTabSz="914400" rtl="0" eaLnBrk="1" latinLnBrk="0" hangingPunct="1">
         <a:defRPr sz="1800" kern="1200">
@@ -3326,7 +5036,7 @@
           <p:cNvPr id="2" name="標題 1">
             <a:extLst>
               <a:ext uri="{FF2B5EF4-FFF2-40B4-BE49-F238E27FC236}">
-                <a16:creationId xmlns:a16="http://schemas.microsoft.com/office/drawing/2014/main" id="{32532283-9F93-4E44-8138-32796965361F}"/>
+                <a16:creationId xmlns:a16="http://schemas.microsoft.com/office/drawing/2014/main" id="{C4C44F83-5C64-5F66-9BBE-C5444E808925}"/>
               </a:ext>
             </a:extLst>
           </p:cNvPr>
@@ -3337,44 +5047,70 @@
             <p:ph type="ctrTitle"/>
           </p:nvPr>
         </p:nvSpPr>
-        <p:spPr/>
-        <p:txBody>
-          <a:bodyPr/>
+        <p:spPr>
+          <a:xfrm>
+            <a:off x="619635" y="1588286"/>
+            <a:ext cx="5128024" cy="1491465"/>
+          </a:xfrm>
+        </p:spPr>
+        <p:txBody>
+          <a:bodyPr>
+            <a:normAutofit fontScale="90000"/>
+          </a:bodyPr>
           <a:lstStyle/>
           <a:p>
-            <a:endParaRPr lang="zh-TW" altLang="en-US"/>
-          </a:p>
-        </p:txBody>
-      </p:sp>
-      <p:sp>
-        <p:nvSpPr>
-          <p:cNvPr id="3" name="副標題 2">
-            <a:extLst>
-              <a:ext uri="{FF2B5EF4-FFF2-40B4-BE49-F238E27FC236}">
-                <a16:creationId xmlns:a16="http://schemas.microsoft.com/office/drawing/2014/main" id="{8C946F38-524D-4B98-B9CB-80AEE57E455A}"/>
-              </a:ext>
-            </a:extLst>
-          </p:cNvPr>
-          <p:cNvSpPr>
-            <a:spLocks noGrp="1"/>
-          </p:cNvSpPr>
-          <p:nvPr>
-            <p:ph type="subTitle" idx="1"/>
-          </p:nvPr>
-        </p:nvSpPr>
-        <p:spPr/>
-        <p:txBody>
-          <a:bodyPr/>
-          <a:lstStyle/>
-          <a:p>
-            <a:endParaRPr lang="zh-TW" altLang="en-US"/>
+            <a:pPr algn="ctr"/>
+            <a:r>
+              <a:rPr lang="zh-TW" altLang="en-US" dirty="0">
+                <a:latin typeface="Gen Jyuu Gothic Medium" panose="020B0402020203020207" pitchFamily="34" charset="-120"/>
+                <a:ea typeface="Gen Jyuu Gothic Medium" panose="020B0402020203020207" pitchFamily="34" charset="-120"/>
+                <a:cs typeface="Gen Jyuu Gothic Medium" panose="020B0402020203020207" pitchFamily="34" charset="-120"/>
+              </a:rPr>
+              <a:t>冒險故事</a:t>
+            </a:r>
+            <a:br>
+              <a:rPr lang="en-US" altLang="zh-TW" dirty="0">
+                <a:latin typeface="Gen Jyuu Gothic Medium" panose="020B0402020203020207" pitchFamily="34" charset="-120"/>
+                <a:ea typeface="Gen Jyuu Gothic Medium" panose="020B0402020203020207" pitchFamily="34" charset="-120"/>
+                <a:cs typeface="Gen Jyuu Gothic Medium" panose="020B0402020203020207" pitchFamily="34" charset="-120"/>
+              </a:rPr>
+            </a:br>
+            <a:r>
+              <a:rPr lang="en-US" altLang="zh-TW" dirty="0">
+                <a:latin typeface="Gen Jyuu Gothic Medium" panose="020B0402020203020207" pitchFamily="34" charset="-120"/>
+                <a:ea typeface="Gen Jyuu Gothic Medium" panose="020B0402020203020207" pitchFamily="34" charset="-120"/>
+                <a:cs typeface="Gen Jyuu Gothic Medium" panose="020B0402020203020207" pitchFamily="34" charset="-120"/>
+              </a:rPr>
+              <a:t>(</a:t>
+            </a:r>
+            <a:r>
+              <a:rPr lang="en-US" altLang="zh-TW" dirty="0" err="1">
+                <a:latin typeface="Gen Jyuu Gothic Medium" panose="020B0402020203020207" pitchFamily="34" charset="-120"/>
+                <a:ea typeface="Gen Jyuu Gothic Medium" panose="020B0402020203020207" pitchFamily="34" charset="-120"/>
+                <a:cs typeface="Gen Jyuu Gothic Medium" panose="020B0402020203020207" pitchFamily="34" charset="-120"/>
+              </a:rPr>
+              <a:t>Vtube</a:t>
+            </a:r>
+            <a:r>
+              <a:rPr lang="en-US" altLang="zh-TW" dirty="0">
+                <a:latin typeface="Gen Jyuu Gothic Medium" panose="020B0402020203020207" pitchFamily="34" charset="-120"/>
+                <a:ea typeface="Gen Jyuu Gothic Medium" panose="020B0402020203020207" pitchFamily="34" charset="-120"/>
+                <a:cs typeface="Gen Jyuu Gothic Medium" panose="020B0402020203020207" pitchFamily="34" charset="-120"/>
+              </a:rPr>
+              <a:t> Studio)</a:t>
+            </a:r>
+            <a:endParaRPr lang="zh-TW" altLang="en-US" dirty="0">
+              <a:latin typeface="Gen Jyuu Gothic Medium" panose="020B0402020203020207" pitchFamily="34" charset="-120"/>
+              <a:ea typeface="Gen Jyuu Gothic Medium" panose="020B0402020203020207" pitchFamily="34" charset="-120"/>
+              <a:cs typeface="Gen Jyuu Gothic Medium" panose="020B0402020203020207" pitchFamily="34" charset="-120"/>
+            </a:endParaRPr>
           </a:p>
         </p:txBody>
       </p:sp>
     </p:spTree>
     <p:extLst>
       <p:ext uri="{BB962C8B-B14F-4D97-AF65-F5344CB8AC3E}">
-        <p14:creationId xmlns:p14="http://schemas.microsoft.com/office/powerpoint/2010/main" val="1328321055"/>
+        <p14:creationId xmlns:p14="http://schemas.microsoft.com/office/powerpoint/2010/main" val="994030988"/>
       </p:ext>
     </p:extLst>
   </p:cSld>
@@ -3384,7 +5120,3285 @@
 </p:sld>
 </file>
 
+<file path=ppt/slides/slide10.xml><?xml version="1.0" encoding="utf-8"?>
+<p:sld xmlns:a="http://schemas.openxmlformats.org/drawingml/2006/main" xmlns:r="http://schemas.openxmlformats.org/officeDocument/2006/relationships" xmlns:p="http://schemas.openxmlformats.org/presentationml/2006/main">
+  <p:cSld>
+    <p:spTree>
+      <p:nvGrpSpPr>
+        <p:cNvPr id="1" name=""/>
+        <p:cNvGrpSpPr/>
+        <p:nvPr/>
+      </p:nvGrpSpPr>
+      <p:grpSpPr>
+        <a:xfrm>
+          <a:off x="0" y="0"/>
+          <a:ext cx="0" cy="0"/>
+          <a:chOff x="0" y="0"/>
+          <a:chExt cx="0" cy="0"/>
+        </a:xfrm>
+      </p:grpSpPr>
+      <p:sp>
+        <p:nvSpPr>
+          <p:cNvPr id="6" name="標題 1">
+            <a:extLst>
+              <a:ext uri="{FF2B5EF4-FFF2-40B4-BE49-F238E27FC236}">
+                <a16:creationId xmlns:a16="http://schemas.microsoft.com/office/drawing/2014/main" id="{B04A67E7-F414-E671-BCEA-0940CDEB5F21}"/>
+              </a:ext>
+            </a:extLst>
+          </p:cNvPr>
+          <p:cNvSpPr txBox="1">
+            <a:spLocks/>
+          </p:cNvSpPr>
+          <p:nvPr/>
+        </p:nvSpPr>
+        <p:spPr>
+          <a:xfrm>
+            <a:off x="0" y="0"/>
+            <a:ext cx="5128024" cy="1491465"/>
+          </a:xfrm>
+          <a:prstGeom prst="rect">
+            <a:avLst/>
+          </a:prstGeom>
+        </p:spPr>
+        <p:txBody>
+          <a:bodyPr vert="horz" lIns="91440" tIns="45720" rIns="91440" bIns="45720" rtlCol="0" anchor="ctr">
+            <a:normAutofit fontScale="97500"/>
+          </a:bodyPr>
+          <a:lstStyle>
+            <a:lvl1pPr algn="l" defTabSz="914400" rtl="0" eaLnBrk="1" latinLnBrk="0" hangingPunct="1">
+              <a:lnSpc>
+                <a:spcPct val="90000"/>
+              </a:lnSpc>
+              <a:spcBef>
+                <a:spcPct val="0"/>
+              </a:spcBef>
+              <a:buNone/>
+              <a:defRPr sz="4400" kern="1200">
+                <a:solidFill>
+                  <a:schemeClr val="tx1"/>
+                </a:solidFill>
+                <a:latin typeface="+mj-lt"/>
+                <a:ea typeface="+mj-ea"/>
+                <a:cs typeface="+mj-cs"/>
+              </a:defRPr>
+            </a:lvl1pPr>
+          </a:lstStyle>
+          <a:p>
+            <a:r>
+              <a:rPr lang="zh-TW" altLang="en-US" dirty="0">
+                <a:latin typeface="Gen Jyuu Gothic Medium" panose="020B0402020203020207" pitchFamily="34" charset="-120"/>
+                <a:ea typeface="Gen Jyuu Gothic Medium" panose="020B0402020203020207" pitchFamily="34" charset="-120"/>
+                <a:cs typeface="Gen Jyuu Gothic Medium" panose="020B0402020203020207" pitchFamily="34" charset="-120"/>
+              </a:rPr>
+              <a:t>     </a:t>
+            </a:r>
+            <a:r>
+              <a:rPr lang="zh-TW" altLang="en-US" dirty="0">
+                <a:solidFill>
+                  <a:srgbClr val="C5E0B4"/>
+                </a:solidFill>
+                <a:latin typeface="Gen Jyuu Gothic Medium" panose="020B0402020203020207" pitchFamily="34" charset="-120"/>
+                <a:ea typeface="Gen Jyuu Gothic Medium" panose="020B0402020203020207" pitchFamily="34" charset="-120"/>
+                <a:cs typeface="Gen Jyuu Gothic Medium" panose="020B0402020203020207" pitchFamily="34" charset="-120"/>
+              </a:rPr>
+              <a:t>意外</a:t>
+            </a:r>
+          </a:p>
+        </p:txBody>
+      </p:sp>
+      <p:sp>
+        <p:nvSpPr>
+          <p:cNvPr id="4" name="標題 1">
+            <a:extLst>
+              <a:ext uri="{FF2B5EF4-FFF2-40B4-BE49-F238E27FC236}">
+                <a16:creationId xmlns:a16="http://schemas.microsoft.com/office/drawing/2014/main" id="{AEA56453-D5A7-034A-798F-8E43020F8BFA}"/>
+              </a:ext>
+            </a:extLst>
+          </p:cNvPr>
+          <p:cNvSpPr txBox="1">
+            <a:spLocks/>
+          </p:cNvSpPr>
+          <p:nvPr/>
+        </p:nvSpPr>
+        <p:spPr>
+          <a:xfrm>
+            <a:off x="0" y="0"/>
+            <a:ext cx="5128024" cy="1491465"/>
+          </a:xfrm>
+          <a:prstGeom prst="rect">
+            <a:avLst/>
+          </a:prstGeom>
+        </p:spPr>
+        <p:txBody>
+          <a:bodyPr vert="horz" lIns="91440" tIns="45720" rIns="91440" bIns="45720" rtlCol="0" anchor="ctr">
+            <a:normAutofit fontScale="97500"/>
+          </a:bodyPr>
+          <a:lstStyle>
+            <a:lvl1pPr algn="l" defTabSz="914400" rtl="0" eaLnBrk="1" latinLnBrk="0" hangingPunct="1">
+              <a:lnSpc>
+                <a:spcPct val="90000"/>
+              </a:lnSpc>
+              <a:spcBef>
+                <a:spcPct val="0"/>
+              </a:spcBef>
+              <a:buNone/>
+              <a:defRPr sz="4400" kern="1200">
+                <a:solidFill>
+                  <a:schemeClr val="tx1"/>
+                </a:solidFill>
+                <a:latin typeface="+mj-lt"/>
+                <a:ea typeface="+mj-ea"/>
+                <a:cs typeface="+mj-cs"/>
+              </a:defRPr>
+            </a:lvl1pPr>
+          </a:lstStyle>
+          <a:p>
+            <a:r>
+              <a:rPr lang="zh-TW" altLang="en-US" dirty="0">
+                <a:latin typeface="Gen Jyuu Gothic Medium" panose="020B0402020203020207" pitchFamily="34" charset="-120"/>
+                <a:ea typeface="Gen Jyuu Gothic Medium" panose="020B0402020203020207" pitchFamily="34" charset="-120"/>
+                <a:cs typeface="Gen Jyuu Gothic Medium" panose="020B0402020203020207" pitchFamily="34" charset="-120"/>
+              </a:rPr>
+              <a:t>     轉彎</a:t>
+            </a:r>
+          </a:p>
+        </p:txBody>
+      </p:sp>
+      <p:pic>
+        <p:nvPicPr>
+          <p:cNvPr id="5" name="圖片 4">
+            <a:extLst>
+              <a:ext uri="{FF2B5EF4-FFF2-40B4-BE49-F238E27FC236}">
+                <a16:creationId xmlns:a16="http://schemas.microsoft.com/office/drawing/2014/main" id="{A60FB8BE-8632-6E08-6994-24D60E2C117C}"/>
+              </a:ext>
+            </a:extLst>
+          </p:cNvPr>
+          <p:cNvPicPr>
+            <a:picLocks noChangeAspect="1"/>
+          </p:cNvPicPr>
+          <p:nvPr/>
+        </p:nvPicPr>
+        <p:blipFill>
+          <a:blip r:embed="rId3">
+            <a:extLst>
+              <a:ext uri="{28A0092B-C50C-407E-A947-70E740481C1C}">
+                <a14:useLocalDpi xmlns:a14="http://schemas.microsoft.com/office/drawing/2010/main" val="0"/>
+              </a:ext>
+            </a:extLst>
+          </a:blip>
+          <a:srcRect/>
+          <a:stretch/>
+        </p:blipFill>
+        <p:spPr>
+          <a:xfrm>
+            <a:off x="696000" y="1154378"/>
+            <a:ext cx="5400000" cy="5400000"/>
+          </a:xfrm>
+          <a:prstGeom prst="rect">
+            <a:avLst/>
+          </a:prstGeom>
+        </p:spPr>
+      </p:pic>
+      <p:pic>
+        <p:nvPicPr>
+          <p:cNvPr id="8" name="圖片 7">
+            <a:extLst>
+              <a:ext uri="{FF2B5EF4-FFF2-40B4-BE49-F238E27FC236}">
+                <a16:creationId xmlns:a16="http://schemas.microsoft.com/office/drawing/2014/main" id="{1C160BF4-9AF4-372D-449F-4F7FEE1CE688}"/>
+              </a:ext>
+            </a:extLst>
+          </p:cNvPr>
+          <p:cNvPicPr>
+            <a:picLocks noChangeAspect="1"/>
+          </p:cNvPicPr>
+          <p:nvPr/>
+        </p:nvPicPr>
+        <p:blipFill>
+          <a:blip r:embed="rId4">
+            <a:extLst>
+              <a:ext uri="{28A0092B-C50C-407E-A947-70E740481C1C}">
+                <a14:useLocalDpi xmlns:a14="http://schemas.microsoft.com/office/drawing/2010/main" val="0"/>
+              </a:ext>
+            </a:extLst>
+          </a:blip>
+          <a:srcRect/>
+          <a:stretch/>
+        </p:blipFill>
+        <p:spPr>
+          <a:xfrm>
+            <a:off x="-1049429" y="-1044515"/>
+            <a:ext cx="751840" cy="751840"/>
+          </a:xfrm>
+          <a:prstGeom prst="rect">
+            <a:avLst/>
+          </a:prstGeom>
+        </p:spPr>
+      </p:pic>
+    </p:spTree>
+    <p:extLst>
+      <p:ext uri="{BB962C8B-B14F-4D97-AF65-F5344CB8AC3E}">
+        <p14:creationId xmlns:p14="http://schemas.microsoft.com/office/powerpoint/2010/main" val="3545801297"/>
+      </p:ext>
+    </p:extLst>
+  </p:cSld>
+  <p:clrMapOvr>
+    <a:masterClrMapping/>
+  </p:clrMapOvr>
+  <mc:AlternateContent xmlns:mc="http://schemas.openxmlformats.org/markup-compatibility/2006" xmlns:p159="http://schemas.microsoft.com/office/powerpoint/2015/09/main">
+    <mc:Choice Requires="p159">
+      <p:transition xmlns:p14="http://schemas.microsoft.com/office/powerpoint/2010/main" spd="slow" p14:dur="2000">
+        <p159:morph option="byObject"/>
+      </p:transition>
+    </mc:Choice>
+    <mc:Fallback xmlns="">
+      <p:transition spd="slow">
+        <p:fade/>
+      </p:transition>
+    </mc:Fallback>
+  </mc:AlternateContent>
+</p:sld>
+</file>
+
+<file path=ppt/slides/slide11.xml><?xml version="1.0" encoding="utf-8"?>
+<p:sld xmlns:a="http://schemas.openxmlformats.org/drawingml/2006/main" xmlns:r="http://schemas.openxmlformats.org/officeDocument/2006/relationships" xmlns:p="http://schemas.openxmlformats.org/presentationml/2006/main">
+  <p:cSld>
+    <p:spTree>
+      <p:nvGrpSpPr>
+        <p:cNvPr id="1" name=""/>
+        <p:cNvGrpSpPr/>
+        <p:nvPr/>
+      </p:nvGrpSpPr>
+      <p:grpSpPr>
+        <a:xfrm>
+          <a:off x="0" y="0"/>
+          <a:ext cx="0" cy="0"/>
+          <a:chOff x="0" y="0"/>
+          <a:chExt cx="0" cy="0"/>
+        </a:xfrm>
+      </p:grpSpPr>
+      <p:pic>
+        <p:nvPicPr>
+          <p:cNvPr id="8" name="圖片 7">
+            <a:extLst>
+              <a:ext uri="{FF2B5EF4-FFF2-40B4-BE49-F238E27FC236}">
+                <a16:creationId xmlns:a16="http://schemas.microsoft.com/office/drawing/2014/main" id="{F6165DED-8976-848B-EF18-C1D04EB74447}"/>
+              </a:ext>
+            </a:extLst>
+          </p:cNvPr>
+          <p:cNvPicPr>
+            <a:picLocks noChangeAspect="1"/>
+          </p:cNvPicPr>
+          <p:nvPr/>
+        </p:nvPicPr>
+        <p:blipFill>
+          <a:blip r:embed="rId3">
+            <a:extLst>
+              <a:ext uri="{28A0092B-C50C-407E-A947-70E740481C1C}">
+                <a14:useLocalDpi xmlns:a14="http://schemas.microsoft.com/office/drawing/2010/main" val="0"/>
+              </a:ext>
+            </a:extLst>
+          </a:blip>
+          <a:srcRect/>
+          <a:stretch/>
+        </p:blipFill>
+        <p:spPr>
+          <a:xfrm>
+            <a:off x="696000" y="1154378"/>
+            <a:ext cx="129909" cy="5400000"/>
+          </a:xfrm>
+          <a:prstGeom prst="rect">
+            <a:avLst/>
+          </a:prstGeom>
+        </p:spPr>
+      </p:pic>
+      <p:sp>
+        <p:nvSpPr>
+          <p:cNvPr id="4" name="標題 1">
+            <a:extLst>
+              <a:ext uri="{FF2B5EF4-FFF2-40B4-BE49-F238E27FC236}">
+                <a16:creationId xmlns:a16="http://schemas.microsoft.com/office/drawing/2014/main" id="{AEA56453-D5A7-034A-798F-8E43020F8BFA}"/>
+              </a:ext>
+            </a:extLst>
+          </p:cNvPr>
+          <p:cNvSpPr txBox="1">
+            <a:spLocks/>
+          </p:cNvSpPr>
+          <p:nvPr/>
+        </p:nvSpPr>
+        <p:spPr>
+          <a:xfrm>
+            <a:off x="0" y="0"/>
+            <a:ext cx="5128024" cy="1491465"/>
+          </a:xfrm>
+          <a:prstGeom prst="rect">
+            <a:avLst/>
+          </a:prstGeom>
+        </p:spPr>
+        <p:txBody>
+          <a:bodyPr vert="horz" lIns="91440" tIns="45720" rIns="91440" bIns="45720" rtlCol="0" anchor="ctr">
+            <a:normAutofit fontScale="97500"/>
+          </a:bodyPr>
+          <a:lstStyle>
+            <a:lvl1pPr algn="l" defTabSz="914400" rtl="0" eaLnBrk="1" latinLnBrk="0" hangingPunct="1">
+              <a:lnSpc>
+                <a:spcPct val="90000"/>
+              </a:lnSpc>
+              <a:spcBef>
+                <a:spcPct val="0"/>
+              </a:spcBef>
+              <a:buNone/>
+              <a:defRPr sz="4400" kern="1200">
+                <a:solidFill>
+                  <a:schemeClr val="tx1"/>
+                </a:solidFill>
+                <a:latin typeface="+mj-lt"/>
+                <a:ea typeface="+mj-ea"/>
+                <a:cs typeface="+mj-cs"/>
+              </a:defRPr>
+            </a:lvl1pPr>
+          </a:lstStyle>
+          <a:p>
+            <a:r>
+              <a:rPr lang="zh-TW" altLang="en-US" dirty="0">
+                <a:latin typeface="Gen Jyuu Gothic Medium" panose="020B0402020203020207" pitchFamily="34" charset="-120"/>
+                <a:ea typeface="Gen Jyuu Gothic Medium" panose="020B0402020203020207" pitchFamily="34" charset="-120"/>
+                <a:cs typeface="Gen Jyuu Gothic Medium" panose="020B0402020203020207" pitchFamily="34" charset="-120"/>
+              </a:rPr>
+              <a:t>     轉彎</a:t>
+            </a:r>
+          </a:p>
+        </p:txBody>
+      </p:sp>
+      <p:pic>
+        <p:nvPicPr>
+          <p:cNvPr id="7" name="圖片 6">
+            <a:extLst>
+              <a:ext uri="{FF2B5EF4-FFF2-40B4-BE49-F238E27FC236}">
+                <a16:creationId xmlns:a16="http://schemas.microsoft.com/office/drawing/2014/main" id="{344B7BB8-A391-4D09-E167-8C6DFE93C01B}"/>
+              </a:ext>
+            </a:extLst>
+          </p:cNvPr>
+          <p:cNvPicPr>
+            <a:picLocks noChangeAspect="1"/>
+          </p:cNvPicPr>
+          <p:nvPr/>
+        </p:nvPicPr>
+        <p:blipFill>
+          <a:blip r:embed="rId4">
+            <a:extLst>
+              <a:ext uri="{28A0092B-C50C-407E-A947-70E740481C1C}">
+                <a14:useLocalDpi xmlns:a14="http://schemas.microsoft.com/office/drawing/2010/main" val="0"/>
+              </a:ext>
+            </a:extLst>
+          </a:blip>
+          <a:srcRect/>
+          <a:stretch/>
+        </p:blipFill>
+        <p:spPr>
+          <a:xfrm>
+            <a:off x="11080955" y="11910367"/>
+            <a:ext cx="735094" cy="735094"/>
+          </a:xfrm>
+          <a:prstGeom prst="rect">
+            <a:avLst/>
+          </a:prstGeom>
+        </p:spPr>
+      </p:pic>
+      <p:pic>
+        <p:nvPicPr>
+          <p:cNvPr id="5" name="圖片 4">
+            <a:extLst>
+              <a:ext uri="{FF2B5EF4-FFF2-40B4-BE49-F238E27FC236}">
+                <a16:creationId xmlns:a16="http://schemas.microsoft.com/office/drawing/2014/main" id="{A60FB8BE-8632-6E08-6994-24D60E2C117C}"/>
+              </a:ext>
+            </a:extLst>
+          </p:cNvPr>
+          <p:cNvPicPr>
+            <a:picLocks noChangeAspect="1"/>
+          </p:cNvPicPr>
+          <p:nvPr/>
+        </p:nvPicPr>
+        <p:blipFill>
+          <a:blip r:embed="rId5">
+            <a:extLst>
+              <a:ext uri="{28A0092B-C50C-407E-A947-70E740481C1C}">
+                <a14:useLocalDpi xmlns:a14="http://schemas.microsoft.com/office/drawing/2010/main" val="0"/>
+              </a:ext>
+            </a:extLst>
+          </a:blip>
+          <a:srcRect/>
+          <a:stretch/>
+        </p:blipFill>
+        <p:spPr>
+          <a:xfrm>
+            <a:off x="696000" y="1154378"/>
+            <a:ext cx="5400000" cy="5400000"/>
+          </a:xfrm>
+          <a:prstGeom prst="rect">
+            <a:avLst/>
+          </a:prstGeom>
+        </p:spPr>
+      </p:pic>
+    </p:spTree>
+    <p:extLst>
+      <p:ext uri="{BB962C8B-B14F-4D97-AF65-F5344CB8AC3E}">
+        <p14:creationId xmlns:p14="http://schemas.microsoft.com/office/powerpoint/2010/main" val="661590543"/>
+      </p:ext>
+    </p:extLst>
+  </p:cSld>
+  <p:clrMapOvr>
+    <a:masterClrMapping/>
+  </p:clrMapOvr>
+  <mc:AlternateContent xmlns:mc="http://schemas.openxmlformats.org/markup-compatibility/2006" xmlns:p159="http://schemas.microsoft.com/office/powerpoint/2015/09/main">
+    <mc:Choice Requires="p159">
+      <p:transition xmlns:p14="http://schemas.microsoft.com/office/powerpoint/2010/main" spd="slow" p14:dur="2000">
+        <p159:morph option="byObject"/>
+      </p:transition>
+    </mc:Choice>
+    <mc:Fallback xmlns="">
+      <p:transition spd="slow">
+        <p:fade/>
+      </p:transition>
+    </mc:Fallback>
+  </mc:AlternateContent>
+</p:sld>
+</file>
+
+<file path=ppt/slides/slide12.xml><?xml version="1.0" encoding="utf-8"?>
+<p:sld xmlns:a="http://schemas.openxmlformats.org/drawingml/2006/main" xmlns:r="http://schemas.openxmlformats.org/officeDocument/2006/relationships" xmlns:p="http://schemas.openxmlformats.org/presentationml/2006/main">
+  <p:cSld>
+    <p:spTree>
+      <p:nvGrpSpPr>
+        <p:cNvPr id="1" name=""/>
+        <p:cNvGrpSpPr/>
+        <p:nvPr/>
+      </p:nvGrpSpPr>
+      <p:grpSpPr>
+        <a:xfrm>
+          <a:off x="0" y="0"/>
+          <a:ext cx="0" cy="0"/>
+          <a:chOff x="0" y="0"/>
+          <a:chExt cx="0" cy="0"/>
+        </a:xfrm>
+      </p:grpSpPr>
+      <p:pic>
+        <p:nvPicPr>
+          <p:cNvPr id="10" name="圖片 9">
+            <a:extLst>
+              <a:ext uri="{FF2B5EF4-FFF2-40B4-BE49-F238E27FC236}">
+                <a16:creationId xmlns:a16="http://schemas.microsoft.com/office/drawing/2014/main" id="{509033FA-43A1-AA4B-A79E-D1C244A4AEC6}"/>
+              </a:ext>
+            </a:extLst>
+          </p:cNvPr>
+          <p:cNvPicPr>
+            <a:picLocks noChangeAspect="1"/>
+          </p:cNvPicPr>
+          <p:nvPr/>
+        </p:nvPicPr>
+        <p:blipFill>
+          <a:blip r:embed="rId3">
+            <a:extLst>
+              <a:ext uri="{28A0092B-C50C-407E-A947-70E740481C1C}">
+                <a14:useLocalDpi xmlns:a14="http://schemas.microsoft.com/office/drawing/2010/main" val="0"/>
+              </a:ext>
+            </a:extLst>
+          </a:blip>
+          <a:srcRect/>
+          <a:stretch/>
+        </p:blipFill>
+        <p:spPr>
+          <a:xfrm>
+            <a:off x="-4703999" y="1154378"/>
+            <a:ext cx="5400000" cy="5400000"/>
+          </a:xfrm>
+          <a:prstGeom prst="rect">
+            <a:avLst/>
+          </a:prstGeom>
+        </p:spPr>
+      </p:pic>
+      <p:pic>
+        <p:nvPicPr>
+          <p:cNvPr id="6" name="圖片 5">
+            <a:extLst>
+              <a:ext uri="{FF2B5EF4-FFF2-40B4-BE49-F238E27FC236}">
+                <a16:creationId xmlns:a16="http://schemas.microsoft.com/office/drawing/2014/main" id="{5D77AFA8-AF7A-B708-306A-2DAB535F409B}"/>
+              </a:ext>
+            </a:extLst>
+          </p:cNvPr>
+          <p:cNvPicPr>
+            <a:picLocks noChangeAspect="1"/>
+          </p:cNvPicPr>
+          <p:nvPr/>
+        </p:nvPicPr>
+        <p:blipFill>
+          <a:blip r:embed="rId4">
+            <a:extLst>
+              <a:ext uri="{28A0092B-C50C-407E-A947-70E740481C1C}">
+                <a14:useLocalDpi xmlns:a14="http://schemas.microsoft.com/office/drawing/2010/main" val="0"/>
+              </a:ext>
+            </a:extLst>
+          </a:blip>
+          <a:srcRect/>
+          <a:stretch/>
+        </p:blipFill>
+        <p:spPr>
+          <a:xfrm>
+            <a:off x="5968180" y="1154378"/>
+            <a:ext cx="127819" cy="5400000"/>
+          </a:xfrm>
+          <a:prstGeom prst="rect">
+            <a:avLst/>
+          </a:prstGeom>
+        </p:spPr>
+      </p:pic>
+      <p:sp>
+        <p:nvSpPr>
+          <p:cNvPr id="4" name="標題 1">
+            <a:extLst>
+              <a:ext uri="{FF2B5EF4-FFF2-40B4-BE49-F238E27FC236}">
+                <a16:creationId xmlns:a16="http://schemas.microsoft.com/office/drawing/2014/main" id="{AEA56453-D5A7-034A-798F-8E43020F8BFA}"/>
+              </a:ext>
+            </a:extLst>
+          </p:cNvPr>
+          <p:cNvSpPr txBox="1">
+            <a:spLocks/>
+          </p:cNvSpPr>
+          <p:nvPr/>
+        </p:nvSpPr>
+        <p:spPr>
+          <a:xfrm>
+            <a:off x="0" y="0"/>
+            <a:ext cx="5128024" cy="1491465"/>
+          </a:xfrm>
+          <a:prstGeom prst="rect">
+            <a:avLst/>
+          </a:prstGeom>
+        </p:spPr>
+        <p:txBody>
+          <a:bodyPr vert="horz" lIns="91440" tIns="45720" rIns="91440" bIns="45720" rtlCol="0" anchor="ctr">
+            <a:normAutofit fontScale="97500"/>
+          </a:bodyPr>
+          <a:lstStyle>
+            <a:lvl1pPr algn="l" defTabSz="914400" rtl="0" eaLnBrk="1" latinLnBrk="0" hangingPunct="1">
+              <a:lnSpc>
+                <a:spcPct val="90000"/>
+              </a:lnSpc>
+              <a:spcBef>
+                <a:spcPct val="0"/>
+              </a:spcBef>
+              <a:buNone/>
+              <a:defRPr sz="4400" kern="1200">
+                <a:solidFill>
+                  <a:schemeClr val="tx1"/>
+                </a:solidFill>
+                <a:latin typeface="+mj-lt"/>
+                <a:ea typeface="+mj-ea"/>
+                <a:cs typeface="+mj-cs"/>
+              </a:defRPr>
+            </a:lvl1pPr>
+          </a:lstStyle>
+          <a:p>
+            <a:r>
+              <a:rPr lang="zh-TW" altLang="en-US" dirty="0">
+                <a:latin typeface="Gen Jyuu Gothic Medium" panose="020B0402020203020207" pitchFamily="34" charset="-120"/>
+                <a:ea typeface="Gen Jyuu Gothic Medium" panose="020B0402020203020207" pitchFamily="34" charset="-120"/>
+                <a:cs typeface="Gen Jyuu Gothic Medium" panose="020B0402020203020207" pitchFamily="34" charset="-120"/>
+              </a:rPr>
+              <a:t>     結局</a:t>
+            </a:r>
+          </a:p>
+        </p:txBody>
+      </p:sp>
+      <p:pic>
+        <p:nvPicPr>
+          <p:cNvPr id="5" name="圖片 4">
+            <a:extLst>
+              <a:ext uri="{FF2B5EF4-FFF2-40B4-BE49-F238E27FC236}">
+                <a16:creationId xmlns:a16="http://schemas.microsoft.com/office/drawing/2014/main" id="{2A3A864B-F45D-BA74-A9F1-D1288FC5A6EA}"/>
+              </a:ext>
+            </a:extLst>
+          </p:cNvPr>
+          <p:cNvPicPr>
+            <a:picLocks noChangeAspect="1"/>
+          </p:cNvPicPr>
+          <p:nvPr/>
+        </p:nvPicPr>
+        <p:blipFill>
+          <a:blip r:embed="rId5">
+            <a:extLst>
+              <a:ext uri="{28A0092B-C50C-407E-A947-70E740481C1C}">
+                <a14:useLocalDpi xmlns:a14="http://schemas.microsoft.com/office/drawing/2010/main" val="0"/>
+              </a:ext>
+            </a:extLst>
+          </a:blip>
+          <a:srcRect/>
+          <a:stretch/>
+        </p:blipFill>
+        <p:spPr>
+          <a:xfrm>
+            <a:off x="696000" y="1154378"/>
+            <a:ext cx="5400000" cy="5400000"/>
+          </a:xfrm>
+          <a:prstGeom prst="rect">
+            <a:avLst/>
+          </a:prstGeom>
+        </p:spPr>
+      </p:pic>
+      <p:pic>
+        <p:nvPicPr>
+          <p:cNvPr id="8" name="圖片 7">
+            <a:extLst>
+              <a:ext uri="{FF2B5EF4-FFF2-40B4-BE49-F238E27FC236}">
+                <a16:creationId xmlns:a16="http://schemas.microsoft.com/office/drawing/2014/main" id="{4A29552A-FEBA-D035-3E18-68A6F3F90085}"/>
+              </a:ext>
+            </a:extLst>
+          </p:cNvPr>
+          <p:cNvPicPr>
+            <a:picLocks/>
+          </p:cNvPicPr>
+          <p:nvPr/>
+        </p:nvPicPr>
+        <p:blipFill>
+          <a:blip r:embed="rId6"/>
+          <a:stretch>
+            <a:fillRect/>
+          </a:stretch>
+        </p:blipFill>
+        <p:spPr>
+          <a:xfrm>
+            <a:off x="6095999" y="1154378"/>
+            <a:ext cx="5400000" cy="5400000"/>
+          </a:xfrm>
+          <a:prstGeom prst="rect">
+            <a:avLst/>
+          </a:prstGeom>
+        </p:spPr>
+      </p:pic>
+      <p:pic>
+        <p:nvPicPr>
+          <p:cNvPr id="9" name="圖片 8">
+            <a:extLst>
+              <a:ext uri="{FF2B5EF4-FFF2-40B4-BE49-F238E27FC236}">
+                <a16:creationId xmlns:a16="http://schemas.microsoft.com/office/drawing/2014/main" id="{367C8180-E144-3D4E-A280-7E63E7C88BFE}"/>
+              </a:ext>
+            </a:extLst>
+          </p:cNvPr>
+          <p:cNvPicPr>
+            <a:picLocks/>
+          </p:cNvPicPr>
+          <p:nvPr/>
+        </p:nvPicPr>
+        <p:blipFill>
+          <a:blip r:embed="rId6"/>
+          <a:stretch>
+            <a:fillRect/>
+          </a:stretch>
+        </p:blipFill>
+        <p:spPr>
+          <a:xfrm>
+            <a:off x="-4703999" y="1154378"/>
+            <a:ext cx="5400000" cy="5400000"/>
+          </a:xfrm>
+          <a:prstGeom prst="rect">
+            <a:avLst/>
+          </a:prstGeom>
+        </p:spPr>
+      </p:pic>
+    </p:spTree>
+    <p:extLst>
+      <p:ext uri="{BB962C8B-B14F-4D97-AF65-F5344CB8AC3E}">
+        <p14:creationId xmlns:p14="http://schemas.microsoft.com/office/powerpoint/2010/main" val="953986014"/>
+      </p:ext>
+    </p:extLst>
+  </p:cSld>
+  <p:clrMapOvr>
+    <a:masterClrMapping/>
+  </p:clrMapOvr>
+  <mc:AlternateContent xmlns:mc="http://schemas.openxmlformats.org/markup-compatibility/2006" xmlns:p159="http://schemas.microsoft.com/office/powerpoint/2015/09/main">
+    <mc:Choice Requires="p159">
+      <p:transition xmlns:p14="http://schemas.microsoft.com/office/powerpoint/2010/main" spd="slow" p14:dur="2000">
+        <p159:morph option="byObject"/>
+      </p:transition>
+    </mc:Choice>
+    <mc:Fallback xmlns="">
+      <p:transition spd="slow">
+        <p:fade/>
+      </p:transition>
+    </mc:Fallback>
+  </mc:AlternateContent>
+</p:sld>
+</file>
+
+<file path=ppt/slides/slide13.xml><?xml version="1.0" encoding="utf-8"?>
+<p:sld xmlns:a="http://schemas.openxmlformats.org/drawingml/2006/main" xmlns:r="http://schemas.openxmlformats.org/officeDocument/2006/relationships" xmlns:p="http://schemas.openxmlformats.org/presentationml/2006/main">
+  <p:cSld>
+    <p:spTree>
+      <p:nvGrpSpPr>
+        <p:cNvPr id="1" name=""/>
+        <p:cNvGrpSpPr/>
+        <p:nvPr/>
+      </p:nvGrpSpPr>
+      <p:grpSpPr>
+        <a:xfrm>
+          <a:off x="0" y="0"/>
+          <a:ext cx="0" cy="0"/>
+          <a:chOff x="0" y="0"/>
+          <a:chExt cx="0" cy="0"/>
+        </a:xfrm>
+      </p:grpSpPr>
+      <p:pic>
+        <p:nvPicPr>
+          <p:cNvPr id="8" name="圖片 7">
+            <a:extLst>
+              <a:ext uri="{FF2B5EF4-FFF2-40B4-BE49-F238E27FC236}">
+                <a16:creationId xmlns:a16="http://schemas.microsoft.com/office/drawing/2014/main" id="{2B633436-8B2C-1747-8506-62C85B6CD4B1}"/>
+              </a:ext>
+            </a:extLst>
+          </p:cNvPr>
+          <p:cNvPicPr>
+            <a:picLocks noChangeAspect="1"/>
+          </p:cNvPicPr>
+          <p:nvPr/>
+        </p:nvPicPr>
+        <p:blipFill>
+          <a:blip r:embed="rId3">
+            <a:extLst>
+              <a:ext uri="{28A0092B-C50C-407E-A947-70E740481C1C}">
+                <a14:useLocalDpi xmlns:a14="http://schemas.microsoft.com/office/drawing/2010/main" val="0"/>
+              </a:ext>
+            </a:extLst>
+          </a:blip>
+          <a:srcRect/>
+          <a:stretch/>
+        </p:blipFill>
+        <p:spPr>
+          <a:xfrm>
+            <a:off x="6095999" y="1154378"/>
+            <a:ext cx="5400000" cy="5400000"/>
+          </a:xfrm>
+          <a:prstGeom prst="rect">
+            <a:avLst/>
+          </a:prstGeom>
+        </p:spPr>
+      </p:pic>
+      <p:sp>
+        <p:nvSpPr>
+          <p:cNvPr id="4" name="標題 1">
+            <a:extLst>
+              <a:ext uri="{FF2B5EF4-FFF2-40B4-BE49-F238E27FC236}">
+                <a16:creationId xmlns:a16="http://schemas.microsoft.com/office/drawing/2014/main" id="{AEA56453-D5A7-034A-798F-8E43020F8BFA}"/>
+              </a:ext>
+            </a:extLst>
+          </p:cNvPr>
+          <p:cNvSpPr txBox="1">
+            <a:spLocks/>
+          </p:cNvSpPr>
+          <p:nvPr/>
+        </p:nvSpPr>
+        <p:spPr>
+          <a:xfrm>
+            <a:off x="0" y="0"/>
+            <a:ext cx="5128024" cy="1491465"/>
+          </a:xfrm>
+          <a:prstGeom prst="rect">
+            <a:avLst/>
+          </a:prstGeom>
+        </p:spPr>
+        <p:txBody>
+          <a:bodyPr vert="horz" lIns="91440" tIns="45720" rIns="91440" bIns="45720" rtlCol="0" anchor="ctr">
+            <a:normAutofit fontScale="97500"/>
+          </a:bodyPr>
+          <a:lstStyle>
+            <a:lvl1pPr algn="l" defTabSz="914400" rtl="0" eaLnBrk="1" latinLnBrk="0" hangingPunct="1">
+              <a:lnSpc>
+                <a:spcPct val="90000"/>
+              </a:lnSpc>
+              <a:spcBef>
+                <a:spcPct val="0"/>
+              </a:spcBef>
+              <a:buNone/>
+              <a:defRPr sz="4400" kern="1200">
+                <a:solidFill>
+                  <a:schemeClr val="tx1"/>
+                </a:solidFill>
+                <a:latin typeface="+mj-lt"/>
+                <a:ea typeface="+mj-ea"/>
+                <a:cs typeface="+mj-cs"/>
+              </a:defRPr>
+            </a:lvl1pPr>
+          </a:lstStyle>
+          <a:p>
+            <a:r>
+              <a:rPr lang="zh-TW" altLang="en-US" dirty="0">
+                <a:latin typeface="Gen Jyuu Gothic Medium" panose="020B0402020203020207" pitchFamily="34" charset="-120"/>
+                <a:ea typeface="Gen Jyuu Gothic Medium" panose="020B0402020203020207" pitchFamily="34" charset="-120"/>
+                <a:cs typeface="Gen Jyuu Gothic Medium" panose="020B0402020203020207" pitchFamily="34" charset="-120"/>
+              </a:rPr>
+              <a:t>     結局</a:t>
+            </a:r>
+          </a:p>
+        </p:txBody>
+      </p:sp>
+      <p:pic>
+        <p:nvPicPr>
+          <p:cNvPr id="5" name="圖片 4">
+            <a:extLst>
+              <a:ext uri="{FF2B5EF4-FFF2-40B4-BE49-F238E27FC236}">
+                <a16:creationId xmlns:a16="http://schemas.microsoft.com/office/drawing/2014/main" id="{2A3A864B-F45D-BA74-A9F1-D1288FC5A6EA}"/>
+              </a:ext>
+            </a:extLst>
+          </p:cNvPr>
+          <p:cNvPicPr>
+            <a:picLocks noChangeAspect="1"/>
+          </p:cNvPicPr>
+          <p:nvPr/>
+        </p:nvPicPr>
+        <p:blipFill>
+          <a:blip r:embed="rId4">
+            <a:extLst>
+              <a:ext uri="{28A0092B-C50C-407E-A947-70E740481C1C}">
+                <a14:useLocalDpi xmlns:a14="http://schemas.microsoft.com/office/drawing/2010/main" val="0"/>
+              </a:ext>
+            </a:extLst>
+          </a:blip>
+          <a:srcRect/>
+          <a:stretch/>
+        </p:blipFill>
+        <p:spPr>
+          <a:xfrm>
+            <a:off x="696000" y="1154378"/>
+            <a:ext cx="5400000" cy="5400000"/>
+          </a:xfrm>
+          <a:prstGeom prst="rect">
+            <a:avLst/>
+          </a:prstGeom>
+        </p:spPr>
+      </p:pic>
+      <p:pic>
+        <p:nvPicPr>
+          <p:cNvPr id="6" name="圖片 5">
+            <a:extLst>
+              <a:ext uri="{FF2B5EF4-FFF2-40B4-BE49-F238E27FC236}">
+                <a16:creationId xmlns:a16="http://schemas.microsoft.com/office/drawing/2014/main" id="{21CA9C78-1B01-E1CF-F5ED-78F9B9953694}"/>
+              </a:ext>
+            </a:extLst>
+          </p:cNvPr>
+          <p:cNvPicPr>
+            <a:picLocks/>
+          </p:cNvPicPr>
+          <p:nvPr/>
+        </p:nvPicPr>
+        <p:blipFill>
+          <a:blip r:embed="rId5"/>
+          <a:stretch>
+            <a:fillRect/>
+          </a:stretch>
+        </p:blipFill>
+        <p:spPr>
+          <a:xfrm>
+            <a:off x="6095999" y="1154378"/>
+            <a:ext cx="5400000" cy="5400000"/>
+          </a:xfrm>
+          <a:prstGeom prst="rect">
+            <a:avLst/>
+          </a:prstGeom>
+        </p:spPr>
+      </p:pic>
+      <p:pic>
+        <p:nvPicPr>
+          <p:cNvPr id="7" name="圖片 6">
+            <a:extLst>
+              <a:ext uri="{FF2B5EF4-FFF2-40B4-BE49-F238E27FC236}">
+                <a16:creationId xmlns:a16="http://schemas.microsoft.com/office/drawing/2014/main" id="{BA022194-C4C7-9A43-1346-BFB7E584C086}"/>
+              </a:ext>
+            </a:extLst>
+          </p:cNvPr>
+          <p:cNvPicPr>
+            <a:picLocks/>
+          </p:cNvPicPr>
+          <p:nvPr/>
+        </p:nvPicPr>
+        <p:blipFill>
+          <a:blip r:embed="rId5"/>
+          <a:stretch>
+            <a:fillRect/>
+          </a:stretch>
+        </p:blipFill>
+        <p:spPr>
+          <a:xfrm>
+            <a:off x="-4703999" y="1154378"/>
+            <a:ext cx="5400000" cy="5400000"/>
+          </a:xfrm>
+          <a:prstGeom prst="rect">
+            <a:avLst/>
+          </a:prstGeom>
+        </p:spPr>
+      </p:pic>
+    </p:spTree>
+    <p:extLst>
+      <p:ext uri="{BB962C8B-B14F-4D97-AF65-F5344CB8AC3E}">
+        <p14:creationId xmlns:p14="http://schemas.microsoft.com/office/powerpoint/2010/main" val="812586224"/>
+      </p:ext>
+    </p:extLst>
+  </p:cSld>
+  <p:clrMapOvr>
+    <a:masterClrMapping/>
+  </p:clrMapOvr>
+  <mc:AlternateContent xmlns:mc="http://schemas.openxmlformats.org/markup-compatibility/2006" xmlns:p159="http://schemas.microsoft.com/office/powerpoint/2015/09/main">
+    <mc:Choice Requires="p159">
+      <p:transition xmlns:p14="http://schemas.microsoft.com/office/powerpoint/2010/main" spd="slow" p14:dur="2000">
+        <p159:morph option="byObject"/>
+      </p:transition>
+    </mc:Choice>
+    <mc:Fallback xmlns="">
+      <p:transition spd="slow">
+        <p:fade/>
+      </p:transition>
+    </mc:Fallback>
+  </mc:AlternateContent>
+</p:sld>
+</file>
+
+<file path=ppt/slides/slide2.xml><?xml version="1.0" encoding="utf-8"?>
+<p:sld xmlns:a="http://schemas.openxmlformats.org/drawingml/2006/main" xmlns:r="http://schemas.openxmlformats.org/officeDocument/2006/relationships" xmlns:p="http://schemas.openxmlformats.org/presentationml/2006/main">
+  <p:cSld>
+    <p:spTree>
+      <p:nvGrpSpPr>
+        <p:cNvPr id="1" name=""/>
+        <p:cNvGrpSpPr/>
+        <p:nvPr/>
+      </p:nvGrpSpPr>
+      <p:grpSpPr>
+        <a:xfrm>
+          <a:off x="0" y="0"/>
+          <a:ext cx="0" cy="0"/>
+          <a:chOff x="0" y="0"/>
+          <a:chExt cx="0" cy="0"/>
+        </a:xfrm>
+      </p:grpSpPr>
+      <p:sp>
+        <p:nvSpPr>
+          <p:cNvPr id="4" name="標題 1">
+            <a:extLst>
+              <a:ext uri="{FF2B5EF4-FFF2-40B4-BE49-F238E27FC236}">
+                <a16:creationId xmlns:a16="http://schemas.microsoft.com/office/drawing/2014/main" id="{AEA56453-D5A7-034A-798F-8E43020F8BFA}"/>
+              </a:ext>
+            </a:extLst>
+          </p:cNvPr>
+          <p:cNvSpPr txBox="1">
+            <a:spLocks/>
+          </p:cNvSpPr>
+          <p:nvPr/>
+        </p:nvSpPr>
+        <p:spPr>
+          <a:xfrm>
+            <a:off x="0" y="0"/>
+            <a:ext cx="5128024" cy="1491465"/>
+          </a:xfrm>
+          <a:prstGeom prst="rect">
+            <a:avLst/>
+          </a:prstGeom>
+        </p:spPr>
+        <p:txBody>
+          <a:bodyPr vert="horz" lIns="91440" tIns="45720" rIns="91440" bIns="45720" rtlCol="0" anchor="ctr">
+            <a:normAutofit fontScale="97500"/>
+          </a:bodyPr>
+          <a:lstStyle>
+            <a:lvl1pPr algn="l" defTabSz="914400" rtl="0" eaLnBrk="1" latinLnBrk="0" hangingPunct="1">
+              <a:lnSpc>
+                <a:spcPct val="90000"/>
+              </a:lnSpc>
+              <a:spcBef>
+                <a:spcPct val="0"/>
+              </a:spcBef>
+              <a:buNone/>
+              <a:defRPr sz="4400" kern="1200">
+                <a:solidFill>
+                  <a:schemeClr val="tx1"/>
+                </a:solidFill>
+                <a:latin typeface="+mj-lt"/>
+                <a:ea typeface="+mj-ea"/>
+                <a:cs typeface="+mj-cs"/>
+              </a:defRPr>
+            </a:lvl1pPr>
+          </a:lstStyle>
+          <a:p>
+            <a:r>
+              <a:rPr lang="zh-TW" altLang="en-US" dirty="0">
+                <a:latin typeface="Gen Jyuu Gothic Medium" panose="020B0402020203020207" pitchFamily="34" charset="-120"/>
+                <a:ea typeface="Gen Jyuu Gothic Medium" panose="020B0402020203020207" pitchFamily="34" charset="-120"/>
+                <a:cs typeface="Gen Jyuu Gothic Medium" panose="020B0402020203020207" pitchFamily="34" charset="-120"/>
+              </a:rPr>
+              <a:t>     目標</a:t>
+            </a:r>
+          </a:p>
+        </p:txBody>
+      </p:sp>
+      <p:pic>
+        <p:nvPicPr>
+          <p:cNvPr id="8" name="圖片 7">
+            <a:extLst>
+              <a:ext uri="{FF2B5EF4-FFF2-40B4-BE49-F238E27FC236}">
+                <a16:creationId xmlns:a16="http://schemas.microsoft.com/office/drawing/2014/main" id="{18C73407-3AAC-2637-A616-FD6C6991F69E}"/>
+              </a:ext>
+            </a:extLst>
+          </p:cNvPr>
+          <p:cNvPicPr>
+            <a:picLocks noChangeAspect="1"/>
+          </p:cNvPicPr>
+          <p:nvPr/>
+        </p:nvPicPr>
+        <p:blipFill>
+          <a:blip r:embed="rId3">
+            <a:extLst>
+              <a:ext uri="{28A0092B-C50C-407E-A947-70E740481C1C}">
+                <a14:useLocalDpi xmlns:a14="http://schemas.microsoft.com/office/drawing/2010/main" val="0"/>
+              </a:ext>
+            </a:extLst>
+          </a:blip>
+          <a:srcRect/>
+          <a:stretch/>
+        </p:blipFill>
+        <p:spPr>
+          <a:xfrm>
+            <a:off x="696000" y="1154378"/>
+            <a:ext cx="5400000" cy="5400000"/>
+          </a:xfrm>
+          <a:prstGeom prst="rect">
+            <a:avLst/>
+          </a:prstGeom>
+        </p:spPr>
+      </p:pic>
+      <p:sp>
+        <p:nvSpPr>
+          <p:cNvPr id="5" name="標題 1">
+            <a:extLst>
+              <a:ext uri="{FF2B5EF4-FFF2-40B4-BE49-F238E27FC236}">
+                <a16:creationId xmlns:a16="http://schemas.microsoft.com/office/drawing/2014/main" id="{6F4C54E2-3DA1-AECF-D2CA-8F6D147FEB50}"/>
+              </a:ext>
+            </a:extLst>
+          </p:cNvPr>
+          <p:cNvSpPr txBox="1">
+            <a:spLocks/>
+          </p:cNvSpPr>
+          <p:nvPr/>
+        </p:nvSpPr>
+        <p:spPr>
+          <a:xfrm>
+            <a:off x="-6295508" y="0"/>
+            <a:ext cx="5128024" cy="1491465"/>
+          </a:xfrm>
+          <a:prstGeom prst="rect">
+            <a:avLst/>
+          </a:prstGeom>
+        </p:spPr>
+        <p:txBody>
+          <a:bodyPr vert="horz" lIns="91440" tIns="45720" rIns="91440" bIns="45720" rtlCol="0" anchor="ctr">
+            <a:normAutofit fontScale="97500"/>
+          </a:bodyPr>
+          <a:lstStyle>
+            <a:lvl1pPr algn="l" defTabSz="914400" rtl="0" eaLnBrk="1" latinLnBrk="0" hangingPunct="1">
+              <a:lnSpc>
+                <a:spcPct val="90000"/>
+              </a:lnSpc>
+              <a:spcBef>
+                <a:spcPct val="0"/>
+              </a:spcBef>
+              <a:buNone/>
+              <a:defRPr sz="4400" kern="1200">
+                <a:solidFill>
+                  <a:schemeClr val="tx1"/>
+                </a:solidFill>
+                <a:latin typeface="+mj-lt"/>
+                <a:ea typeface="+mj-ea"/>
+                <a:cs typeface="+mj-cs"/>
+              </a:defRPr>
+            </a:lvl1pPr>
+          </a:lstStyle>
+          <a:p>
+            <a:r>
+              <a:rPr lang="zh-TW" altLang="en-US" dirty="0">
+                <a:latin typeface="Gen Jyuu Gothic Medium" panose="020B0402020203020207" pitchFamily="34" charset="-120"/>
+                <a:ea typeface="Gen Jyuu Gothic Medium" panose="020B0402020203020207" pitchFamily="34" charset="-120"/>
+                <a:cs typeface="Gen Jyuu Gothic Medium" panose="020B0402020203020207" pitchFamily="34" charset="-120"/>
+              </a:rPr>
+              <a:t>     阻礙</a:t>
+            </a:r>
+          </a:p>
+        </p:txBody>
+      </p:sp>
+      <p:pic>
+        <p:nvPicPr>
+          <p:cNvPr id="6" name="圖片 5">
+            <a:extLst>
+              <a:ext uri="{FF2B5EF4-FFF2-40B4-BE49-F238E27FC236}">
+                <a16:creationId xmlns:a16="http://schemas.microsoft.com/office/drawing/2014/main" id="{32D337F6-6931-DE60-026E-98CAC41B2837}"/>
+              </a:ext>
+            </a:extLst>
+          </p:cNvPr>
+          <p:cNvPicPr>
+            <a:picLocks noChangeAspect="1"/>
+          </p:cNvPicPr>
+          <p:nvPr/>
+        </p:nvPicPr>
+        <p:blipFill>
+          <a:blip r:embed="rId4">
+            <a:extLst>
+              <a:ext uri="{28A0092B-C50C-407E-A947-70E740481C1C}">
+                <a14:useLocalDpi xmlns:a14="http://schemas.microsoft.com/office/drawing/2010/main" val="0"/>
+              </a:ext>
+            </a:extLst>
+          </a:blip>
+          <a:srcRect/>
+          <a:stretch/>
+        </p:blipFill>
+        <p:spPr>
+          <a:xfrm>
+            <a:off x="-5599508" y="1154378"/>
+            <a:ext cx="5400000" cy="5400000"/>
+          </a:xfrm>
+          <a:prstGeom prst="rect">
+            <a:avLst/>
+          </a:prstGeom>
+        </p:spPr>
+      </p:pic>
+    </p:spTree>
+    <p:extLst>
+      <p:ext uri="{BB962C8B-B14F-4D97-AF65-F5344CB8AC3E}">
+        <p14:creationId xmlns:p14="http://schemas.microsoft.com/office/powerpoint/2010/main" val="99966548"/>
+      </p:ext>
+    </p:extLst>
+  </p:cSld>
+  <p:clrMapOvr>
+    <a:masterClrMapping/>
+  </p:clrMapOvr>
+  <mc:AlternateContent xmlns:mc="http://schemas.openxmlformats.org/markup-compatibility/2006" xmlns:p159="http://schemas.microsoft.com/office/powerpoint/2015/09/main">
+    <mc:Choice Requires="p159">
+      <p:transition xmlns:p14="http://schemas.microsoft.com/office/powerpoint/2010/main" spd="slow" p14:dur="2000">
+        <p159:morph option="byObject"/>
+      </p:transition>
+    </mc:Choice>
+    <mc:Fallback xmlns="">
+      <p:transition spd="slow">
+        <p:fade/>
+      </p:transition>
+    </mc:Fallback>
+  </mc:AlternateContent>
+</p:sld>
+</file>
+
+<file path=ppt/slides/slide3.xml><?xml version="1.0" encoding="utf-8"?>
+<p:sld xmlns:a="http://schemas.openxmlformats.org/drawingml/2006/main" xmlns:r="http://schemas.openxmlformats.org/officeDocument/2006/relationships" xmlns:p="http://schemas.openxmlformats.org/presentationml/2006/main">
+  <p:cSld>
+    <p:spTree>
+      <p:nvGrpSpPr>
+        <p:cNvPr id="1" name=""/>
+        <p:cNvGrpSpPr/>
+        <p:nvPr/>
+      </p:nvGrpSpPr>
+      <p:grpSpPr>
+        <a:xfrm>
+          <a:off x="0" y="0"/>
+          <a:ext cx="0" cy="0"/>
+          <a:chOff x="0" y="0"/>
+          <a:chExt cx="0" cy="0"/>
+        </a:xfrm>
+      </p:grpSpPr>
+      <p:pic>
+        <p:nvPicPr>
+          <p:cNvPr id="9" name="圖片 8">
+            <a:extLst>
+              <a:ext uri="{FF2B5EF4-FFF2-40B4-BE49-F238E27FC236}">
+                <a16:creationId xmlns:a16="http://schemas.microsoft.com/office/drawing/2014/main" id="{AD0543D9-91EA-D143-0451-E6A1EE039EA3}"/>
+              </a:ext>
+            </a:extLst>
+          </p:cNvPr>
+          <p:cNvPicPr>
+            <a:picLocks noChangeAspect="1"/>
+          </p:cNvPicPr>
+          <p:nvPr/>
+        </p:nvPicPr>
+        <p:blipFill>
+          <a:blip r:embed="rId3">
+            <a:extLst>
+              <a:ext uri="{28A0092B-C50C-407E-A947-70E740481C1C}">
+                <a14:useLocalDpi xmlns:a14="http://schemas.microsoft.com/office/drawing/2010/main" val="0"/>
+              </a:ext>
+            </a:extLst>
+          </a:blip>
+          <a:srcRect/>
+          <a:stretch/>
+        </p:blipFill>
+        <p:spPr>
+          <a:xfrm>
+            <a:off x="-914400" y="1"/>
+            <a:ext cx="914400" cy="914400"/>
+          </a:xfrm>
+          <a:prstGeom prst="rect">
+            <a:avLst/>
+          </a:prstGeom>
+        </p:spPr>
+      </p:pic>
+      <p:sp>
+        <p:nvSpPr>
+          <p:cNvPr id="4" name="標題 1">
+            <a:extLst>
+              <a:ext uri="{FF2B5EF4-FFF2-40B4-BE49-F238E27FC236}">
+                <a16:creationId xmlns:a16="http://schemas.microsoft.com/office/drawing/2014/main" id="{AEA56453-D5A7-034A-798F-8E43020F8BFA}"/>
+              </a:ext>
+            </a:extLst>
+          </p:cNvPr>
+          <p:cNvSpPr txBox="1">
+            <a:spLocks/>
+          </p:cNvSpPr>
+          <p:nvPr/>
+        </p:nvSpPr>
+        <p:spPr>
+          <a:xfrm>
+            <a:off x="0" y="0"/>
+            <a:ext cx="5128024" cy="1491465"/>
+          </a:xfrm>
+          <a:prstGeom prst="rect">
+            <a:avLst/>
+          </a:prstGeom>
+        </p:spPr>
+        <p:txBody>
+          <a:bodyPr vert="horz" lIns="91440" tIns="45720" rIns="91440" bIns="45720" rtlCol="0" anchor="ctr">
+            <a:normAutofit fontScale="97500"/>
+          </a:bodyPr>
+          <a:lstStyle>
+            <a:lvl1pPr algn="l" defTabSz="914400" rtl="0" eaLnBrk="1" latinLnBrk="0" hangingPunct="1">
+              <a:lnSpc>
+                <a:spcPct val="90000"/>
+              </a:lnSpc>
+              <a:spcBef>
+                <a:spcPct val="0"/>
+              </a:spcBef>
+              <a:buNone/>
+              <a:defRPr sz="4400" kern="1200">
+                <a:solidFill>
+                  <a:schemeClr val="tx1"/>
+                </a:solidFill>
+                <a:latin typeface="+mj-lt"/>
+                <a:ea typeface="+mj-ea"/>
+                <a:cs typeface="+mj-cs"/>
+              </a:defRPr>
+            </a:lvl1pPr>
+          </a:lstStyle>
+          <a:p>
+            <a:r>
+              <a:rPr lang="zh-TW" altLang="en-US" dirty="0">
+                <a:latin typeface="Gen Jyuu Gothic Medium" panose="020B0402020203020207" pitchFamily="34" charset="-120"/>
+                <a:ea typeface="Gen Jyuu Gothic Medium" panose="020B0402020203020207" pitchFamily="34" charset="-120"/>
+                <a:cs typeface="Gen Jyuu Gothic Medium" panose="020B0402020203020207" pitchFamily="34" charset="-120"/>
+              </a:rPr>
+              <a:t>     阻礙</a:t>
+            </a:r>
+          </a:p>
+        </p:txBody>
+      </p:sp>
+      <p:pic>
+        <p:nvPicPr>
+          <p:cNvPr id="5" name="圖片 4">
+            <a:extLst>
+              <a:ext uri="{FF2B5EF4-FFF2-40B4-BE49-F238E27FC236}">
+                <a16:creationId xmlns:a16="http://schemas.microsoft.com/office/drawing/2014/main" id="{726BDB08-6E1E-9F98-452D-7D50AC350918}"/>
+              </a:ext>
+            </a:extLst>
+          </p:cNvPr>
+          <p:cNvPicPr>
+            <a:picLocks noChangeAspect="1"/>
+          </p:cNvPicPr>
+          <p:nvPr/>
+        </p:nvPicPr>
+        <p:blipFill>
+          <a:blip r:embed="rId4">
+            <a:extLst>
+              <a:ext uri="{28A0092B-C50C-407E-A947-70E740481C1C}">
+                <a14:useLocalDpi xmlns:a14="http://schemas.microsoft.com/office/drawing/2010/main" val="0"/>
+              </a:ext>
+            </a:extLst>
+          </a:blip>
+          <a:srcRect/>
+          <a:stretch/>
+        </p:blipFill>
+        <p:spPr>
+          <a:xfrm>
+            <a:off x="696000" y="1154378"/>
+            <a:ext cx="5400000" cy="5400000"/>
+          </a:xfrm>
+          <a:prstGeom prst="rect">
+            <a:avLst/>
+          </a:prstGeom>
+        </p:spPr>
+      </p:pic>
+      <p:pic>
+        <p:nvPicPr>
+          <p:cNvPr id="6" name="圖片 5">
+            <a:extLst>
+              <a:ext uri="{FF2B5EF4-FFF2-40B4-BE49-F238E27FC236}">
+                <a16:creationId xmlns:a16="http://schemas.microsoft.com/office/drawing/2014/main" id="{83C1CA4E-AA50-DAC4-E58A-886DD32D21D8}"/>
+              </a:ext>
+            </a:extLst>
+          </p:cNvPr>
+          <p:cNvPicPr>
+            <a:picLocks noChangeAspect="1"/>
+          </p:cNvPicPr>
+          <p:nvPr/>
+        </p:nvPicPr>
+        <p:blipFill>
+          <a:blip r:embed="rId5">
+            <a:extLst>
+              <a:ext uri="{28A0092B-C50C-407E-A947-70E740481C1C}">
+                <a14:useLocalDpi xmlns:a14="http://schemas.microsoft.com/office/drawing/2010/main" val="0"/>
+              </a:ext>
+            </a:extLst>
+          </a:blip>
+          <a:srcRect/>
+          <a:stretch/>
+        </p:blipFill>
+        <p:spPr>
+          <a:xfrm>
+            <a:off x="-914400" y="1"/>
+            <a:ext cx="914400" cy="914400"/>
+          </a:xfrm>
+          <a:prstGeom prst="rect">
+            <a:avLst/>
+          </a:prstGeom>
+        </p:spPr>
+      </p:pic>
+    </p:spTree>
+    <p:extLst>
+      <p:ext uri="{BB962C8B-B14F-4D97-AF65-F5344CB8AC3E}">
+        <p14:creationId xmlns:p14="http://schemas.microsoft.com/office/powerpoint/2010/main" val="1530996801"/>
+      </p:ext>
+    </p:extLst>
+  </p:cSld>
+  <p:clrMapOvr>
+    <a:masterClrMapping/>
+  </p:clrMapOvr>
+  <mc:AlternateContent xmlns:mc="http://schemas.openxmlformats.org/markup-compatibility/2006" xmlns:p159="http://schemas.microsoft.com/office/powerpoint/2015/09/main">
+    <mc:Choice Requires="p159">
+      <p:transition xmlns:p14="http://schemas.microsoft.com/office/powerpoint/2010/main" spd="slow" p14:dur="2000">
+        <p159:morph option="byObject"/>
+      </p:transition>
+    </mc:Choice>
+    <mc:Fallback xmlns="">
+      <p:transition spd="slow">
+        <p:fade/>
+      </p:transition>
+    </mc:Fallback>
+  </mc:AlternateContent>
+</p:sld>
+</file>
+
+<file path=ppt/slides/slide4.xml><?xml version="1.0" encoding="utf-8"?>
+<p:sld xmlns:a="http://schemas.openxmlformats.org/drawingml/2006/main" xmlns:r="http://schemas.openxmlformats.org/officeDocument/2006/relationships" xmlns:p="http://schemas.openxmlformats.org/presentationml/2006/main">
+  <p:cSld>
+    <p:spTree>
+      <p:nvGrpSpPr>
+        <p:cNvPr id="1" name=""/>
+        <p:cNvGrpSpPr/>
+        <p:nvPr/>
+      </p:nvGrpSpPr>
+      <p:grpSpPr>
+        <a:xfrm>
+          <a:off x="0" y="0"/>
+          <a:ext cx="0" cy="0"/>
+          <a:chOff x="0" y="0"/>
+          <a:chExt cx="0" cy="0"/>
+        </a:xfrm>
+      </p:grpSpPr>
+      <p:pic>
+        <p:nvPicPr>
+          <p:cNvPr id="5" name="圖片 4">
+            <a:extLst>
+              <a:ext uri="{FF2B5EF4-FFF2-40B4-BE49-F238E27FC236}">
+                <a16:creationId xmlns:a16="http://schemas.microsoft.com/office/drawing/2014/main" id="{726BDB08-6E1E-9F98-452D-7D50AC350918}"/>
+              </a:ext>
+            </a:extLst>
+          </p:cNvPr>
+          <p:cNvPicPr>
+            <a:picLocks noChangeAspect="1"/>
+          </p:cNvPicPr>
+          <p:nvPr/>
+        </p:nvPicPr>
+        <p:blipFill>
+          <a:blip r:embed="rId3">
+            <a:extLst>
+              <a:ext uri="{28A0092B-C50C-407E-A947-70E740481C1C}">
+                <a14:useLocalDpi xmlns:a14="http://schemas.microsoft.com/office/drawing/2010/main" val="0"/>
+              </a:ext>
+            </a:extLst>
+          </a:blip>
+          <a:srcRect/>
+          <a:stretch/>
+        </p:blipFill>
+        <p:spPr>
+          <a:xfrm>
+            <a:off x="696000" y="1154378"/>
+            <a:ext cx="5400000" cy="5400000"/>
+          </a:xfrm>
+          <a:prstGeom prst="rect">
+            <a:avLst/>
+          </a:prstGeom>
+        </p:spPr>
+      </p:pic>
+      <p:sp>
+        <p:nvSpPr>
+          <p:cNvPr id="4" name="標題 1">
+            <a:extLst>
+              <a:ext uri="{FF2B5EF4-FFF2-40B4-BE49-F238E27FC236}">
+                <a16:creationId xmlns:a16="http://schemas.microsoft.com/office/drawing/2014/main" id="{AEA56453-D5A7-034A-798F-8E43020F8BFA}"/>
+              </a:ext>
+            </a:extLst>
+          </p:cNvPr>
+          <p:cNvSpPr txBox="1">
+            <a:spLocks/>
+          </p:cNvSpPr>
+          <p:nvPr/>
+        </p:nvSpPr>
+        <p:spPr>
+          <a:xfrm>
+            <a:off x="0" y="0"/>
+            <a:ext cx="5128024" cy="1491465"/>
+          </a:xfrm>
+          <a:prstGeom prst="rect">
+            <a:avLst/>
+          </a:prstGeom>
+        </p:spPr>
+        <p:txBody>
+          <a:bodyPr vert="horz" lIns="91440" tIns="45720" rIns="91440" bIns="45720" rtlCol="0" anchor="ctr">
+            <a:normAutofit fontScale="97500"/>
+          </a:bodyPr>
+          <a:lstStyle>
+            <a:lvl1pPr algn="l" defTabSz="914400" rtl="0" eaLnBrk="1" latinLnBrk="0" hangingPunct="1">
+              <a:lnSpc>
+                <a:spcPct val="90000"/>
+              </a:lnSpc>
+              <a:spcBef>
+                <a:spcPct val="0"/>
+              </a:spcBef>
+              <a:buNone/>
+              <a:defRPr sz="4400" kern="1200">
+                <a:solidFill>
+                  <a:schemeClr val="tx1"/>
+                </a:solidFill>
+                <a:latin typeface="+mj-lt"/>
+                <a:ea typeface="+mj-ea"/>
+                <a:cs typeface="+mj-cs"/>
+              </a:defRPr>
+            </a:lvl1pPr>
+          </a:lstStyle>
+          <a:p>
+            <a:r>
+              <a:rPr lang="zh-TW" altLang="en-US" dirty="0">
+                <a:latin typeface="Gen Jyuu Gothic Medium" panose="020B0402020203020207" pitchFamily="34" charset="-120"/>
+                <a:ea typeface="Gen Jyuu Gothic Medium" panose="020B0402020203020207" pitchFamily="34" charset="-120"/>
+                <a:cs typeface="Gen Jyuu Gothic Medium" panose="020B0402020203020207" pitchFamily="34" charset="-120"/>
+              </a:rPr>
+              <a:t>     阻礙</a:t>
+            </a:r>
+          </a:p>
+        </p:txBody>
+      </p:sp>
+      <p:pic>
+        <p:nvPicPr>
+          <p:cNvPr id="6" name="圖片 5">
+            <a:extLst>
+              <a:ext uri="{FF2B5EF4-FFF2-40B4-BE49-F238E27FC236}">
+                <a16:creationId xmlns:a16="http://schemas.microsoft.com/office/drawing/2014/main" id="{A03176AD-9144-E349-A2EC-B04E3C6C3295}"/>
+              </a:ext>
+            </a:extLst>
+          </p:cNvPr>
+          <p:cNvPicPr>
+            <a:picLocks noChangeAspect="1"/>
+          </p:cNvPicPr>
+          <p:nvPr/>
+        </p:nvPicPr>
+        <p:blipFill>
+          <a:blip r:embed="rId4">
+            <a:extLst>
+              <a:ext uri="{28A0092B-C50C-407E-A947-70E740481C1C}">
+                <a14:useLocalDpi xmlns:a14="http://schemas.microsoft.com/office/drawing/2010/main" val="0"/>
+              </a:ext>
+            </a:extLst>
+          </a:blip>
+          <a:srcRect/>
+          <a:stretch/>
+        </p:blipFill>
+        <p:spPr>
+          <a:xfrm>
+            <a:off x="-692556" y="6165444"/>
+            <a:ext cx="692556" cy="692556"/>
+          </a:xfrm>
+          <a:prstGeom prst="rect">
+            <a:avLst/>
+          </a:prstGeom>
+        </p:spPr>
+      </p:pic>
+    </p:spTree>
+    <p:extLst>
+      <p:ext uri="{BB962C8B-B14F-4D97-AF65-F5344CB8AC3E}">
+        <p14:creationId xmlns:p14="http://schemas.microsoft.com/office/powerpoint/2010/main" val="2607198893"/>
+      </p:ext>
+    </p:extLst>
+  </p:cSld>
+  <p:clrMapOvr>
+    <a:masterClrMapping/>
+  </p:clrMapOvr>
+  <mc:AlternateContent xmlns:mc="http://schemas.openxmlformats.org/markup-compatibility/2006" xmlns:p159="http://schemas.microsoft.com/office/powerpoint/2015/09/main">
+    <mc:Choice Requires="p159">
+      <p:transition xmlns:p14="http://schemas.microsoft.com/office/powerpoint/2010/main" spd="slow" p14:dur="2000">
+        <p159:morph option="byObject"/>
+      </p:transition>
+    </mc:Choice>
+    <mc:Fallback xmlns="">
+      <p:transition spd="slow">
+        <p:fade/>
+      </p:transition>
+    </mc:Fallback>
+  </mc:AlternateContent>
+</p:sld>
+</file>
+
+<file path=ppt/slides/slide5.xml><?xml version="1.0" encoding="utf-8"?>
+<p:sld xmlns:a="http://schemas.openxmlformats.org/drawingml/2006/main" xmlns:r="http://schemas.openxmlformats.org/officeDocument/2006/relationships" xmlns:p="http://schemas.openxmlformats.org/presentationml/2006/main">
+  <p:cSld>
+    <p:spTree>
+      <p:nvGrpSpPr>
+        <p:cNvPr id="1" name=""/>
+        <p:cNvGrpSpPr/>
+        <p:nvPr/>
+      </p:nvGrpSpPr>
+      <p:grpSpPr>
+        <a:xfrm>
+          <a:off x="0" y="0"/>
+          <a:ext cx="0" cy="0"/>
+          <a:chOff x="0" y="0"/>
+          <a:chExt cx="0" cy="0"/>
+        </a:xfrm>
+      </p:grpSpPr>
+      <p:pic>
+        <p:nvPicPr>
+          <p:cNvPr id="9" name="圖片 8">
+            <a:extLst>
+              <a:ext uri="{FF2B5EF4-FFF2-40B4-BE49-F238E27FC236}">
+                <a16:creationId xmlns:a16="http://schemas.microsoft.com/office/drawing/2014/main" id="{3378AA54-4F3E-CA18-3E28-1214433B51FF}"/>
+              </a:ext>
+            </a:extLst>
+          </p:cNvPr>
+          <p:cNvPicPr>
+            <a:picLocks noChangeAspect="1"/>
+          </p:cNvPicPr>
+          <p:nvPr/>
+        </p:nvPicPr>
+        <p:blipFill>
+          <a:blip r:embed="rId3">
+            <a:extLst>
+              <a:ext uri="{28A0092B-C50C-407E-A947-70E740481C1C}">
+                <a14:useLocalDpi xmlns:a14="http://schemas.microsoft.com/office/drawing/2010/main" val="0"/>
+              </a:ext>
+            </a:extLst>
+          </a:blip>
+          <a:srcRect/>
+          <a:stretch/>
+        </p:blipFill>
+        <p:spPr>
+          <a:xfrm>
+            <a:off x="696000" y="1154378"/>
+            <a:ext cx="5400000" cy="123816"/>
+          </a:xfrm>
+          <a:prstGeom prst="rect">
+            <a:avLst/>
+          </a:prstGeom>
+        </p:spPr>
+      </p:pic>
+      <p:sp>
+        <p:nvSpPr>
+          <p:cNvPr id="4" name="標題 1">
+            <a:extLst>
+              <a:ext uri="{FF2B5EF4-FFF2-40B4-BE49-F238E27FC236}">
+                <a16:creationId xmlns:a16="http://schemas.microsoft.com/office/drawing/2014/main" id="{AEA56453-D5A7-034A-798F-8E43020F8BFA}"/>
+              </a:ext>
+            </a:extLst>
+          </p:cNvPr>
+          <p:cNvSpPr txBox="1">
+            <a:spLocks/>
+          </p:cNvSpPr>
+          <p:nvPr/>
+        </p:nvSpPr>
+        <p:spPr>
+          <a:xfrm>
+            <a:off x="0" y="0"/>
+            <a:ext cx="5128024" cy="1491465"/>
+          </a:xfrm>
+          <a:prstGeom prst="rect">
+            <a:avLst/>
+          </a:prstGeom>
+        </p:spPr>
+        <p:txBody>
+          <a:bodyPr vert="horz" lIns="91440" tIns="45720" rIns="91440" bIns="45720" rtlCol="0" anchor="ctr">
+            <a:normAutofit fontScale="97500"/>
+          </a:bodyPr>
+          <a:lstStyle>
+            <a:lvl1pPr algn="l" defTabSz="914400" rtl="0" eaLnBrk="1" latinLnBrk="0" hangingPunct="1">
+              <a:lnSpc>
+                <a:spcPct val="90000"/>
+              </a:lnSpc>
+              <a:spcBef>
+                <a:spcPct val="0"/>
+              </a:spcBef>
+              <a:buNone/>
+              <a:defRPr sz="4400" kern="1200">
+                <a:solidFill>
+                  <a:schemeClr val="tx1"/>
+                </a:solidFill>
+                <a:latin typeface="+mj-lt"/>
+                <a:ea typeface="+mj-ea"/>
+                <a:cs typeface="+mj-cs"/>
+              </a:defRPr>
+            </a:lvl1pPr>
+          </a:lstStyle>
+          <a:p>
+            <a:r>
+              <a:rPr lang="zh-TW" altLang="en-US" dirty="0">
+                <a:latin typeface="Gen Jyuu Gothic Medium" panose="020B0402020203020207" pitchFamily="34" charset="-120"/>
+                <a:ea typeface="Gen Jyuu Gothic Medium" panose="020B0402020203020207" pitchFamily="34" charset="-120"/>
+                <a:cs typeface="Gen Jyuu Gothic Medium" panose="020B0402020203020207" pitchFamily="34" charset="-120"/>
+              </a:rPr>
+              <a:t>     努力</a:t>
+            </a:r>
+          </a:p>
+        </p:txBody>
+      </p:sp>
+      <p:sp>
+        <p:nvSpPr>
+          <p:cNvPr id="6" name="標題 1">
+            <a:extLst>
+              <a:ext uri="{FF2B5EF4-FFF2-40B4-BE49-F238E27FC236}">
+                <a16:creationId xmlns:a16="http://schemas.microsoft.com/office/drawing/2014/main" id="{EAA9A667-5D3E-7233-D0BE-5EB1B1170D0B}"/>
+              </a:ext>
+            </a:extLst>
+          </p:cNvPr>
+          <p:cNvSpPr txBox="1">
+            <a:spLocks/>
+          </p:cNvSpPr>
+          <p:nvPr/>
+        </p:nvSpPr>
+        <p:spPr>
+          <a:xfrm rot="10800000">
+            <a:off x="0" y="-1491465"/>
+            <a:ext cx="5128024" cy="1491465"/>
+          </a:xfrm>
+          <a:prstGeom prst="rect">
+            <a:avLst/>
+          </a:prstGeom>
+        </p:spPr>
+        <p:txBody>
+          <a:bodyPr vert="horz" lIns="91440" tIns="45720" rIns="91440" bIns="45720" rtlCol="0" anchor="ctr">
+            <a:normAutofit fontScale="97500"/>
+          </a:bodyPr>
+          <a:lstStyle>
+            <a:lvl1pPr algn="l" defTabSz="914400" rtl="0" eaLnBrk="1" latinLnBrk="0" hangingPunct="1">
+              <a:lnSpc>
+                <a:spcPct val="90000"/>
+              </a:lnSpc>
+              <a:spcBef>
+                <a:spcPct val="0"/>
+              </a:spcBef>
+              <a:buNone/>
+              <a:defRPr sz="4400" kern="1200">
+                <a:solidFill>
+                  <a:schemeClr val="tx1"/>
+                </a:solidFill>
+                <a:latin typeface="+mj-lt"/>
+                <a:ea typeface="+mj-ea"/>
+                <a:cs typeface="+mj-cs"/>
+              </a:defRPr>
+            </a:lvl1pPr>
+          </a:lstStyle>
+          <a:p>
+            <a:r>
+              <a:rPr lang="zh-TW" altLang="en-US" dirty="0">
+                <a:latin typeface="Gen Jyuu Gothic Medium" panose="020B0402020203020207" pitchFamily="34" charset="-120"/>
+                <a:ea typeface="Gen Jyuu Gothic Medium" panose="020B0402020203020207" pitchFamily="34" charset="-120"/>
+                <a:cs typeface="Gen Jyuu Gothic Medium" panose="020B0402020203020207" pitchFamily="34" charset="-120"/>
+              </a:rPr>
+              <a:t>     阻礙</a:t>
+            </a:r>
+          </a:p>
+        </p:txBody>
+      </p:sp>
+      <p:pic>
+        <p:nvPicPr>
+          <p:cNvPr id="7" name="圖片 6">
+            <a:extLst>
+              <a:ext uri="{FF2B5EF4-FFF2-40B4-BE49-F238E27FC236}">
+                <a16:creationId xmlns:a16="http://schemas.microsoft.com/office/drawing/2014/main" id="{89D58362-7590-4CD7-C8F3-7C1F0C678BDB}"/>
+              </a:ext>
+            </a:extLst>
+          </p:cNvPr>
+          <p:cNvPicPr>
+            <a:picLocks noChangeAspect="1"/>
+          </p:cNvPicPr>
+          <p:nvPr/>
+        </p:nvPicPr>
+        <p:blipFill>
+          <a:blip r:embed="rId4">
+            <a:extLst>
+              <a:ext uri="{28A0092B-C50C-407E-A947-70E740481C1C}">
+                <a14:useLocalDpi xmlns:a14="http://schemas.microsoft.com/office/drawing/2010/main" val="0"/>
+              </a:ext>
+            </a:extLst>
+          </a:blip>
+          <a:srcRect/>
+          <a:stretch/>
+        </p:blipFill>
+        <p:spPr>
+          <a:xfrm rot="10800000">
+            <a:off x="696000" y="6951101"/>
+            <a:ext cx="5400000" cy="5400000"/>
+          </a:xfrm>
+          <a:prstGeom prst="rect">
+            <a:avLst/>
+          </a:prstGeom>
+        </p:spPr>
+      </p:pic>
+      <p:pic>
+        <p:nvPicPr>
+          <p:cNvPr id="5" name="圖片 4">
+            <a:extLst>
+              <a:ext uri="{FF2B5EF4-FFF2-40B4-BE49-F238E27FC236}">
+                <a16:creationId xmlns:a16="http://schemas.microsoft.com/office/drawing/2014/main" id="{EA9997AE-5D63-5406-FE0D-D5C771E99335}"/>
+              </a:ext>
+            </a:extLst>
+          </p:cNvPr>
+          <p:cNvPicPr>
+            <a:picLocks noChangeAspect="1"/>
+          </p:cNvPicPr>
+          <p:nvPr/>
+        </p:nvPicPr>
+        <p:blipFill>
+          <a:blip r:embed="rId5">
+            <a:extLst>
+              <a:ext uri="{28A0092B-C50C-407E-A947-70E740481C1C}">
+                <a14:useLocalDpi xmlns:a14="http://schemas.microsoft.com/office/drawing/2010/main" val="0"/>
+              </a:ext>
+            </a:extLst>
+          </a:blip>
+          <a:srcRect/>
+          <a:stretch/>
+        </p:blipFill>
+        <p:spPr>
+          <a:xfrm>
+            <a:off x="696000" y="1154378"/>
+            <a:ext cx="5400000" cy="5400000"/>
+          </a:xfrm>
+          <a:prstGeom prst="rect">
+            <a:avLst/>
+          </a:prstGeom>
+        </p:spPr>
+      </p:pic>
+    </p:spTree>
+    <p:extLst>
+      <p:ext uri="{BB962C8B-B14F-4D97-AF65-F5344CB8AC3E}">
+        <p14:creationId xmlns:p14="http://schemas.microsoft.com/office/powerpoint/2010/main" val="722438190"/>
+      </p:ext>
+    </p:extLst>
+  </p:cSld>
+  <p:clrMapOvr>
+    <a:masterClrMapping/>
+  </p:clrMapOvr>
+  <mc:AlternateContent xmlns:mc="http://schemas.openxmlformats.org/markup-compatibility/2006" xmlns:p159="http://schemas.microsoft.com/office/powerpoint/2015/09/main">
+    <mc:Choice Requires="p159">
+      <p:transition xmlns:p14="http://schemas.microsoft.com/office/powerpoint/2010/main" spd="slow" p14:dur="2000">
+        <p159:morph option="byObject"/>
+      </p:transition>
+    </mc:Choice>
+    <mc:Fallback xmlns="">
+      <p:transition spd="slow">
+        <p:fade/>
+      </p:transition>
+    </mc:Fallback>
+  </mc:AlternateContent>
+</p:sld>
+</file>
+
+<file path=ppt/slides/slide6.xml><?xml version="1.0" encoding="utf-8"?>
+<p:sld xmlns:a="http://schemas.openxmlformats.org/drawingml/2006/main" xmlns:r="http://schemas.openxmlformats.org/officeDocument/2006/relationships" xmlns:p="http://schemas.openxmlformats.org/presentationml/2006/main">
+  <p:cSld>
+    <p:spTree>
+      <p:nvGrpSpPr>
+        <p:cNvPr id="1" name=""/>
+        <p:cNvGrpSpPr/>
+        <p:nvPr/>
+      </p:nvGrpSpPr>
+      <p:grpSpPr>
+        <a:xfrm>
+          <a:off x="0" y="0"/>
+          <a:ext cx="0" cy="0"/>
+          <a:chOff x="0" y="0"/>
+          <a:chExt cx="0" cy="0"/>
+        </a:xfrm>
+      </p:grpSpPr>
+      <p:sp>
+        <p:nvSpPr>
+          <p:cNvPr id="4" name="標題 1">
+            <a:extLst>
+              <a:ext uri="{FF2B5EF4-FFF2-40B4-BE49-F238E27FC236}">
+                <a16:creationId xmlns:a16="http://schemas.microsoft.com/office/drawing/2014/main" id="{AEA56453-D5A7-034A-798F-8E43020F8BFA}"/>
+              </a:ext>
+            </a:extLst>
+          </p:cNvPr>
+          <p:cNvSpPr txBox="1">
+            <a:spLocks/>
+          </p:cNvSpPr>
+          <p:nvPr/>
+        </p:nvSpPr>
+        <p:spPr>
+          <a:xfrm>
+            <a:off x="0" y="0"/>
+            <a:ext cx="5128024" cy="1491465"/>
+          </a:xfrm>
+          <a:prstGeom prst="rect">
+            <a:avLst/>
+          </a:prstGeom>
+        </p:spPr>
+        <p:txBody>
+          <a:bodyPr vert="horz" lIns="91440" tIns="45720" rIns="91440" bIns="45720" rtlCol="0" anchor="ctr">
+            <a:normAutofit fontScale="97500"/>
+          </a:bodyPr>
+          <a:lstStyle>
+            <a:lvl1pPr algn="l" defTabSz="914400" rtl="0" eaLnBrk="1" latinLnBrk="0" hangingPunct="1">
+              <a:lnSpc>
+                <a:spcPct val="90000"/>
+              </a:lnSpc>
+              <a:spcBef>
+                <a:spcPct val="0"/>
+              </a:spcBef>
+              <a:buNone/>
+              <a:defRPr sz="4400" kern="1200">
+                <a:solidFill>
+                  <a:schemeClr val="tx1"/>
+                </a:solidFill>
+                <a:latin typeface="+mj-lt"/>
+                <a:ea typeface="+mj-ea"/>
+                <a:cs typeface="+mj-cs"/>
+              </a:defRPr>
+            </a:lvl1pPr>
+          </a:lstStyle>
+          <a:p>
+            <a:r>
+              <a:rPr lang="zh-TW" altLang="en-US" dirty="0">
+                <a:latin typeface="Gen Jyuu Gothic Medium" panose="020B0402020203020207" pitchFamily="34" charset="-120"/>
+                <a:ea typeface="Gen Jyuu Gothic Medium" panose="020B0402020203020207" pitchFamily="34" charset="-120"/>
+                <a:cs typeface="Gen Jyuu Gothic Medium" panose="020B0402020203020207" pitchFamily="34" charset="-120"/>
+              </a:rPr>
+              <a:t>     努力</a:t>
+            </a:r>
+          </a:p>
+        </p:txBody>
+      </p:sp>
+      <p:pic>
+        <p:nvPicPr>
+          <p:cNvPr id="9" name="圖片 8">
+            <a:extLst>
+              <a:ext uri="{FF2B5EF4-FFF2-40B4-BE49-F238E27FC236}">
+                <a16:creationId xmlns:a16="http://schemas.microsoft.com/office/drawing/2014/main" id="{E04CABC3-4AC8-9468-42FF-D40D4D1562A6}"/>
+              </a:ext>
+            </a:extLst>
+          </p:cNvPr>
+          <p:cNvPicPr>
+            <a:picLocks noChangeAspect="1"/>
+          </p:cNvPicPr>
+          <p:nvPr/>
+        </p:nvPicPr>
+        <p:blipFill>
+          <a:blip r:embed="rId3">
+            <a:extLst>
+              <a:ext uri="{28A0092B-C50C-407E-A947-70E740481C1C}">
+                <a14:useLocalDpi xmlns:a14="http://schemas.microsoft.com/office/drawing/2010/main" val="0"/>
+              </a:ext>
+            </a:extLst>
+          </a:blip>
+          <a:srcRect/>
+          <a:stretch/>
+        </p:blipFill>
+        <p:spPr>
+          <a:xfrm>
+            <a:off x="696000" y="6469626"/>
+            <a:ext cx="5400000" cy="84752"/>
+          </a:xfrm>
+          <a:prstGeom prst="rect">
+            <a:avLst/>
+          </a:prstGeom>
+        </p:spPr>
+      </p:pic>
+      <p:sp>
+        <p:nvSpPr>
+          <p:cNvPr id="10" name="標題 1">
+            <a:extLst>
+              <a:ext uri="{FF2B5EF4-FFF2-40B4-BE49-F238E27FC236}">
+                <a16:creationId xmlns:a16="http://schemas.microsoft.com/office/drawing/2014/main" id="{BFBF4026-F308-3356-FC4E-D69F0A485898}"/>
+              </a:ext>
+            </a:extLst>
+          </p:cNvPr>
+          <p:cNvSpPr txBox="1">
+            <a:spLocks/>
+          </p:cNvSpPr>
+          <p:nvPr/>
+        </p:nvSpPr>
+        <p:spPr>
+          <a:xfrm>
+            <a:off x="0" y="-1491465"/>
+            <a:ext cx="5128024" cy="1491465"/>
+          </a:xfrm>
+          <a:prstGeom prst="rect">
+            <a:avLst/>
+          </a:prstGeom>
+        </p:spPr>
+        <p:txBody>
+          <a:bodyPr vert="horz" lIns="91440" tIns="45720" rIns="91440" bIns="45720" rtlCol="0" anchor="ctr">
+            <a:normAutofit fontScale="97500"/>
+          </a:bodyPr>
+          <a:lstStyle>
+            <a:lvl1pPr algn="l" defTabSz="914400" rtl="0" eaLnBrk="1" latinLnBrk="0" hangingPunct="1">
+              <a:lnSpc>
+                <a:spcPct val="90000"/>
+              </a:lnSpc>
+              <a:spcBef>
+                <a:spcPct val="0"/>
+              </a:spcBef>
+              <a:buNone/>
+              <a:defRPr sz="4400" kern="1200">
+                <a:solidFill>
+                  <a:schemeClr val="tx1"/>
+                </a:solidFill>
+                <a:latin typeface="+mj-lt"/>
+                <a:ea typeface="+mj-ea"/>
+                <a:cs typeface="+mj-cs"/>
+              </a:defRPr>
+            </a:lvl1pPr>
+          </a:lstStyle>
+          <a:p>
+            <a:r>
+              <a:rPr lang="zh-TW" altLang="en-US" dirty="0">
+                <a:latin typeface="Gen Jyuu Gothic Medium" panose="020B0402020203020207" pitchFamily="34" charset="-120"/>
+                <a:ea typeface="Gen Jyuu Gothic Medium" panose="020B0402020203020207" pitchFamily="34" charset="-120"/>
+                <a:cs typeface="Gen Jyuu Gothic Medium" panose="020B0402020203020207" pitchFamily="34" charset="-120"/>
+              </a:rPr>
+              <a:t>     結果</a:t>
+            </a:r>
+          </a:p>
+        </p:txBody>
+      </p:sp>
+      <p:pic>
+        <p:nvPicPr>
+          <p:cNvPr id="11" name="圖片 10">
+            <a:extLst>
+              <a:ext uri="{FF2B5EF4-FFF2-40B4-BE49-F238E27FC236}">
+                <a16:creationId xmlns:a16="http://schemas.microsoft.com/office/drawing/2014/main" id="{79997635-582D-83EE-FDAC-23AF507F64EC}"/>
+              </a:ext>
+            </a:extLst>
+          </p:cNvPr>
+          <p:cNvPicPr>
+            <a:picLocks noChangeAspect="1"/>
+          </p:cNvPicPr>
+          <p:nvPr/>
+        </p:nvPicPr>
+        <p:blipFill>
+          <a:blip r:embed="rId4">
+            <a:extLst>
+              <a:ext uri="{28A0092B-C50C-407E-A947-70E740481C1C}">
+                <a14:useLocalDpi xmlns:a14="http://schemas.microsoft.com/office/drawing/2010/main" val="0"/>
+              </a:ext>
+            </a:extLst>
+          </a:blip>
+          <a:srcRect/>
+          <a:stretch/>
+        </p:blipFill>
+        <p:spPr>
+          <a:xfrm>
+            <a:off x="696000" y="7147140"/>
+            <a:ext cx="5400000" cy="5400000"/>
+          </a:xfrm>
+          <a:prstGeom prst="rect">
+            <a:avLst/>
+          </a:prstGeom>
+        </p:spPr>
+      </p:pic>
+      <p:pic>
+        <p:nvPicPr>
+          <p:cNvPr id="5" name="圖片 4">
+            <a:extLst>
+              <a:ext uri="{FF2B5EF4-FFF2-40B4-BE49-F238E27FC236}">
+                <a16:creationId xmlns:a16="http://schemas.microsoft.com/office/drawing/2014/main" id="{EA9997AE-5D63-5406-FE0D-D5C771E99335}"/>
+              </a:ext>
+            </a:extLst>
+          </p:cNvPr>
+          <p:cNvPicPr>
+            <a:picLocks noChangeAspect="1"/>
+          </p:cNvPicPr>
+          <p:nvPr/>
+        </p:nvPicPr>
+        <p:blipFill>
+          <a:blip r:embed="rId5">
+            <a:extLst>
+              <a:ext uri="{28A0092B-C50C-407E-A947-70E740481C1C}">
+                <a14:useLocalDpi xmlns:a14="http://schemas.microsoft.com/office/drawing/2010/main" val="0"/>
+              </a:ext>
+            </a:extLst>
+          </a:blip>
+          <a:srcRect/>
+          <a:stretch/>
+        </p:blipFill>
+        <p:spPr>
+          <a:xfrm>
+            <a:off x="696000" y="1154378"/>
+            <a:ext cx="5400000" cy="5400000"/>
+          </a:xfrm>
+          <a:prstGeom prst="rect">
+            <a:avLst/>
+          </a:prstGeom>
+        </p:spPr>
+      </p:pic>
+    </p:spTree>
+    <p:extLst>
+      <p:ext uri="{BB962C8B-B14F-4D97-AF65-F5344CB8AC3E}">
+        <p14:creationId xmlns:p14="http://schemas.microsoft.com/office/powerpoint/2010/main" val="1312397291"/>
+      </p:ext>
+    </p:extLst>
+  </p:cSld>
+  <p:clrMapOvr>
+    <a:masterClrMapping/>
+  </p:clrMapOvr>
+  <mc:AlternateContent xmlns:mc="http://schemas.openxmlformats.org/markup-compatibility/2006" xmlns:p159="http://schemas.microsoft.com/office/powerpoint/2015/09/main">
+    <mc:Choice Requires="p159">
+      <p:transition xmlns:p14="http://schemas.microsoft.com/office/powerpoint/2010/main" spd="slow" p14:dur="2000">
+        <p159:morph option="byObject"/>
+      </p:transition>
+    </mc:Choice>
+    <mc:Fallback xmlns="">
+      <p:transition spd="slow">
+        <p:fade/>
+      </p:transition>
+    </mc:Fallback>
+  </mc:AlternateContent>
+</p:sld>
+</file>
+
+<file path=ppt/slides/slide7.xml><?xml version="1.0" encoding="utf-8"?>
+<p:sld xmlns:a="http://schemas.openxmlformats.org/drawingml/2006/main" xmlns:r="http://schemas.openxmlformats.org/officeDocument/2006/relationships" xmlns:p="http://schemas.openxmlformats.org/presentationml/2006/main">
+  <p:cSld>
+    <p:spTree>
+      <p:nvGrpSpPr>
+        <p:cNvPr id="1" name=""/>
+        <p:cNvGrpSpPr/>
+        <p:nvPr/>
+      </p:nvGrpSpPr>
+      <p:grpSpPr>
+        <a:xfrm>
+          <a:off x="0" y="0"/>
+          <a:ext cx="0" cy="0"/>
+          <a:chOff x="0" y="0"/>
+          <a:chExt cx="0" cy="0"/>
+        </a:xfrm>
+      </p:grpSpPr>
+      <p:pic>
+        <p:nvPicPr>
+          <p:cNvPr id="10" name="圖片 9">
+            <a:extLst>
+              <a:ext uri="{FF2B5EF4-FFF2-40B4-BE49-F238E27FC236}">
+                <a16:creationId xmlns:a16="http://schemas.microsoft.com/office/drawing/2014/main" id="{AA98ABF6-8701-C334-2720-9757C4624796}"/>
+              </a:ext>
+            </a:extLst>
+          </p:cNvPr>
+          <p:cNvPicPr>
+            <a:picLocks noChangeAspect="1"/>
+          </p:cNvPicPr>
+          <p:nvPr/>
+        </p:nvPicPr>
+        <p:blipFill>
+          <a:blip r:embed="rId3">
+            <a:extLst>
+              <a:ext uri="{28A0092B-C50C-407E-A947-70E740481C1C}">
+                <a14:useLocalDpi xmlns:a14="http://schemas.microsoft.com/office/drawing/2010/main" val="0"/>
+              </a:ext>
+            </a:extLst>
+          </a:blip>
+          <a:srcRect/>
+          <a:stretch/>
+        </p:blipFill>
+        <p:spPr>
+          <a:xfrm rot="10800000">
+            <a:off x="3216000" y="3674378"/>
+            <a:ext cx="360000" cy="360000"/>
+          </a:xfrm>
+          <a:prstGeom prst="rect">
+            <a:avLst/>
+          </a:prstGeom>
+        </p:spPr>
+      </p:pic>
+      <p:pic>
+        <p:nvPicPr>
+          <p:cNvPr id="5" name="圖片 4">
+            <a:extLst>
+              <a:ext uri="{FF2B5EF4-FFF2-40B4-BE49-F238E27FC236}">
+                <a16:creationId xmlns:a16="http://schemas.microsoft.com/office/drawing/2014/main" id="{5F9F7998-DBA2-5894-94D3-0345F87779E9}"/>
+              </a:ext>
+            </a:extLst>
+          </p:cNvPr>
+          <p:cNvPicPr>
+            <a:picLocks noChangeAspect="1"/>
+          </p:cNvPicPr>
+          <p:nvPr/>
+        </p:nvPicPr>
+        <p:blipFill>
+          <a:blip r:embed="rId4">
+            <a:extLst>
+              <a:ext uri="{28A0092B-C50C-407E-A947-70E740481C1C}">
+                <a14:useLocalDpi xmlns:a14="http://schemas.microsoft.com/office/drawing/2010/main" val="0"/>
+              </a:ext>
+            </a:extLst>
+          </a:blip>
+          <a:srcRect/>
+          <a:stretch/>
+        </p:blipFill>
+        <p:spPr>
+          <a:xfrm>
+            <a:off x="696000" y="1154378"/>
+            <a:ext cx="5400000" cy="5400000"/>
+          </a:xfrm>
+          <a:prstGeom prst="rect">
+            <a:avLst/>
+          </a:prstGeom>
+        </p:spPr>
+      </p:pic>
+      <p:sp>
+        <p:nvSpPr>
+          <p:cNvPr id="4" name="標題 1">
+            <a:extLst>
+              <a:ext uri="{FF2B5EF4-FFF2-40B4-BE49-F238E27FC236}">
+                <a16:creationId xmlns:a16="http://schemas.microsoft.com/office/drawing/2014/main" id="{AEA56453-D5A7-034A-798F-8E43020F8BFA}"/>
+              </a:ext>
+            </a:extLst>
+          </p:cNvPr>
+          <p:cNvSpPr txBox="1">
+            <a:spLocks/>
+          </p:cNvSpPr>
+          <p:nvPr/>
+        </p:nvSpPr>
+        <p:spPr>
+          <a:xfrm>
+            <a:off x="0" y="0"/>
+            <a:ext cx="5128024" cy="1491465"/>
+          </a:xfrm>
+          <a:prstGeom prst="rect">
+            <a:avLst/>
+          </a:prstGeom>
+        </p:spPr>
+        <p:txBody>
+          <a:bodyPr vert="horz" lIns="91440" tIns="45720" rIns="91440" bIns="45720" rtlCol="0" anchor="ctr">
+            <a:normAutofit fontScale="97500"/>
+          </a:bodyPr>
+          <a:lstStyle>
+            <a:lvl1pPr algn="l" defTabSz="914400" rtl="0" eaLnBrk="1" latinLnBrk="0" hangingPunct="1">
+              <a:lnSpc>
+                <a:spcPct val="90000"/>
+              </a:lnSpc>
+              <a:spcBef>
+                <a:spcPct val="0"/>
+              </a:spcBef>
+              <a:buNone/>
+              <a:defRPr sz="4400" kern="1200">
+                <a:solidFill>
+                  <a:schemeClr val="tx1"/>
+                </a:solidFill>
+                <a:latin typeface="+mj-lt"/>
+                <a:ea typeface="+mj-ea"/>
+                <a:cs typeface="+mj-cs"/>
+              </a:defRPr>
+            </a:lvl1pPr>
+          </a:lstStyle>
+          <a:p>
+            <a:r>
+              <a:rPr lang="zh-TW" altLang="en-US" dirty="0">
+                <a:latin typeface="Gen Jyuu Gothic Medium" panose="020B0402020203020207" pitchFamily="34" charset="-120"/>
+                <a:ea typeface="Gen Jyuu Gothic Medium" panose="020B0402020203020207" pitchFamily="34" charset="-120"/>
+                <a:cs typeface="Gen Jyuu Gothic Medium" panose="020B0402020203020207" pitchFamily="34" charset="-120"/>
+              </a:rPr>
+              <a:t>     結果</a:t>
+            </a:r>
+          </a:p>
+        </p:txBody>
+      </p:sp>
+      <p:sp>
+        <p:nvSpPr>
+          <p:cNvPr id="6" name="標題 1">
+            <a:extLst>
+              <a:ext uri="{FF2B5EF4-FFF2-40B4-BE49-F238E27FC236}">
+                <a16:creationId xmlns:a16="http://schemas.microsoft.com/office/drawing/2014/main" id="{1F372BBD-37B0-B00F-08A0-760EA812813C}"/>
+              </a:ext>
+            </a:extLst>
+          </p:cNvPr>
+          <p:cNvSpPr txBox="1">
+            <a:spLocks/>
+          </p:cNvSpPr>
+          <p:nvPr/>
+        </p:nvSpPr>
+        <p:spPr>
+          <a:xfrm>
+            <a:off x="-5476024" y="0"/>
+            <a:ext cx="5128024" cy="1491465"/>
+          </a:xfrm>
+          <a:prstGeom prst="rect">
+            <a:avLst/>
+          </a:prstGeom>
+        </p:spPr>
+        <p:txBody>
+          <a:bodyPr vert="horz" lIns="91440" tIns="45720" rIns="91440" bIns="45720" rtlCol="0" anchor="ctr">
+            <a:normAutofit fontScale="97500"/>
+          </a:bodyPr>
+          <a:lstStyle>
+            <a:lvl1pPr algn="l" defTabSz="914400" rtl="0" eaLnBrk="1" latinLnBrk="0" hangingPunct="1">
+              <a:lnSpc>
+                <a:spcPct val="90000"/>
+              </a:lnSpc>
+              <a:spcBef>
+                <a:spcPct val="0"/>
+              </a:spcBef>
+              <a:buNone/>
+              <a:defRPr sz="4400" kern="1200">
+                <a:solidFill>
+                  <a:schemeClr val="tx1"/>
+                </a:solidFill>
+                <a:latin typeface="+mj-lt"/>
+                <a:ea typeface="+mj-ea"/>
+                <a:cs typeface="+mj-cs"/>
+              </a:defRPr>
+            </a:lvl1pPr>
+          </a:lstStyle>
+          <a:p>
+            <a:r>
+              <a:rPr lang="zh-TW" altLang="en-US" dirty="0">
+                <a:latin typeface="Gen Jyuu Gothic Medium" panose="020B0402020203020207" pitchFamily="34" charset="-120"/>
+                <a:ea typeface="Gen Jyuu Gothic Medium" panose="020B0402020203020207" pitchFamily="34" charset="-120"/>
+                <a:cs typeface="Gen Jyuu Gothic Medium" panose="020B0402020203020207" pitchFamily="34" charset="-120"/>
+              </a:rPr>
+              <a:t>     努力</a:t>
+            </a:r>
+          </a:p>
+        </p:txBody>
+      </p:sp>
+      <p:pic>
+        <p:nvPicPr>
+          <p:cNvPr id="8" name="圖片 7">
+            <a:extLst>
+              <a:ext uri="{FF2B5EF4-FFF2-40B4-BE49-F238E27FC236}">
+                <a16:creationId xmlns:a16="http://schemas.microsoft.com/office/drawing/2014/main" id="{157AF3F0-66C0-34D2-DF31-3633B4CF9C01}"/>
+              </a:ext>
+            </a:extLst>
+          </p:cNvPr>
+          <p:cNvPicPr>
+            <a:picLocks noChangeAspect="1"/>
+          </p:cNvPicPr>
+          <p:nvPr/>
+        </p:nvPicPr>
+        <p:blipFill>
+          <a:blip r:embed="rId5">
+            <a:extLst>
+              <a:ext uri="{28A0092B-C50C-407E-A947-70E740481C1C}">
+                <a14:useLocalDpi xmlns:a14="http://schemas.microsoft.com/office/drawing/2010/main" val="0"/>
+              </a:ext>
+            </a:extLst>
+          </a:blip>
+          <a:srcRect/>
+          <a:stretch/>
+        </p:blipFill>
+        <p:spPr>
+          <a:xfrm>
+            <a:off x="-6659999" y="6469626"/>
+            <a:ext cx="5400000" cy="84752"/>
+          </a:xfrm>
+          <a:prstGeom prst="rect">
+            <a:avLst/>
+          </a:prstGeom>
+        </p:spPr>
+      </p:pic>
+      <p:pic>
+        <p:nvPicPr>
+          <p:cNvPr id="7" name="圖片 6">
+            <a:extLst>
+              <a:ext uri="{FF2B5EF4-FFF2-40B4-BE49-F238E27FC236}">
+                <a16:creationId xmlns:a16="http://schemas.microsoft.com/office/drawing/2014/main" id="{C7C4421F-58F0-C5A6-C1E9-7AB50B68B8DF}"/>
+              </a:ext>
+            </a:extLst>
+          </p:cNvPr>
+          <p:cNvPicPr>
+            <a:picLocks noChangeAspect="1"/>
+          </p:cNvPicPr>
+          <p:nvPr/>
+        </p:nvPicPr>
+        <p:blipFill>
+          <a:blip r:embed="rId6">
+            <a:extLst>
+              <a:ext uri="{28A0092B-C50C-407E-A947-70E740481C1C}">
+                <a14:useLocalDpi xmlns:a14="http://schemas.microsoft.com/office/drawing/2010/main" val="0"/>
+              </a:ext>
+            </a:extLst>
+          </a:blip>
+          <a:srcRect/>
+          <a:stretch/>
+        </p:blipFill>
+        <p:spPr>
+          <a:xfrm>
+            <a:off x="-6659999" y="1154378"/>
+            <a:ext cx="5400000" cy="5400000"/>
+          </a:xfrm>
+          <a:prstGeom prst="rect">
+            <a:avLst/>
+          </a:prstGeom>
+        </p:spPr>
+      </p:pic>
+      <p:pic>
+        <p:nvPicPr>
+          <p:cNvPr id="2" name="圖片 1">
+            <a:extLst>
+              <a:ext uri="{FF2B5EF4-FFF2-40B4-BE49-F238E27FC236}">
+                <a16:creationId xmlns:a16="http://schemas.microsoft.com/office/drawing/2014/main" id="{DCD22BC5-00EA-BCC0-0FED-2E924BE98844}"/>
+              </a:ext>
+            </a:extLst>
+          </p:cNvPr>
+          <p:cNvPicPr>
+            <a:picLocks/>
+          </p:cNvPicPr>
+          <p:nvPr/>
+        </p:nvPicPr>
+        <p:blipFill>
+          <a:blip r:embed="rId7"/>
+          <a:stretch>
+            <a:fillRect/>
+          </a:stretch>
+        </p:blipFill>
+        <p:spPr>
+          <a:xfrm>
+            <a:off x="6095999" y="1154378"/>
+            <a:ext cx="5400000" cy="5400000"/>
+          </a:xfrm>
+          <a:prstGeom prst="rect">
+            <a:avLst/>
+          </a:prstGeom>
+        </p:spPr>
+      </p:pic>
+      <p:pic>
+        <p:nvPicPr>
+          <p:cNvPr id="3" name="圖片 2">
+            <a:extLst>
+              <a:ext uri="{FF2B5EF4-FFF2-40B4-BE49-F238E27FC236}">
+                <a16:creationId xmlns:a16="http://schemas.microsoft.com/office/drawing/2014/main" id="{1B1D802E-DCB7-4A46-F012-3CC3D6CE566C}"/>
+              </a:ext>
+            </a:extLst>
+          </p:cNvPr>
+          <p:cNvPicPr>
+            <a:picLocks/>
+          </p:cNvPicPr>
+          <p:nvPr/>
+        </p:nvPicPr>
+        <p:blipFill>
+          <a:blip r:embed="rId7"/>
+          <a:stretch>
+            <a:fillRect/>
+          </a:stretch>
+        </p:blipFill>
+        <p:spPr>
+          <a:xfrm>
+            <a:off x="-4703999" y="1154378"/>
+            <a:ext cx="4703999" cy="5400000"/>
+          </a:xfrm>
+          <a:prstGeom prst="rect">
+            <a:avLst/>
+          </a:prstGeom>
+        </p:spPr>
+      </p:pic>
+    </p:spTree>
+    <p:extLst>
+      <p:ext uri="{BB962C8B-B14F-4D97-AF65-F5344CB8AC3E}">
+        <p14:creationId xmlns:p14="http://schemas.microsoft.com/office/powerpoint/2010/main" val="2932831686"/>
+      </p:ext>
+    </p:extLst>
+  </p:cSld>
+  <p:clrMapOvr>
+    <a:masterClrMapping/>
+  </p:clrMapOvr>
+  <mc:AlternateContent xmlns:mc="http://schemas.openxmlformats.org/markup-compatibility/2006" xmlns:p159="http://schemas.microsoft.com/office/powerpoint/2015/09/main">
+    <mc:Choice Requires="p159">
+      <p:transition xmlns:p14="http://schemas.microsoft.com/office/powerpoint/2010/main" spd="slow" p14:dur="2000">
+        <p159:morph option="byObject"/>
+      </p:transition>
+    </mc:Choice>
+    <mc:Fallback xmlns="">
+      <p:transition spd="slow">
+        <p:fade/>
+      </p:transition>
+    </mc:Fallback>
+  </mc:AlternateContent>
+</p:sld>
+</file>
+
+<file path=ppt/slides/slide8.xml><?xml version="1.0" encoding="utf-8"?>
+<p:sld xmlns:a="http://schemas.openxmlformats.org/drawingml/2006/main" xmlns:r="http://schemas.openxmlformats.org/officeDocument/2006/relationships" xmlns:p="http://schemas.openxmlformats.org/presentationml/2006/main">
+  <p:cSld>
+    <p:spTree>
+      <p:nvGrpSpPr>
+        <p:cNvPr id="1" name=""/>
+        <p:cNvGrpSpPr/>
+        <p:nvPr/>
+      </p:nvGrpSpPr>
+      <p:grpSpPr>
+        <a:xfrm>
+          <a:off x="0" y="0"/>
+          <a:ext cx="0" cy="0"/>
+          <a:chOff x="0" y="0"/>
+          <a:chExt cx="0" cy="0"/>
+        </a:xfrm>
+      </p:grpSpPr>
+      <p:pic>
+        <p:nvPicPr>
+          <p:cNvPr id="6" name="圖片 5">
+            <a:extLst>
+              <a:ext uri="{FF2B5EF4-FFF2-40B4-BE49-F238E27FC236}">
+                <a16:creationId xmlns:a16="http://schemas.microsoft.com/office/drawing/2014/main" id="{CFFD4C52-EC48-188B-245B-8EE0C34BDF14}"/>
+              </a:ext>
+            </a:extLst>
+          </p:cNvPr>
+          <p:cNvPicPr>
+            <a:picLocks noChangeAspect="1"/>
+          </p:cNvPicPr>
+          <p:nvPr/>
+        </p:nvPicPr>
+        <p:blipFill>
+          <a:blip r:embed="rId3">
+            <a:extLst>
+              <a:ext uri="{28A0092B-C50C-407E-A947-70E740481C1C}">
+                <a14:useLocalDpi xmlns:a14="http://schemas.microsoft.com/office/drawing/2010/main" val="0"/>
+              </a:ext>
+            </a:extLst>
+          </a:blip>
+          <a:srcRect/>
+          <a:stretch/>
+        </p:blipFill>
+        <p:spPr>
+          <a:xfrm>
+            <a:off x="6095999" y="1154378"/>
+            <a:ext cx="5400000" cy="5400000"/>
+          </a:xfrm>
+          <a:prstGeom prst="rect">
+            <a:avLst/>
+          </a:prstGeom>
+        </p:spPr>
+      </p:pic>
+      <p:pic>
+        <p:nvPicPr>
+          <p:cNvPr id="7" name="圖片 6">
+            <a:extLst>
+              <a:ext uri="{FF2B5EF4-FFF2-40B4-BE49-F238E27FC236}">
+                <a16:creationId xmlns:a16="http://schemas.microsoft.com/office/drawing/2014/main" id="{E734A429-9B01-6891-9BF4-39B5FBDE70B8}"/>
+              </a:ext>
+            </a:extLst>
+          </p:cNvPr>
+          <p:cNvPicPr>
+            <a:picLocks noChangeAspect="1"/>
+          </p:cNvPicPr>
+          <p:nvPr/>
+        </p:nvPicPr>
+        <p:blipFill>
+          <a:blip r:embed="rId4">
+            <a:extLst>
+              <a:ext uri="{28A0092B-C50C-407E-A947-70E740481C1C}">
+                <a14:useLocalDpi xmlns:a14="http://schemas.microsoft.com/office/drawing/2010/main" val="0"/>
+              </a:ext>
+            </a:extLst>
+          </a:blip>
+          <a:srcRect/>
+          <a:stretch/>
+        </p:blipFill>
+        <p:spPr>
+          <a:xfrm rot="10800000">
+            <a:off x="3216000" y="3674378"/>
+            <a:ext cx="360000" cy="360000"/>
+          </a:xfrm>
+          <a:prstGeom prst="rect">
+            <a:avLst/>
+          </a:prstGeom>
+        </p:spPr>
+      </p:pic>
+      <p:pic>
+        <p:nvPicPr>
+          <p:cNvPr id="5" name="圖片 4">
+            <a:extLst>
+              <a:ext uri="{FF2B5EF4-FFF2-40B4-BE49-F238E27FC236}">
+                <a16:creationId xmlns:a16="http://schemas.microsoft.com/office/drawing/2014/main" id="{5F9F7998-DBA2-5894-94D3-0345F87779E9}"/>
+              </a:ext>
+            </a:extLst>
+          </p:cNvPr>
+          <p:cNvPicPr>
+            <a:picLocks noChangeAspect="1"/>
+          </p:cNvPicPr>
+          <p:nvPr/>
+        </p:nvPicPr>
+        <p:blipFill>
+          <a:blip r:embed="rId5">
+            <a:extLst>
+              <a:ext uri="{28A0092B-C50C-407E-A947-70E740481C1C}">
+                <a14:useLocalDpi xmlns:a14="http://schemas.microsoft.com/office/drawing/2010/main" val="0"/>
+              </a:ext>
+            </a:extLst>
+          </a:blip>
+          <a:srcRect/>
+          <a:stretch/>
+        </p:blipFill>
+        <p:spPr>
+          <a:xfrm>
+            <a:off x="696000" y="1154378"/>
+            <a:ext cx="5400000" cy="5400000"/>
+          </a:xfrm>
+          <a:prstGeom prst="rect">
+            <a:avLst/>
+          </a:prstGeom>
+        </p:spPr>
+      </p:pic>
+      <p:sp>
+        <p:nvSpPr>
+          <p:cNvPr id="4" name="標題 1">
+            <a:extLst>
+              <a:ext uri="{FF2B5EF4-FFF2-40B4-BE49-F238E27FC236}">
+                <a16:creationId xmlns:a16="http://schemas.microsoft.com/office/drawing/2014/main" id="{AEA56453-D5A7-034A-798F-8E43020F8BFA}"/>
+              </a:ext>
+            </a:extLst>
+          </p:cNvPr>
+          <p:cNvSpPr txBox="1">
+            <a:spLocks/>
+          </p:cNvSpPr>
+          <p:nvPr/>
+        </p:nvSpPr>
+        <p:spPr>
+          <a:xfrm>
+            <a:off x="0" y="0"/>
+            <a:ext cx="5128024" cy="1491465"/>
+          </a:xfrm>
+          <a:prstGeom prst="rect">
+            <a:avLst/>
+          </a:prstGeom>
+        </p:spPr>
+        <p:txBody>
+          <a:bodyPr vert="horz" lIns="91440" tIns="45720" rIns="91440" bIns="45720" rtlCol="0" anchor="ctr">
+            <a:normAutofit fontScale="97500"/>
+          </a:bodyPr>
+          <a:lstStyle>
+            <a:lvl1pPr algn="l" defTabSz="914400" rtl="0" eaLnBrk="1" latinLnBrk="0" hangingPunct="1">
+              <a:lnSpc>
+                <a:spcPct val="90000"/>
+              </a:lnSpc>
+              <a:spcBef>
+                <a:spcPct val="0"/>
+              </a:spcBef>
+              <a:buNone/>
+              <a:defRPr sz="4400" kern="1200">
+                <a:solidFill>
+                  <a:schemeClr val="tx1"/>
+                </a:solidFill>
+                <a:latin typeface="+mj-lt"/>
+                <a:ea typeface="+mj-ea"/>
+                <a:cs typeface="+mj-cs"/>
+              </a:defRPr>
+            </a:lvl1pPr>
+          </a:lstStyle>
+          <a:p>
+            <a:r>
+              <a:rPr lang="zh-TW" altLang="en-US" dirty="0">
+                <a:latin typeface="Gen Jyuu Gothic Medium" panose="020B0402020203020207" pitchFamily="34" charset="-120"/>
+                <a:ea typeface="Gen Jyuu Gothic Medium" panose="020B0402020203020207" pitchFamily="34" charset="-120"/>
+                <a:cs typeface="Gen Jyuu Gothic Medium" panose="020B0402020203020207" pitchFamily="34" charset="-120"/>
+              </a:rPr>
+              <a:t>     結果</a:t>
+            </a:r>
+          </a:p>
+        </p:txBody>
+      </p:sp>
+      <p:pic>
+        <p:nvPicPr>
+          <p:cNvPr id="2" name="圖片 1">
+            <a:extLst>
+              <a:ext uri="{FF2B5EF4-FFF2-40B4-BE49-F238E27FC236}">
+                <a16:creationId xmlns:a16="http://schemas.microsoft.com/office/drawing/2014/main" id="{A1EFBB29-D2F5-B915-DE19-8E2AE7A4E27E}"/>
+              </a:ext>
+            </a:extLst>
+          </p:cNvPr>
+          <p:cNvPicPr>
+            <a:picLocks/>
+          </p:cNvPicPr>
+          <p:nvPr/>
+        </p:nvPicPr>
+        <p:blipFill>
+          <a:blip r:embed="rId6"/>
+          <a:stretch>
+            <a:fillRect/>
+          </a:stretch>
+        </p:blipFill>
+        <p:spPr>
+          <a:xfrm>
+            <a:off x="6095999" y="1154378"/>
+            <a:ext cx="5400000" cy="5760000"/>
+          </a:xfrm>
+          <a:prstGeom prst="rect">
+            <a:avLst/>
+          </a:prstGeom>
+        </p:spPr>
+      </p:pic>
+      <p:pic>
+        <p:nvPicPr>
+          <p:cNvPr id="3" name="圖片 2">
+            <a:extLst>
+              <a:ext uri="{FF2B5EF4-FFF2-40B4-BE49-F238E27FC236}">
+                <a16:creationId xmlns:a16="http://schemas.microsoft.com/office/drawing/2014/main" id="{092AADD7-07C8-7CA3-71B3-227302C2229B}"/>
+              </a:ext>
+            </a:extLst>
+          </p:cNvPr>
+          <p:cNvPicPr>
+            <a:picLocks/>
+          </p:cNvPicPr>
+          <p:nvPr/>
+        </p:nvPicPr>
+        <p:blipFill>
+          <a:blip r:embed="rId6"/>
+          <a:stretch>
+            <a:fillRect/>
+          </a:stretch>
+        </p:blipFill>
+        <p:spPr>
+          <a:xfrm>
+            <a:off x="-4703999" y="1154378"/>
+            <a:ext cx="5400000" cy="5760000"/>
+          </a:xfrm>
+          <a:prstGeom prst="rect">
+            <a:avLst/>
+          </a:prstGeom>
+        </p:spPr>
+      </p:pic>
+    </p:spTree>
+    <p:extLst>
+      <p:ext uri="{BB962C8B-B14F-4D97-AF65-F5344CB8AC3E}">
+        <p14:creationId xmlns:p14="http://schemas.microsoft.com/office/powerpoint/2010/main" val="2477061936"/>
+      </p:ext>
+    </p:extLst>
+  </p:cSld>
+  <p:clrMapOvr>
+    <a:masterClrMapping/>
+  </p:clrMapOvr>
+  <mc:AlternateContent xmlns:mc="http://schemas.openxmlformats.org/markup-compatibility/2006" xmlns:p159="http://schemas.microsoft.com/office/powerpoint/2015/09/main">
+    <mc:Choice Requires="p159">
+      <p:transition xmlns:p14="http://schemas.microsoft.com/office/powerpoint/2010/main" spd="slow" p14:dur="2000">
+        <p159:morph option="byObject"/>
+      </p:transition>
+    </mc:Choice>
+    <mc:Fallback xmlns="">
+      <p:transition spd="slow">
+        <p:fade/>
+      </p:transition>
+    </mc:Fallback>
+  </mc:AlternateContent>
+</p:sld>
+</file>
+
+<file path=ppt/slides/slide9.xml><?xml version="1.0" encoding="utf-8"?>
+<p:sld xmlns:a="http://schemas.openxmlformats.org/drawingml/2006/main" xmlns:r="http://schemas.openxmlformats.org/officeDocument/2006/relationships" xmlns:p="http://schemas.openxmlformats.org/presentationml/2006/main">
+  <p:cSld>
+    <p:spTree>
+      <p:nvGrpSpPr>
+        <p:cNvPr id="1" name=""/>
+        <p:cNvGrpSpPr/>
+        <p:nvPr/>
+      </p:nvGrpSpPr>
+      <p:grpSpPr>
+        <a:xfrm>
+          <a:off x="0" y="0"/>
+          <a:ext cx="0" cy="0"/>
+          <a:chOff x="0" y="0"/>
+          <a:chExt cx="0" cy="0"/>
+        </a:xfrm>
+      </p:grpSpPr>
+      <p:pic>
+        <p:nvPicPr>
+          <p:cNvPr id="7" name="圖片 6">
+            <a:extLst>
+              <a:ext uri="{FF2B5EF4-FFF2-40B4-BE49-F238E27FC236}">
+                <a16:creationId xmlns:a16="http://schemas.microsoft.com/office/drawing/2014/main" id="{F7EE636D-CE93-F610-67BE-9A5C2AEF5DE6}"/>
+              </a:ext>
+            </a:extLst>
+          </p:cNvPr>
+          <p:cNvPicPr>
+            <a:picLocks noChangeAspect="1"/>
+          </p:cNvPicPr>
+          <p:nvPr/>
+        </p:nvPicPr>
+        <p:blipFill>
+          <a:blip r:embed="rId3">
+            <a:extLst>
+              <a:ext uri="{28A0092B-C50C-407E-A947-70E740481C1C}">
+                <a14:useLocalDpi xmlns:a14="http://schemas.microsoft.com/office/drawing/2010/main" val="0"/>
+              </a:ext>
+            </a:extLst>
+          </a:blip>
+          <a:srcRect/>
+          <a:stretch/>
+        </p:blipFill>
+        <p:spPr>
+          <a:xfrm>
+            <a:off x="-4704001" y="1154378"/>
+            <a:ext cx="5400000" cy="5400000"/>
+          </a:xfrm>
+          <a:prstGeom prst="rect">
+            <a:avLst/>
+          </a:prstGeom>
+        </p:spPr>
+      </p:pic>
+      <p:sp>
+        <p:nvSpPr>
+          <p:cNvPr id="6" name="標題 1">
+            <a:extLst>
+              <a:ext uri="{FF2B5EF4-FFF2-40B4-BE49-F238E27FC236}">
+                <a16:creationId xmlns:a16="http://schemas.microsoft.com/office/drawing/2014/main" id="{980BEC2E-DEF0-54AC-E12A-9A1DC90E65BA}"/>
+              </a:ext>
+            </a:extLst>
+          </p:cNvPr>
+          <p:cNvSpPr txBox="1">
+            <a:spLocks/>
+          </p:cNvSpPr>
+          <p:nvPr/>
+        </p:nvSpPr>
+        <p:spPr>
+          <a:xfrm>
+            <a:off x="0" y="-1"/>
+            <a:ext cx="5128024" cy="1491465"/>
+          </a:xfrm>
+          <a:prstGeom prst="rect">
+            <a:avLst/>
+          </a:prstGeom>
+        </p:spPr>
+        <p:txBody>
+          <a:bodyPr vert="horz" lIns="91440" tIns="45720" rIns="91440" bIns="45720" rtlCol="0" anchor="ctr">
+            <a:normAutofit fontScale="97500"/>
+          </a:bodyPr>
+          <a:lstStyle>
+            <a:lvl1pPr algn="l" defTabSz="914400" rtl="0" eaLnBrk="1" latinLnBrk="0" hangingPunct="1">
+              <a:lnSpc>
+                <a:spcPct val="90000"/>
+              </a:lnSpc>
+              <a:spcBef>
+                <a:spcPct val="0"/>
+              </a:spcBef>
+              <a:buNone/>
+              <a:defRPr sz="4400" kern="1200">
+                <a:solidFill>
+                  <a:schemeClr val="tx1"/>
+                </a:solidFill>
+                <a:latin typeface="+mj-lt"/>
+                <a:ea typeface="+mj-ea"/>
+                <a:cs typeface="+mj-cs"/>
+              </a:defRPr>
+            </a:lvl1pPr>
+          </a:lstStyle>
+          <a:p>
+            <a:r>
+              <a:rPr lang="zh-TW" altLang="en-US" dirty="0">
+                <a:latin typeface="Gen Jyuu Gothic Medium" panose="020B0402020203020207" pitchFamily="34" charset="-120"/>
+                <a:ea typeface="Gen Jyuu Gothic Medium" panose="020B0402020203020207" pitchFamily="34" charset="-120"/>
+                <a:cs typeface="Gen Jyuu Gothic Medium" panose="020B0402020203020207" pitchFamily="34" charset="-120"/>
+              </a:rPr>
+              <a:t>     </a:t>
+            </a:r>
+            <a:r>
+              <a:rPr lang="zh-TW" altLang="en-US" dirty="0">
+                <a:solidFill>
+                  <a:srgbClr val="C5E0B4"/>
+                </a:solidFill>
+                <a:latin typeface="Gen Jyuu Gothic Medium" panose="020B0402020203020207" pitchFamily="34" charset="-120"/>
+                <a:ea typeface="Gen Jyuu Gothic Medium" panose="020B0402020203020207" pitchFamily="34" charset="-120"/>
+                <a:cs typeface="Gen Jyuu Gothic Medium" panose="020B0402020203020207" pitchFamily="34" charset="-120"/>
+              </a:rPr>
+              <a:t>轉彎</a:t>
+            </a:r>
+          </a:p>
+        </p:txBody>
+      </p:sp>
+      <p:sp>
+        <p:nvSpPr>
+          <p:cNvPr id="4" name="標題 1">
+            <a:extLst>
+              <a:ext uri="{FF2B5EF4-FFF2-40B4-BE49-F238E27FC236}">
+                <a16:creationId xmlns:a16="http://schemas.microsoft.com/office/drawing/2014/main" id="{AEA56453-D5A7-034A-798F-8E43020F8BFA}"/>
+              </a:ext>
+            </a:extLst>
+          </p:cNvPr>
+          <p:cNvSpPr txBox="1">
+            <a:spLocks/>
+          </p:cNvSpPr>
+          <p:nvPr/>
+        </p:nvSpPr>
+        <p:spPr>
+          <a:xfrm>
+            <a:off x="0" y="0"/>
+            <a:ext cx="5128024" cy="1491465"/>
+          </a:xfrm>
+          <a:prstGeom prst="rect">
+            <a:avLst/>
+          </a:prstGeom>
+        </p:spPr>
+        <p:txBody>
+          <a:bodyPr vert="horz" lIns="91440" tIns="45720" rIns="91440" bIns="45720" rtlCol="0" anchor="ctr">
+            <a:normAutofit fontScale="97500"/>
+          </a:bodyPr>
+          <a:lstStyle>
+            <a:lvl1pPr algn="l" defTabSz="914400" rtl="0" eaLnBrk="1" latinLnBrk="0" hangingPunct="1">
+              <a:lnSpc>
+                <a:spcPct val="90000"/>
+              </a:lnSpc>
+              <a:spcBef>
+                <a:spcPct val="0"/>
+              </a:spcBef>
+              <a:buNone/>
+              <a:defRPr sz="4400" kern="1200">
+                <a:solidFill>
+                  <a:schemeClr val="tx1"/>
+                </a:solidFill>
+                <a:latin typeface="+mj-lt"/>
+                <a:ea typeface="+mj-ea"/>
+                <a:cs typeface="+mj-cs"/>
+              </a:defRPr>
+            </a:lvl1pPr>
+          </a:lstStyle>
+          <a:p>
+            <a:r>
+              <a:rPr lang="zh-TW" altLang="en-US" dirty="0">
+                <a:latin typeface="Gen Jyuu Gothic Medium" panose="020B0402020203020207" pitchFamily="34" charset="-120"/>
+                <a:ea typeface="Gen Jyuu Gothic Medium" panose="020B0402020203020207" pitchFamily="34" charset="-120"/>
+                <a:cs typeface="Gen Jyuu Gothic Medium" panose="020B0402020203020207" pitchFamily="34" charset="-120"/>
+              </a:rPr>
+              <a:t>     意外</a:t>
+            </a:r>
+          </a:p>
+        </p:txBody>
+      </p:sp>
+      <p:pic>
+        <p:nvPicPr>
+          <p:cNvPr id="5" name="圖片 4">
+            <a:extLst>
+              <a:ext uri="{FF2B5EF4-FFF2-40B4-BE49-F238E27FC236}">
+                <a16:creationId xmlns:a16="http://schemas.microsoft.com/office/drawing/2014/main" id="{E3C32133-5A2D-BC01-B2A6-E07E7BF1240A}"/>
+              </a:ext>
+            </a:extLst>
+          </p:cNvPr>
+          <p:cNvPicPr>
+            <a:picLocks noChangeAspect="1"/>
+          </p:cNvPicPr>
+          <p:nvPr/>
+        </p:nvPicPr>
+        <p:blipFill>
+          <a:blip r:embed="rId4">
+            <a:extLst>
+              <a:ext uri="{28A0092B-C50C-407E-A947-70E740481C1C}">
+                <a14:useLocalDpi xmlns:a14="http://schemas.microsoft.com/office/drawing/2010/main" val="0"/>
+              </a:ext>
+            </a:extLst>
+          </a:blip>
+          <a:srcRect/>
+          <a:stretch/>
+        </p:blipFill>
+        <p:spPr>
+          <a:xfrm>
+            <a:off x="696000" y="1154378"/>
+            <a:ext cx="5400000" cy="5400000"/>
+          </a:xfrm>
+          <a:prstGeom prst="rect">
+            <a:avLst/>
+          </a:prstGeom>
+        </p:spPr>
+      </p:pic>
+      <p:pic>
+        <p:nvPicPr>
+          <p:cNvPr id="8" name="圖片 7">
+            <a:extLst>
+              <a:ext uri="{FF2B5EF4-FFF2-40B4-BE49-F238E27FC236}">
+                <a16:creationId xmlns:a16="http://schemas.microsoft.com/office/drawing/2014/main" id="{C17AF8C9-963B-33DE-62BA-28339C9EC6D8}"/>
+              </a:ext>
+            </a:extLst>
+          </p:cNvPr>
+          <p:cNvPicPr>
+            <a:picLocks noChangeAspect="1"/>
+          </p:cNvPicPr>
+          <p:nvPr/>
+        </p:nvPicPr>
+        <p:blipFill>
+          <a:blip r:embed="rId5">
+            <a:extLst>
+              <a:ext uri="{28A0092B-C50C-407E-A947-70E740481C1C}">
+                <a14:useLocalDpi xmlns:a14="http://schemas.microsoft.com/office/drawing/2010/main" val="0"/>
+              </a:ext>
+            </a:extLst>
+          </a:blip>
+          <a:srcRect/>
+          <a:stretch/>
+        </p:blipFill>
+        <p:spPr>
+          <a:xfrm>
+            <a:off x="-6289256" y="1154378"/>
+            <a:ext cx="5400000" cy="5400000"/>
+          </a:xfrm>
+          <a:prstGeom prst="rect">
+            <a:avLst/>
+          </a:prstGeom>
+        </p:spPr>
+      </p:pic>
+      <p:pic>
+        <p:nvPicPr>
+          <p:cNvPr id="2" name="圖片 1">
+            <a:extLst>
+              <a:ext uri="{FF2B5EF4-FFF2-40B4-BE49-F238E27FC236}">
+                <a16:creationId xmlns:a16="http://schemas.microsoft.com/office/drawing/2014/main" id="{4BAAD476-A7D7-4CD4-06B3-13DC0769A119}"/>
+              </a:ext>
+            </a:extLst>
+          </p:cNvPr>
+          <p:cNvPicPr>
+            <a:picLocks/>
+          </p:cNvPicPr>
+          <p:nvPr/>
+        </p:nvPicPr>
+        <p:blipFill>
+          <a:blip r:embed="rId6"/>
+          <a:stretch>
+            <a:fillRect/>
+          </a:stretch>
+        </p:blipFill>
+        <p:spPr>
+          <a:xfrm>
+            <a:off x="6096000" y="1154378"/>
+            <a:ext cx="5400000" cy="5400000"/>
+          </a:xfrm>
+          <a:prstGeom prst="rect">
+            <a:avLst/>
+          </a:prstGeom>
+        </p:spPr>
+      </p:pic>
+      <p:pic>
+        <p:nvPicPr>
+          <p:cNvPr id="3" name="圖片 2">
+            <a:extLst>
+              <a:ext uri="{FF2B5EF4-FFF2-40B4-BE49-F238E27FC236}">
+                <a16:creationId xmlns:a16="http://schemas.microsoft.com/office/drawing/2014/main" id="{F37B4C95-7082-D94B-CF82-12728143E165}"/>
+              </a:ext>
+            </a:extLst>
+          </p:cNvPr>
+          <p:cNvPicPr>
+            <a:picLocks/>
+          </p:cNvPicPr>
+          <p:nvPr/>
+        </p:nvPicPr>
+        <p:blipFill>
+          <a:blip r:embed="rId6"/>
+          <a:stretch>
+            <a:fillRect/>
+          </a:stretch>
+        </p:blipFill>
+        <p:spPr>
+          <a:xfrm>
+            <a:off x="-4703999" y="1154378"/>
+            <a:ext cx="5400000" cy="5400000"/>
+          </a:xfrm>
+          <a:prstGeom prst="rect">
+            <a:avLst/>
+          </a:prstGeom>
+        </p:spPr>
+      </p:pic>
+    </p:spTree>
+    <p:extLst>
+      <p:ext uri="{BB962C8B-B14F-4D97-AF65-F5344CB8AC3E}">
+        <p14:creationId xmlns:p14="http://schemas.microsoft.com/office/powerpoint/2010/main" val="105423708"/>
+      </p:ext>
+    </p:extLst>
+  </p:cSld>
+  <p:clrMapOvr>
+    <a:masterClrMapping/>
+  </p:clrMapOvr>
+  <mc:AlternateContent xmlns:mc="http://schemas.openxmlformats.org/markup-compatibility/2006" xmlns:p159="http://schemas.microsoft.com/office/powerpoint/2015/09/main">
+    <mc:Choice Requires="p159">
+      <p:transition xmlns:p14="http://schemas.microsoft.com/office/powerpoint/2010/main" spd="slow" p14:dur="2000">
+        <p159:morph option="byObject"/>
+      </p:transition>
+    </mc:Choice>
+    <mc:Fallback xmlns="">
+      <p:transition spd="slow">
+        <p:fade/>
+      </p:transition>
+    </mc:Fallback>
+  </mc:AlternateContent>
+</p:sld>
+</file>
+
 <file path=ppt/theme/theme1.xml><?xml version="1.0" encoding="utf-8"?>
+<a:theme xmlns:a="http://schemas.openxmlformats.org/drawingml/2006/main" name="HDOfficeLightV0">
+  <a:themeElements>
+    <a:clrScheme name="Office">
+      <a:dk1>
+        <a:sysClr val="windowText" lastClr="000000"/>
+      </a:dk1>
+      <a:lt1>
+        <a:sysClr val="window" lastClr="FFFFFF"/>
+      </a:lt1>
+      <a:dk2>
+        <a:srgbClr val="44546A"/>
+      </a:dk2>
+      <a:lt2>
+        <a:srgbClr val="E7E6E6"/>
+      </a:lt2>
+      <a:accent1>
+        <a:srgbClr val="5B9BD5"/>
+      </a:accent1>
+      <a:accent2>
+        <a:srgbClr val="ED7D31"/>
+      </a:accent2>
+      <a:accent3>
+        <a:srgbClr val="A5A5A5"/>
+      </a:accent3>
+      <a:accent4>
+        <a:srgbClr val="FFC000"/>
+      </a:accent4>
+      <a:accent5>
+        <a:srgbClr val="4472C4"/>
+      </a:accent5>
+      <a:accent6>
+        <a:srgbClr val="70AD47"/>
+      </a:accent6>
+      <a:hlink>
+        <a:srgbClr val="0563C1"/>
+      </a:hlink>
+      <a:folHlink>
+        <a:srgbClr val="954F72"/>
+      </a:folHlink>
+    </a:clrScheme>
+    <a:fontScheme name="Office">
+      <a:majorFont>
+        <a:latin typeface="Calibri Light"/>
+        <a:ea typeface=""/>
+        <a:cs typeface=""/>
+        <a:font script="Jpan" typeface="ＭＳ Ｐゴシック"/>
+        <a:font script="Hang" typeface="맑은 고딕"/>
+        <a:font script="Hans" typeface="宋体"/>
+        <a:font script="Hant" typeface="新細明體"/>
+        <a:font script="Arab" typeface="Times New Roman"/>
+        <a:font script="Hebr" typeface="Times New Roman"/>
+        <a:font script="Thai" typeface="Angsana New"/>
+        <a:font script="Ethi" typeface="Nyala"/>
+        <a:font script="Beng" typeface="Vrinda"/>
+        <a:font script="Gujr" typeface="Shruti"/>
+        <a:font script="Khmr" typeface="MoolBoran"/>
+        <a:font script="Knda" typeface="Tunga"/>
+        <a:font script="Guru" typeface="Raavi"/>
+        <a:font script="Cans" typeface="Euphemia"/>
+        <a:font script="Cher" typeface="Plantagenet Cherokee"/>
+        <a:font script="Yiii" typeface="Microsoft Yi Baiti"/>
+        <a:font script="Tibt" typeface="Microsoft Himalaya"/>
+        <a:font script="Thaa" typeface="MV Boli"/>
+        <a:font script="Deva" typeface="Mangal"/>
+        <a:font script="Telu" typeface="Gautami"/>
+        <a:font script="Taml" typeface="Latha"/>
+        <a:font script="Syrc" typeface="Estrangelo Edessa"/>
+        <a:font script="Orya" typeface="Kalinga"/>
+        <a:font script="Mlym" typeface="Kartika"/>
+        <a:font script="Laoo" typeface="DokChampa"/>
+        <a:font script="Sinh" typeface="Iskoola Pota"/>
+        <a:font script="Mong" typeface="Mongolian Baiti"/>
+        <a:font script="Viet" typeface="Times New Roman"/>
+        <a:font script="Uigh" typeface="Microsoft Uighur"/>
+        <a:font script="Geor" typeface="Sylfaen"/>
+      </a:majorFont>
+      <a:minorFont>
+        <a:latin typeface="Calibri"/>
+        <a:ea typeface=""/>
+        <a:cs typeface=""/>
+        <a:font script="Jpan" typeface="ＭＳ Ｐゴシック"/>
+        <a:font script="Hang" typeface="맑은 고딕"/>
+        <a:font script="Hans" typeface="宋体"/>
+        <a:font script="Hant" typeface="新細明體"/>
+        <a:font script="Arab" typeface="Arial"/>
+        <a:font script="Hebr" typeface="Arial"/>
+        <a:font script="Thai" typeface="Cordia New"/>
+        <a:font script="Ethi" typeface="Nyala"/>
+        <a:font script="Beng" typeface="Vrinda"/>
+        <a:font script="Gujr" typeface="Shruti"/>
+        <a:font script="Khmr" typeface="DaunPenh"/>
+        <a:font script="Knda" typeface="Tunga"/>
+        <a:font script="Guru" typeface="Raavi"/>
+        <a:font script="Cans" typeface="Euphemia"/>
+        <a:font script="Cher" typeface="Plantagenet Cherokee"/>
+        <a:font script="Yiii" typeface="Microsoft Yi Baiti"/>
+        <a:font script="Tibt" typeface="Microsoft Himalaya"/>
+        <a:font script="Thaa" typeface="MV Boli"/>
+        <a:font script="Deva" typeface="Mangal"/>
+        <a:font script="Telu" typeface="Gautami"/>
+        <a:font script="Taml" typeface="Latha"/>
+        <a:font script="Syrc" typeface="Estrangelo Edessa"/>
+        <a:font script="Orya" typeface="Kalinga"/>
+        <a:font script="Mlym" typeface="Kartika"/>
+        <a:font script="Laoo" typeface="DokChampa"/>
+        <a:font script="Sinh" typeface="Iskoola Pota"/>
+        <a:font script="Mong" typeface="Mongolian Baiti"/>
+        <a:font script="Viet" typeface="Arial"/>
+        <a:font script="Uigh" typeface="Microsoft Uighur"/>
+        <a:font script="Geor" typeface="Sylfaen"/>
+      </a:minorFont>
+    </a:fontScheme>
+    <a:fmtScheme name="Office">
+      <a:fillStyleLst>
+        <a:solidFill>
+          <a:schemeClr val="phClr"/>
+        </a:solidFill>
+        <a:gradFill rotWithShape="1">
+          <a:gsLst>
+            <a:gs pos="0">
+              <a:schemeClr val="phClr">
+                <a:tint val="67000"/>
+                <a:satMod val="105000"/>
+                <a:lumMod val="110000"/>
+              </a:schemeClr>
+            </a:gs>
+            <a:gs pos="50000">
+              <a:schemeClr val="phClr">
+                <a:tint val="73000"/>
+                <a:satMod val="103000"/>
+                <a:lumMod val="105000"/>
+              </a:schemeClr>
+            </a:gs>
+            <a:gs pos="100000">
+              <a:schemeClr val="phClr">
+                <a:tint val="81000"/>
+                <a:satMod val="109000"/>
+                <a:lumMod val="105000"/>
+              </a:schemeClr>
+            </a:gs>
+          </a:gsLst>
+          <a:lin ang="5400000" scaled="0"/>
+        </a:gradFill>
+        <a:gradFill rotWithShape="1">
+          <a:gsLst>
+            <a:gs pos="0">
+              <a:schemeClr val="phClr">
+                <a:tint val="94000"/>
+                <a:satMod val="103000"/>
+                <a:lumMod val="102000"/>
+              </a:schemeClr>
+            </a:gs>
+            <a:gs pos="50000">
+              <a:schemeClr val="phClr">
+                <a:shade val="100000"/>
+                <a:satMod val="110000"/>
+                <a:lumMod val="100000"/>
+              </a:schemeClr>
+            </a:gs>
+            <a:gs pos="100000">
+              <a:schemeClr val="phClr">
+                <a:shade val="78000"/>
+                <a:satMod val="120000"/>
+                <a:lumMod val="99000"/>
+              </a:schemeClr>
+            </a:gs>
+          </a:gsLst>
+          <a:lin ang="5400000" scaled="0"/>
+        </a:gradFill>
+      </a:fillStyleLst>
+      <a:lnStyleLst>
+        <a:ln w="6350" cap="flat" cmpd="sng" algn="ctr">
+          <a:solidFill>
+            <a:schemeClr val="phClr"/>
+          </a:solidFill>
+          <a:prstDash val="solid"/>
+        </a:ln>
+        <a:ln w="12700" cap="flat" cmpd="sng" algn="ctr">
+          <a:solidFill>
+            <a:schemeClr val="phClr"/>
+          </a:solidFill>
+          <a:prstDash val="solid"/>
+        </a:ln>
+        <a:ln w="19050" cap="flat" cmpd="sng" algn="ctr">
+          <a:solidFill>
+            <a:schemeClr val="phClr"/>
+          </a:solidFill>
+          <a:prstDash val="solid"/>
+        </a:ln>
+      </a:lnStyleLst>
+      <a:effectStyleLst>
+        <a:effectStyle>
+          <a:effectLst/>
+        </a:effectStyle>
+        <a:effectStyle>
+          <a:effectLst/>
+        </a:effectStyle>
+        <a:effectStyle>
+          <a:effectLst>
+            <a:outerShdw blurRad="57150" dist="19050" dir="5400000" algn="ctr" rotWithShape="0">
+              <a:srgbClr val="000000">
+                <a:alpha val="63000"/>
+              </a:srgbClr>
+            </a:outerShdw>
+          </a:effectLst>
+        </a:effectStyle>
+      </a:effectStyleLst>
+      <a:bgFillStyleLst>
+        <a:solidFill>
+          <a:schemeClr val="phClr"/>
+        </a:solidFill>
+        <a:solidFill>
+          <a:schemeClr val="phClr">
+            <a:tint val="95000"/>
+            <a:satMod val="170000"/>
+          </a:schemeClr>
+        </a:solidFill>
+        <a:gradFill rotWithShape="1">
+          <a:gsLst>
+            <a:gs pos="0">
+              <a:schemeClr val="phClr">
+                <a:tint val="93000"/>
+                <a:shade val="98000"/>
+                <a:satMod val="150000"/>
+                <a:lumMod val="102000"/>
+              </a:schemeClr>
+            </a:gs>
+            <a:gs pos="50000">
+              <a:schemeClr val="phClr">
+                <a:tint val="98000"/>
+                <a:shade val="90000"/>
+                <a:satMod val="130000"/>
+                <a:lumMod val="103000"/>
+              </a:schemeClr>
+            </a:gs>
+            <a:gs pos="100000">
+              <a:schemeClr val="phClr">
+                <a:shade val="63000"/>
+                <a:satMod val="120000"/>
+              </a:schemeClr>
+            </a:gs>
+          </a:gsLst>
+          <a:lin ang="5400000" scaled="0"/>
+        </a:gradFill>
+      </a:bgFillStyleLst>
+    </a:fmtScheme>
+  </a:themeElements>
+  <a:objectDefaults/>
+  <a:extraClrSchemeLst/>
+</a:theme>
+</file>
+
+<file path=ppt/theme/theme2.xml><?xml version="1.0" encoding="utf-8"?>
 <a:theme xmlns:a="http://schemas.openxmlformats.org/drawingml/2006/main" name="Office 佈景主題">
   <a:themeElements>
     <a:clrScheme name="Office">
